--- a/Neural Networks/Neural Nets and AI Midterm Presentation.pptx
+++ b/Neural Networks/Neural Nets and AI Midterm Presentation.pptx
@@ -23,18 +23,19 @@
     <p:sldId id="268" r:id="rId18"/>
     <p:sldId id="269" r:id="rId19"/>
     <p:sldId id="270" r:id="rId20"/>
+    <p:sldId id="271" r:id="rId21"/>
   </p:sldIdLst>
   <p:sldSz cy="5143500" cx="9144000"/>
   <p:notesSz cx="6858000" cy="9144000"/>
   <p:embeddedFontLst>
     <p:embeddedFont>
       <p:font typeface="Average"/>
-      <p:regular r:id="rId21"/>
+      <p:regular r:id="rId22"/>
     </p:embeddedFont>
     <p:embeddedFont>
       <p:font typeface="Oswald"/>
-      <p:regular r:id="rId22"/>
-      <p:bold r:id="rId23"/>
+      <p:regular r:id="rId23"/>
+      <p:bold r:id="rId24"/>
     </p:embeddedFont>
   </p:embeddedFontLst>
   <p:defaultTextStyle>
@@ -815,7 +816,7 @@
   <p:cSld>
     <p:spTree>
       <p:nvGrpSpPr>
-        <p:cNvPr id="117" name="Shape 117"/>
+        <p:cNvPr id="118" name="Shape 118"/>
         <p:cNvGrpSpPr/>
         <p:nvPr/>
       </p:nvGrpSpPr>
@@ -829,7 +830,7 @@
       </p:grpSpPr>
       <p:sp>
         <p:nvSpPr>
-          <p:cNvPr id="118" name="Google Shape;118;g70337b2347_0_37:notes"/>
+          <p:cNvPr id="119" name="Google Shape;119;g70337b2347_0_37:notes"/>
           <p:cNvSpPr/>
           <p:nvPr>
             <p:ph idx="2" type="sldImg"/>
@@ -864,7 +865,7 @@
       </p:sp>
       <p:sp>
         <p:nvSpPr>
-          <p:cNvPr id="119" name="Google Shape;119;g70337b2347_0_37:notes"/>
+          <p:cNvPr id="120" name="Google Shape;120;g70337b2347_0_37:notes"/>
           <p:cNvSpPr txBox="1"/>
           <p:nvPr>
             <p:ph idx="1" type="body"/>
@@ -914,7 +915,7 @@
   <p:cSld>
     <p:spTree>
       <p:nvGrpSpPr>
-        <p:cNvPr id="123" name="Shape 123"/>
+        <p:cNvPr id="124" name="Shape 124"/>
         <p:cNvGrpSpPr/>
         <p:nvPr/>
       </p:nvGrpSpPr>
@@ -928,7 +929,7 @@
       </p:grpSpPr>
       <p:sp>
         <p:nvSpPr>
-          <p:cNvPr id="124" name="Google Shape;124;g70337b2347_0_0:notes"/>
+          <p:cNvPr id="125" name="Google Shape;125;g52cdccaea3_0_70:notes"/>
           <p:cNvSpPr/>
           <p:nvPr>
             <p:ph idx="2" type="sldImg"/>
@@ -963,7 +964,7 @@
       </p:sp>
       <p:sp>
         <p:nvSpPr>
-          <p:cNvPr id="125" name="Google Shape;125;g70337b2347_0_0:notes"/>
+          <p:cNvPr id="126" name="Google Shape;126;g52cdccaea3_0_70:notes"/>
           <p:cNvSpPr txBox="1"/>
           <p:nvPr>
             <p:ph idx="1" type="body"/>
@@ -994,17 +995,7 @@
               <a:buNone/>
             </a:pPr>
             <a:r>
-              <a:rPr lang="en"/>
-              <a:t>Picture: </a:t>
-            </a:r>
-            <a:r>
-              <a:rPr lang="en" u="sng">
-                <a:solidFill>
-                  <a:schemeClr val="hlink"/>
-                </a:solidFill>
-                <a:hlinkClick r:id="rId2"/>
-              </a:rPr>
-              <a:t>https://www.geeksforgeeks.org/underfitting-and-overfitting-in-machine-learning/</a:t>
+              <a:t/>
             </a:r>
             <a:endParaRPr/>
           </a:p>
@@ -1023,7 +1014,7 @@
   <p:cSld>
     <p:spTree>
       <p:nvGrpSpPr>
-        <p:cNvPr id="129" name="Shape 129"/>
+        <p:cNvPr id="131" name="Shape 131"/>
         <p:cNvGrpSpPr/>
         <p:nvPr/>
       </p:nvGrpSpPr>
@@ -1037,7 +1028,7 @@
       </p:grpSpPr>
       <p:sp>
         <p:nvSpPr>
-          <p:cNvPr id="130" name="Google Shape;130;g52cdccaea3_0_70:notes"/>
+          <p:cNvPr id="132" name="Google Shape;132;g70337b2347_0_42:notes"/>
           <p:cNvSpPr/>
           <p:nvPr>
             <p:ph idx="2" type="sldImg"/>
@@ -1072,7 +1063,7 @@
       </p:sp>
       <p:sp>
         <p:nvSpPr>
-          <p:cNvPr id="131" name="Google Shape;131;g52cdccaea3_0_70:notes"/>
+          <p:cNvPr id="133" name="Google Shape;133;g70337b2347_0_42:notes"/>
           <p:cNvSpPr txBox="1"/>
           <p:nvPr>
             <p:ph idx="1" type="body"/>
@@ -1122,7 +1113,7 @@
   <p:cSld>
     <p:spTree>
       <p:nvGrpSpPr>
-        <p:cNvPr id="135" name="Shape 135"/>
+        <p:cNvPr id="137" name="Shape 137"/>
         <p:cNvGrpSpPr/>
         <p:nvPr/>
       </p:nvGrpSpPr>
@@ -1136,7 +1127,7 @@
       </p:grpSpPr>
       <p:sp>
         <p:nvSpPr>
-          <p:cNvPr id="136" name="Google Shape;136;g70337b2347_0_42:notes"/>
+          <p:cNvPr id="138" name="Google Shape;138;g52cdccaea3_0_76:notes"/>
           <p:cNvSpPr/>
           <p:nvPr>
             <p:ph idx="2" type="sldImg"/>
@@ -1171,7 +1162,7 @@
       </p:sp>
       <p:sp>
         <p:nvSpPr>
-          <p:cNvPr id="137" name="Google Shape;137;g70337b2347_0_42:notes"/>
+          <p:cNvPr id="139" name="Google Shape;139;g52cdccaea3_0_76:notes"/>
           <p:cNvSpPr txBox="1"/>
           <p:nvPr>
             <p:ph idx="1" type="body"/>
@@ -1221,7 +1212,7 @@
   <p:cSld>
     <p:spTree>
       <p:nvGrpSpPr>
-        <p:cNvPr id="141" name="Shape 141"/>
+        <p:cNvPr id="144" name="Shape 144"/>
         <p:cNvGrpSpPr/>
         <p:nvPr/>
       </p:nvGrpSpPr>
@@ -1235,7 +1226,7 @@
       </p:grpSpPr>
       <p:sp>
         <p:nvSpPr>
-          <p:cNvPr id="142" name="Google Shape;142;g52cdccaea3_0_76:notes"/>
+          <p:cNvPr id="145" name="Google Shape;145;g70337b2347_0_47:notes"/>
           <p:cNvSpPr/>
           <p:nvPr>
             <p:ph idx="2" type="sldImg"/>
@@ -1270,7 +1261,7 @@
       </p:sp>
       <p:sp>
         <p:nvSpPr>
-          <p:cNvPr id="143" name="Google Shape;143;g52cdccaea3_0_76:notes"/>
+          <p:cNvPr id="146" name="Google Shape;146;g70337b2347_0_47:notes"/>
           <p:cNvSpPr txBox="1"/>
           <p:nvPr>
             <p:ph idx="1" type="body"/>
@@ -1320,7 +1311,7 @@
   <p:cSld>
     <p:spTree>
       <p:nvGrpSpPr>
-        <p:cNvPr id="147" name="Shape 147"/>
+        <p:cNvPr id="150" name="Shape 150"/>
         <p:cNvGrpSpPr/>
         <p:nvPr/>
       </p:nvGrpSpPr>
@@ -1334,7 +1325,7 @@
       </p:grpSpPr>
       <p:sp>
         <p:nvSpPr>
-          <p:cNvPr id="148" name="Google Shape;148;g70337b2347_0_47:notes"/>
+          <p:cNvPr id="151" name="Google Shape;151;g7ed8336cc7_0_0:notes"/>
           <p:cNvSpPr/>
           <p:nvPr>
             <p:ph idx="2" type="sldImg"/>
@@ -1369,7 +1360,7 @@
       </p:sp>
       <p:sp>
         <p:nvSpPr>
-          <p:cNvPr id="149" name="Google Shape;149;g70337b2347_0_47:notes"/>
+          <p:cNvPr id="152" name="Google Shape;152;g7ed8336cc7_0_0:notes"/>
           <p:cNvSpPr txBox="1"/>
           <p:nvPr>
             <p:ph idx="1" type="body"/>
@@ -1401,6 +1392,115 @@
             </a:pPr>
             <a:r>
               <a:t/>
+            </a:r>
+            <a:endParaRPr/>
+          </a:p>
+        </p:txBody>
+      </p:sp>
+    </p:spTree>
+  </p:cSld>
+  <p:clrMapOvr>
+    <a:masterClrMapping/>
+  </p:clrMapOvr>
+</p:notes>
+</file>
+
+<file path=ppt/notesSlides/notesSlide16.xml><?xml version="1.0" encoding="utf-8"?>
+<p:notes xmlns:a="http://schemas.openxmlformats.org/drawingml/2006/main" xmlns:r="http://schemas.openxmlformats.org/officeDocument/2006/relationships" xmlns:mc="http://schemas.openxmlformats.org/markup-compatibility/2006" xmlns:mv="urn:schemas-microsoft-com:mac:vml" xmlns:p="http://schemas.openxmlformats.org/presentationml/2006/main" xmlns:c="http://schemas.openxmlformats.org/drawingml/2006/chart" xmlns:dgm="http://schemas.openxmlformats.org/drawingml/2006/diagram" xmlns:o="urn:schemas-microsoft-com:office:office" xmlns:v="urn:schemas-microsoft-com:vml" xmlns:pvml="urn:schemas-microsoft-com:office:powerpoint" xmlns:com="http://schemas.openxmlformats.org/drawingml/2006/compatibility" xmlns:p14="http://schemas.microsoft.com/office/powerpoint/2010/main" xmlns:p15="http://schemas.microsoft.com/office/powerpoint/2012/main" showMasterPhAnim="0" showMasterSp="0">
+  <p:cSld>
+    <p:spTree>
+      <p:nvGrpSpPr>
+        <p:cNvPr id="156" name="Shape 156"/>
+        <p:cNvGrpSpPr/>
+        <p:nvPr/>
+      </p:nvGrpSpPr>
+      <p:grpSpPr>
+        <a:xfrm>
+          <a:off x="0" y="0"/>
+          <a:ext cx="0" cy="0"/>
+          <a:chOff x="0" y="0"/>
+          <a:chExt cx="0" cy="0"/>
+        </a:xfrm>
+      </p:grpSpPr>
+      <p:sp>
+        <p:nvSpPr>
+          <p:cNvPr id="157" name="Google Shape;157;g7ed8336cc7_0_5:notes"/>
+          <p:cNvSpPr/>
+          <p:nvPr>
+            <p:ph idx="2" type="sldImg"/>
+          </p:nvPr>
+        </p:nvSpPr>
+        <p:spPr>
+          <a:xfrm>
+            <a:off x="381300" y="685800"/>
+            <a:ext cx="6096000" cy="3429000"/>
+          </a:xfrm>
+          <a:custGeom>
+            <a:rect b="b" l="l" r="r" t="t"/>
+            <a:pathLst>
+              <a:path extrusionOk="0" h="120000" w="120000">
+                <a:moveTo>
+                  <a:pt x="0" y="0"/>
+                </a:moveTo>
+                <a:lnTo>
+                  <a:pt x="120000" y="0"/>
+                </a:lnTo>
+                <a:lnTo>
+                  <a:pt x="120000" y="120000"/>
+                </a:lnTo>
+                <a:lnTo>
+                  <a:pt x="0" y="120000"/>
+                </a:lnTo>
+                <a:close/>
+              </a:path>
+            </a:pathLst>
+          </a:custGeom>
+        </p:spPr>
+      </p:sp>
+      <p:sp>
+        <p:nvSpPr>
+          <p:cNvPr id="158" name="Google Shape;158;g7ed8336cc7_0_5:notes"/>
+          <p:cNvSpPr txBox="1"/>
+          <p:nvPr>
+            <p:ph idx="1" type="body"/>
+          </p:nvPr>
+        </p:nvSpPr>
+        <p:spPr>
+          <a:xfrm>
+            <a:off x="685800" y="4343400"/>
+            <a:ext cx="5486400" cy="4114800"/>
+          </a:xfrm>
+          <a:prstGeom prst="rect">
+            <a:avLst/>
+          </a:prstGeom>
+        </p:spPr>
+        <p:txBody>
+          <a:bodyPr anchorCtr="0" anchor="t" bIns="91425" lIns="91425" spcFirstLastPara="1" rIns="91425" wrap="square" tIns="91425">
+            <a:noAutofit/>
+          </a:bodyPr>
+          <a:lstStyle/>
+          <a:p>
+            <a:pPr indent="0" lvl="0" marL="0" rtl="0" algn="l">
+              <a:spcBef>
+                <a:spcPts val="0"/>
+              </a:spcBef>
+              <a:spcAft>
+                <a:spcPts val="0"/>
+              </a:spcAft>
+              <a:buNone/>
+            </a:pPr>
+            <a:r>
+              <a:rPr lang="en"/>
+              <a:t>Picture: </a:t>
+            </a:r>
+            <a:r>
+              <a:rPr lang="en" u="sng">
+                <a:solidFill>
+                  <a:schemeClr val="hlink"/>
+                </a:solidFill>
+                <a:hlinkClick r:id="rId2"/>
+              </a:rPr>
+              <a:t>https://www.amazon.com/Make-Your-Own-Neural-Network-ebook/dp/B01EER4Z4G</a:t>
             </a:r>
             <a:endParaRPr/>
           </a:p>
@@ -2039,7 +2139,17 @@
               <a:buNone/>
             </a:pPr>
             <a:r>
-              <a:t/>
+              <a:rPr lang="en"/>
+              <a:t>Picture: </a:t>
+            </a:r>
+            <a:r>
+              <a:rPr lang="en" u="sng">
+                <a:solidFill>
+                  <a:schemeClr val="hlink"/>
+                </a:solidFill>
+                <a:hlinkClick r:id="rId2"/>
+              </a:rPr>
+              <a:t>https://www.youtube.com/about/brand-resources/#logos-icons-colors</a:t>
             </a:r>
             <a:endParaRPr/>
           </a:p>
@@ -2058,7 +2168,7 @@
   <p:cSld>
     <p:spTree>
       <p:nvGrpSpPr>
-        <p:cNvPr id="104" name="Shape 104"/>
+        <p:cNvPr id="105" name="Shape 105"/>
         <p:cNvGrpSpPr/>
         <p:nvPr/>
       </p:nvGrpSpPr>
@@ -2072,7 +2182,7 @@
       </p:grpSpPr>
       <p:sp>
         <p:nvSpPr>
-          <p:cNvPr id="105" name="Google Shape;105;g70337b2347_0_32:notes"/>
+          <p:cNvPr id="106" name="Google Shape;106;g70337b2347_0_32:notes"/>
           <p:cNvSpPr/>
           <p:nvPr>
             <p:ph idx="2" type="sldImg"/>
@@ -2107,7 +2217,7 @@
       </p:sp>
       <p:sp>
         <p:nvSpPr>
-          <p:cNvPr id="106" name="Google Shape;106;g70337b2347_0_32:notes"/>
+          <p:cNvPr id="107" name="Google Shape;107;g70337b2347_0_32:notes"/>
           <p:cNvSpPr txBox="1"/>
           <p:nvPr>
             <p:ph idx="1" type="body"/>
@@ -2157,7 +2267,7 @@
   <p:cSld>
     <p:spTree>
       <p:nvGrpSpPr>
-        <p:cNvPr id="110" name="Shape 110"/>
+        <p:cNvPr id="111" name="Shape 111"/>
         <p:cNvGrpSpPr/>
         <p:nvPr/>
       </p:nvGrpSpPr>
@@ -2171,7 +2281,7 @@
       </p:grpSpPr>
       <p:sp>
         <p:nvSpPr>
-          <p:cNvPr id="111" name="Google Shape;111;g70337b2347_0_17:notes"/>
+          <p:cNvPr id="112" name="Google Shape;112;g70337b2347_0_17:notes"/>
           <p:cNvSpPr/>
           <p:nvPr>
             <p:ph idx="2" type="sldImg"/>
@@ -2206,7 +2316,7 @@
       </p:sp>
       <p:sp>
         <p:nvSpPr>
-          <p:cNvPr id="112" name="Google Shape;112;g70337b2347_0_17:notes"/>
+          <p:cNvPr id="113" name="Google Shape;113;g70337b2347_0_17:notes"/>
           <p:cNvSpPr txBox="1"/>
           <p:nvPr>
             <p:ph idx="1" type="body"/>
@@ -7596,7 +7706,7 @@
   <p:cSld>
     <p:spTree>
       <p:nvGrpSpPr>
-        <p:cNvPr id="120" name="Shape 120"/>
+        <p:cNvPr id="121" name="Shape 121"/>
         <p:cNvGrpSpPr/>
         <p:nvPr/>
       </p:nvGrpSpPr>
@@ -7610,7 +7720,7 @@
       </p:grpSpPr>
       <p:sp>
         <p:nvSpPr>
-          <p:cNvPr id="121" name="Google Shape;121;p22"/>
+          <p:cNvPr id="122" name="Google Shape;122;p22"/>
           <p:cNvSpPr txBox="1"/>
           <p:nvPr>
             <p:ph type="title"/>
@@ -7650,7 +7760,7 @@
       </p:sp>
       <p:sp>
         <p:nvSpPr>
-          <p:cNvPr id="122" name="Google Shape;122;p22"/>
+          <p:cNvPr id="123" name="Google Shape;123;p22"/>
           <p:cNvSpPr txBox="1"/>
           <p:nvPr>
             <p:ph idx="1" type="body"/>
@@ -7736,7 +7846,7 @@
   <p:cSld>
     <p:spTree>
       <p:nvGrpSpPr>
-        <p:cNvPr id="126" name="Shape 126"/>
+        <p:cNvPr id="127" name="Shape 127"/>
         <p:cNvGrpSpPr/>
         <p:nvPr/>
       </p:nvGrpSpPr>
@@ -7750,7 +7860,7 @@
       </p:grpSpPr>
       <p:sp>
         <p:nvSpPr>
-          <p:cNvPr id="127" name="Google Shape;127;p23"/>
+          <p:cNvPr id="128" name="Google Shape;128;p23"/>
           <p:cNvSpPr txBox="1"/>
           <p:nvPr>
             <p:ph type="title"/>
@@ -7782,7 +7892,116 @@
             </a:pPr>
             <a:r>
               <a:rPr lang="en"/>
-              <a:t>Overfitting</a:t>
+              <a:t>Genetic Learning</a:t>
+            </a:r>
+            <a:endParaRPr/>
+          </a:p>
+        </p:txBody>
+      </p:sp>
+      <p:sp>
+        <p:nvSpPr>
+          <p:cNvPr id="129" name="Google Shape;129;p23"/>
+          <p:cNvSpPr txBox="1"/>
+          <p:nvPr>
+            <p:ph idx="1" type="body"/>
+          </p:nvPr>
+        </p:nvSpPr>
+        <p:spPr>
+          <a:xfrm>
+            <a:off x="311700" y="1152475"/>
+            <a:ext cx="4951800" cy="3416400"/>
+          </a:xfrm>
+          <a:prstGeom prst="rect">
+            <a:avLst/>
+          </a:prstGeom>
+        </p:spPr>
+        <p:txBody>
+          <a:bodyPr anchorCtr="0" anchor="t" bIns="91425" lIns="91425" spcFirstLastPara="1" rIns="91425" wrap="square" tIns="91425">
+            <a:noAutofit/>
+          </a:bodyPr>
+          <a:lstStyle/>
+          <a:p>
+            <a:pPr indent="-342900" lvl="0" marL="457200" rtl="0" algn="l">
+              <a:spcBef>
+                <a:spcPts val="0"/>
+              </a:spcBef>
+              <a:spcAft>
+                <a:spcPts val="0"/>
+              </a:spcAft>
+              <a:buSzPts val="1800"/>
+              <a:buChar char="●"/>
+            </a:pPr>
+            <a:r>
+              <a:rPr lang="en"/>
+              <a:t>Creates population of Neural Network Objects</a:t>
+            </a:r>
+            <a:endParaRPr/>
+          </a:p>
+          <a:p>
+            <a:pPr indent="-317500" lvl="1" marL="914400" rtl="0" algn="l">
+              <a:spcBef>
+                <a:spcPts val="0"/>
+              </a:spcBef>
+              <a:spcAft>
+                <a:spcPts val="0"/>
+              </a:spcAft>
+              <a:buSzPts val="1400"/>
+              <a:buChar char="○"/>
+            </a:pPr>
+            <a:r>
+              <a:rPr lang="en"/>
+              <a:t>Initial population acts randomly</a:t>
+            </a:r>
+            <a:endParaRPr/>
+          </a:p>
+          <a:p>
+            <a:pPr indent="-342900" lvl="0" marL="457200" rtl="0" algn="l">
+              <a:spcBef>
+                <a:spcPts val="0"/>
+              </a:spcBef>
+              <a:spcAft>
+                <a:spcPts val="0"/>
+              </a:spcAft>
+              <a:buSzPts val="1800"/>
+              <a:buChar char="●"/>
+            </a:pPr>
+            <a:r>
+              <a:rPr lang="en"/>
+              <a:t>Calculate how well each instance of the network is doing based on a ‘fitness’ score</a:t>
+            </a:r>
+            <a:endParaRPr/>
+          </a:p>
+          <a:p>
+            <a:pPr indent="-342900" lvl="0" marL="457200" rtl="0" algn="l">
+              <a:spcBef>
+                <a:spcPts val="0"/>
+              </a:spcBef>
+              <a:spcAft>
+                <a:spcPts val="0"/>
+              </a:spcAft>
+              <a:buSzPts val="1800"/>
+              <a:buChar char="●"/>
+            </a:pPr>
+            <a:r>
+              <a:rPr lang="en"/>
+              <a:t>Take the most fit and have them as the ‘parents’ for the next generation</a:t>
+            </a:r>
+            <a:endParaRPr/>
+          </a:p>
+          <a:p>
+            <a:pPr indent="-342900" lvl="0" marL="457200" rtl="0" algn="l">
+              <a:spcBef>
+                <a:spcPts val="0"/>
+              </a:spcBef>
+              <a:spcAft>
+                <a:spcPts val="0"/>
+              </a:spcAft>
+              <a:buSzPts val="1800"/>
+              <a:buChar char="●"/>
+            </a:pPr>
+            <a:r>
+              <a:rPr lang="en"/>
+              <a:t>Mutate the ‘children’ of the generation and repeat</a:t>
             </a:r>
             <a:endParaRPr/>
           </a:p>
@@ -7790,22 +8009,21 @@
       </p:sp>
       <p:pic>
         <p:nvPicPr>
-          <p:cNvPr id="128" name="Google Shape;128;p23"/>
+          <p:cNvPr id="130" name="Google Shape;130;p23"/>
           <p:cNvPicPr preferRelativeResize="0"/>
           <p:nvPr/>
         </p:nvPicPr>
-        <p:blipFill>
+        <p:blipFill rotWithShape="1">
           <a:blip r:embed="rId3">
             <a:alphaModFix/>
           </a:blip>
-          <a:stretch>
-            <a:fillRect/>
-          </a:stretch>
+          <a:srcRect b="0" l="0" r="0" t="1370"/>
+          <a:stretch/>
         </p:blipFill>
         <p:spPr>
           <a:xfrm>
-            <a:off x="152400" y="1170125"/>
-            <a:ext cx="8839200" cy="3624072"/>
+            <a:off x="5403175" y="159800"/>
+            <a:ext cx="3656449" cy="4983700"/>
           </a:xfrm>
           <a:prstGeom prst="rect">
             <a:avLst/>
@@ -7829,7 +8047,7 @@
   <p:cSld>
     <p:spTree>
       <p:nvGrpSpPr>
-        <p:cNvPr id="132" name="Shape 132"/>
+        <p:cNvPr id="134" name="Shape 134"/>
         <p:cNvGrpSpPr/>
         <p:nvPr/>
       </p:nvGrpSpPr>
@@ -7843,7 +8061,7 @@
       </p:grpSpPr>
       <p:sp>
         <p:nvSpPr>
-          <p:cNvPr id="133" name="Google Shape;133;p24"/>
+          <p:cNvPr id="135" name="Google Shape;135;p24"/>
           <p:cNvSpPr txBox="1"/>
           <p:nvPr>
             <p:ph type="title"/>
@@ -7875,7 +8093,7 @@
             </a:pPr>
             <a:r>
               <a:rPr lang="en"/>
-              <a:t>Genetic Learning</a:t>
+              <a:t>Lessons Learned</a:t>
             </a:r>
             <a:endParaRPr/>
           </a:p>
@@ -7883,7 +8101,7 @@
       </p:sp>
       <p:sp>
         <p:nvSpPr>
-          <p:cNvPr id="134" name="Google Shape;134;p24"/>
+          <p:cNvPr id="136" name="Google Shape;136;p24"/>
           <p:cNvSpPr txBox="1"/>
           <p:nvPr>
             <p:ph idx="1" type="body"/>
@@ -7916,24 +8134,7 @@
             </a:pPr>
             <a:r>
               <a:rPr lang="en"/>
-              <a:t>Creates population of Neural Network Objects</a:t>
-            </a:r>
-            <a:endParaRPr/>
-          </a:p>
-          <a:p>
-            <a:pPr indent="-317500" lvl="1" marL="914400" rtl="0" algn="l">
-              <a:spcBef>
-                <a:spcPts val="0"/>
-              </a:spcBef>
-              <a:spcAft>
-                <a:spcPts val="0"/>
-              </a:spcAft>
-              <a:buSzPts val="1400"/>
-              <a:buChar char="○"/>
-            </a:pPr>
-            <a:r>
-              <a:rPr lang="en"/>
-              <a:t>Initial population acts randomly</a:t>
+              <a:t>Don’t be discouraged by infrequent bugs</a:t>
             </a:r>
             <a:endParaRPr/>
           </a:p>
@@ -7950,41 +8151,7 @@
             </a:pPr>
             <a:r>
               <a:rPr lang="en"/>
-              <a:t>Calculate how well each instance of the network is doing based on a ‘fitness’ score</a:t>
-            </a:r>
-            <a:endParaRPr/>
-          </a:p>
-          <a:p>
-            <a:pPr indent="-342900" lvl="0" marL="457200" rtl="0" algn="l">
-              <a:spcBef>
-                <a:spcPts val="0"/>
-              </a:spcBef>
-              <a:spcAft>
-                <a:spcPts val="0"/>
-              </a:spcAft>
-              <a:buSzPts val="1800"/>
-              <a:buChar char="●"/>
-            </a:pPr>
-            <a:r>
-              <a:rPr lang="en"/>
-              <a:t>Take the most fit and have them as the ‘parents’ for the next generation</a:t>
-            </a:r>
-            <a:endParaRPr/>
-          </a:p>
-          <a:p>
-            <a:pPr indent="-342900" lvl="0" marL="457200" rtl="0" algn="l">
-              <a:spcBef>
-                <a:spcPts val="0"/>
-              </a:spcBef>
-              <a:spcAft>
-                <a:spcPts val="0"/>
-              </a:spcAft>
-              <a:buSzPts val="1800"/>
-              <a:buChar char="●"/>
-            </a:pPr>
-            <a:r>
-              <a:rPr lang="en"/>
-              <a:t>Mutate the ‘children’ of the generation and repeat</a:t>
+              <a:t>Take baby steps towards your end goal</a:t>
             </a:r>
             <a:endParaRPr/>
           </a:p>
@@ -8003,7 +8170,7 @@
   <p:cSld>
     <p:spTree>
       <p:nvGrpSpPr>
-        <p:cNvPr id="138" name="Shape 138"/>
+        <p:cNvPr id="140" name="Shape 140"/>
         <p:cNvGrpSpPr/>
         <p:nvPr/>
       </p:nvGrpSpPr>
@@ -8017,7 +8184,7 @@
       </p:grpSpPr>
       <p:sp>
         <p:nvSpPr>
-          <p:cNvPr id="139" name="Google Shape;139;p25"/>
+          <p:cNvPr id="141" name="Google Shape;141;p25"/>
           <p:cNvSpPr txBox="1"/>
           <p:nvPr>
             <p:ph type="title"/>
@@ -8049,7 +8216,11 @@
             </a:pPr>
             <a:r>
               <a:rPr lang="en"/>
-              <a:t>Lessons Learned</a:t>
+              <a:t>Reinforcement</a:t>
+            </a:r>
+            <a:r>
+              <a:rPr lang="en"/>
+              <a:t> Learning</a:t>
             </a:r>
             <a:endParaRPr/>
           </a:p>
@@ -8057,7 +8228,7 @@
       </p:sp>
       <p:sp>
         <p:nvSpPr>
-          <p:cNvPr id="140" name="Google Shape;140;p25"/>
+          <p:cNvPr id="142" name="Google Shape;142;p25"/>
           <p:cNvSpPr txBox="1"/>
           <p:nvPr>
             <p:ph idx="1" type="body"/>
@@ -8066,7 +8237,7 @@
         <p:spPr>
           <a:xfrm>
             <a:off x="311700" y="1152475"/>
-            <a:ext cx="8520600" cy="3416400"/>
+            <a:ext cx="6439800" cy="3416400"/>
           </a:xfrm>
           <a:prstGeom prst="rect">
             <a:avLst/>
@@ -8090,7 +8261,24 @@
             </a:pPr>
             <a:r>
               <a:rPr lang="en"/>
-              <a:t>Don’t be discouraged by infrequent bugs</a:t>
+              <a:t>Set up a reward function</a:t>
+            </a:r>
+            <a:endParaRPr/>
+          </a:p>
+          <a:p>
+            <a:pPr indent="-317500" lvl="1" marL="914400" rtl="0" algn="l">
+              <a:spcBef>
+                <a:spcPts val="0"/>
+              </a:spcBef>
+              <a:spcAft>
+                <a:spcPts val="0"/>
+              </a:spcAft>
+              <a:buSzPts val="1400"/>
+              <a:buChar char="○"/>
+            </a:pPr>
+            <a:r>
+              <a:rPr lang="en"/>
+              <a:t>Does not have to be continuous</a:t>
             </a:r>
             <a:endParaRPr/>
           </a:p>
@@ -8107,12 +8295,74 @@
             </a:pPr>
             <a:r>
               <a:rPr lang="en"/>
-              <a:t>Take baby steps towards your end goal</a:t>
+              <a:t>Create an instance of a network with a method for storing the results of the output (recurrence)</a:t>
+            </a:r>
+            <a:endParaRPr/>
+          </a:p>
+          <a:p>
+            <a:pPr indent="-342900" lvl="0" marL="457200" rtl="0" algn="l">
+              <a:spcBef>
+                <a:spcPts val="0"/>
+              </a:spcBef>
+              <a:spcAft>
+                <a:spcPts val="0"/>
+              </a:spcAft>
+              <a:buSzPts val="1800"/>
+              <a:buChar char="●"/>
+            </a:pPr>
+            <a:r>
+              <a:rPr lang="en"/>
+              <a:t>For any given action, generate a reward (negative rewards are considered punishments) and store it within the network</a:t>
+            </a:r>
+            <a:endParaRPr/>
+          </a:p>
+          <a:p>
+            <a:pPr indent="-342900" lvl="0" marL="457200" rtl="0" algn="l">
+              <a:spcBef>
+                <a:spcPts val="0"/>
+              </a:spcBef>
+              <a:spcAft>
+                <a:spcPts val="0"/>
+              </a:spcAft>
+              <a:buSzPts val="1800"/>
+              <a:buChar char="●"/>
+            </a:pPr>
+            <a:r>
+              <a:rPr lang="en"/>
+              <a:t>Set up an algorithm so that future reward is maximized</a:t>
             </a:r>
             <a:endParaRPr/>
           </a:p>
         </p:txBody>
       </p:sp>
+      <p:pic>
+        <p:nvPicPr>
+          <p:cNvPr id="143" name="Google Shape;143;p25"/>
+          <p:cNvPicPr preferRelativeResize="0"/>
+          <p:nvPr/>
+        </p:nvPicPr>
+        <p:blipFill>
+          <a:blip r:embed="rId3">
+            <a:alphaModFix/>
+          </a:blip>
+          <a:stretch>
+            <a:fillRect/>
+          </a:stretch>
+        </p:blipFill>
+        <p:spPr>
+          <a:xfrm>
+            <a:off x="6484550" y="1243425"/>
+            <a:ext cx="2659450" cy="2656650"/>
+          </a:xfrm>
+          <a:prstGeom prst="rect">
+            <a:avLst/>
+          </a:prstGeom>
+          <a:noFill/>
+          <a:ln>
+            <a:noFill/>
+          </a:ln>
+        </p:spPr>
+      </p:pic>
     </p:spTree>
   </p:cSld>
   <p:clrMapOvr>
@@ -8126,7 +8376,7 @@
   <p:cSld>
     <p:spTree>
       <p:nvGrpSpPr>
-        <p:cNvPr id="144" name="Shape 144"/>
+        <p:cNvPr id="147" name="Shape 147"/>
         <p:cNvGrpSpPr/>
         <p:nvPr/>
       </p:nvGrpSpPr>
@@ -8140,7 +8390,7 @@
       </p:grpSpPr>
       <p:sp>
         <p:nvSpPr>
-          <p:cNvPr id="145" name="Google Shape;145;p26"/>
+          <p:cNvPr id="148" name="Google Shape;148;p26"/>
           <p:cNvSpPr txBox="1"/>
           <p:nvPr>
             <p:ph type="title"/>
@@ -8172,11 +8422,11 @@
             </a:pPr>
             <a:r>
               <a:rPr lang="en"/>
-              <a:t>Reinforcement</a:t>
+              <a:t>Lessons</a:t>
             </a:r>
             <a:r>
               <a:rPr lang="en"/>
-              <a:t> Learning</a:t>
+              <a:t> Learned</a:t>
             </a:r>
             <a:endParaRPr/>
           </a:p>
@@ -8184,7 +8434,7 @@
       </p:sp>
       <p:sp>
         <p:nvSpPr>
-          <p:cNvPr id="146" name="Google Shape;146;p26"/>
+          <p:cNvPr id="149" name="Google Shape;149;p26"/>
           <p:cNvSpPr txBox="1"/>
           <p:nvPr>
             <p:ph idx="1" type="body"/>
@@ -8217,24 +8467,7 @@
             </a:pPr>
             <a:r>
               <a:rPr lang="en"/>
-              <a:t>Set up a reward function</a:t>
-            </a:r>
-            <a:endParaRPr/>
-          </a:p>
-          <a:p>
-            <a:pPr indent="-317500" lvl="1" marL="914400" rtl="0" algn="l">
-              <a:spcBef>
-                <a:spcPts val="0"/>
-              </a:spcBef>
-              <a:spcAft>
-                <a:spcPts val="0"/>
-              </a:spcAft>
-              <a:buSzPts val="1400"/>
-              <a:buChar char="○"/>
-            </a:pPr>
-            <a:r>
-              <a:rPr lang="en"/>
-              <a:t>Does not have to be continuous</a:t>
+              <a:t>Understand the big picture of your project</a:t>
             </a:r>
             <a:endParaRPr/>
           </a:p>
@@ -8251,7 +8484,7 @@
             </a:pPr>
             <a:r>
               <a:rPr lang="en"/>
-              <a:t>Create an instance of a network with a method for storing the results of the output (recurrence)</a:t>
+              <a:t>Break up your project into smaller problems</a:t>
             </a:r>
             <a:endParaRPr/>
           </a:p>
@@ -8268,24 +8501,7 @@
             </a:pPr>
             <a:r>
               <a:rPr lang="en"/>
-              <a:t>For any given action, generate a reward (negative rewards are considered punishments) and store it within the network</a:t>
-            </a:r>
-            <a:endParaRPr/>
-          </a:p>
-          <a:p>
-            <a:pPr indent="-342900" lvl="0" marL="457200" rtl="0" algn="l">
-              <a:spcBef>
-                <a:spcPts val="0"/>
-              </a:spcBef>
-              <a:spcAft>
-                <a:spcPts val="0"/>
-              </a:spcAft>
-              <a:buSzPts val="1800"/>
-              <a:buChar char="●"/>
-            </a:pPr>
-            <a:r>
-              <a:rPr lang="en"/>
-              <a:t>Set up an algorithm so that future reward is maximized</a:t>
+              <a:t>It’s ok to get a specific solution, and then generalize it</a:t>
             </a:r>
             <a:endParaRPr/>
           </a:p>
@@ -8304,7 +8520,7 @@
   <p:cSld>
     <p:spTree>
       <p:nvGrpSpPr>
-        <p:cNvPr id="150" name="Shape 150"/>
+        <p:cNvPr id="153" name="Shape 153"/>
         <p:cNvGrpSpPr/>
         <p:nvPr/>
       </p:nvGrpSpPr>
@@ -8318,7 +8534,7 @@
       </p:grpSpPr>
       <p:sp>
         <p:nvSpPr>
-          <p:cNvPr id="151" name="Google Shape;151;p27"/>
+          <p:cNvPr id="154" name="Google Shape;154;p27"/>
           <p:cNvSpPr txBox="1"/>
           <p:nvPr>
             <p:ph type="title"/>
@@ -8350,11 +8566,7 @@
             </a:pPr>
             <a:r>
               <a:rPr lang="en"/>
-              <a:t>Lessons</a:t>
-            </a:r>
-            <a:r>
-              <a:rPr lang="en"/>
-              <a:t> Learned</a:t>
+              <a:t>Future Goals</a:t>
             </a:r>
             <a:endParaRPr/>
           </a:p>
@@ -8362,7 +8574,7 @@
       </p:sp>
       <p:sp>
         <p:nvSpPr>
-          <p:cNvPr id="152" name="Google Shape;152;p27"/>
+          <p:cNvPr id="155" name="Google Shape;155;p27"/>
           <p:cNvSpPr txBox="1"/>
           <p:nvPr>
             <p:ph idx="1" type="body"/>
@@ -8395,46 +8607,281 @@
             </a:pPr>
             <a:r>
               <a:rPr lang="en"/>
-              <a:t>Understand the big picture of your project</a:t>
+              <a:t>Computer</a:t>
+            </a:r>
+            <a:r>
+              <a:rPr lang="en"/>
+              <a:t> Vision and object detection</a:t>
             </a:r>
             <a:endParaRPr/>
           </a:p>
           <a:p>
-            <a:pPr indent="-342900" lvl="0" marL="457200" rtl="0" algn="l">
-              <a:spcBef>
-                <a:spcPts val="0"/>
-              </a:spcBef>
-              <a:spcAft>
-                <a:spcPts val="0"/>
-              </a:spcAft>
-              <a:buSzPts val="1800"/>
-              <a:buChar char="●"/>
+            <a:pPr indent="-317500" lvl="1" marL="914400" rtl="0" algn="l">
+              <a:spcBef>
+                <a:spcPts val="0"/>
+              </a:spcBef>
+              <a:spcAft>
+                <a:spcPts val="0"/>
+              </a:spcAft>
+              <a:buSzPts val="1400"/>
+              <a:buChar char="○"/>
             </a:pPr>
             <a:r>
               <a:rPr lang="en"/>
-              <a:t>Break up your project into smaller problems</a:t>
+              <a:t>Being able to classify and locate different types of things in a picture</a:t>
             </a:r>
             <a:endParaRPr/>
           </a:p>
           <a:p>
-            <a:pPr indent="-342900" lvl="0" marL="457200" rtl="0" algn="l">
-              <a:spcBef>
-                <a:spcPts val="0"/>
-              </a:spcBef>
-              <a:spcAft>
-                <a:spcPts val="0"/>
-              </a:spcAft>
-              <a:buSzPts val="1800"/>
-              <a:buChar char="●"/>
+            <a:pPr indent="-317500" lvl="1" marL="914400" rtl="0" algn="l">
+              <a:spcBef>
+                <a:spcPts val="0"/>
+              </a:spcBef>
+              <a:spcAft>
+                <a:spcPts val="0"/>
+              </a:spcAft>
+              <a:buSzPts val="1400"/>
+              <a:buChar char="○"/>
             </a:pPr>
             <a:r>
               <a:rPr lang="en"/>
-              <a:t>It’s ok to get a specific solution, and then generalize it</a:t>
+              <a:t>Our goal is to classify boats on the water</a:t>
             </a:r>
             <a:endParaRPr/>
           </a:p>
         </p:txBody>
       </p:sp>
+    </p:spTree>
+  </p:cSld>
+  <p:clrMapOvr>
+    <a:masterClrMapping/>
+  </p:clrMapOvr>
+</p:sld>
+</file>
+
+<file path=ppt/slides/slide16.xml><?xml version="1.0" encoding="utf-8"?>
+<p:sld xmlns:a="http://schemas.openxmlformats.org/drawingml/2006/main" xmlns:r="http://schemas.openxmlformats.org/officeDocument/2006/relationships" xmlns:mc="http://schemas.openxmlformats.org/markup-compatibility/2006" xmlns:mv="urn:schemas-microsoft-com:mac:vml" xmlns:p="http://schemas.openxmlformats.org/presentationml/2006/main" xmlns:c="http://schemas.openxmlformats.org/drawingml/2006/chart" xmlns:dgm="http://schemas.openxmlformats.org/drawingml/2006/diagram" xmlns:o="urn:schemas-microsoft-com:office:office" xmlns:v="urn:schemas-microsoft-com:vml" xmlns:pvml="urn:schemas-microsoft-com:office:powerpoint" xmlns:com="http://schemas.openxmlformats.org/drawingml/2006/compatibility" xmlns:p14="http://schemas.microsoft.com/office/powerpoint/2010/main" xmlns:p15="http://schemas.microsoft.com/office/powerpoint/2012/main">
+  <p:cSld>
+    <p:spTree>
+      <p:nvGrpSpPr>
+        <p:cNvPr id="159" name="Shape 159"/>
+        <p:cNvGrpSpPr/>
+        <p:nvPr/>
+      </p:nvGrpSpPr>
+      <p:grpSpPr>
+        <a:xfrm>
+          <a:off x="0" y="0"/>
+          <a:ext cx="0" cy="0"/>
+          <a:chOff x="0" y="0"/>
+          <a:chExt cx="0" cy="0"/>
+        </a:xfrm>
+      </p:grpSpPr>
+      <p:sp>
+        <p:nvSpPr>
+          <p:cNvPr id="160" name="Google Shape;160;p28"/>
+          <p:cNvSpPr txBox="1"/>
+          <p:nvPr>
+            <p:ph type="title"/>
+          </p:nvPr>
+        </p:nvSpPr>
+        <p:spPr>
+          <a:xfrm>
+            <a:off x="311700" y="445025"/>
+            <a:ext cx="8520600" cy="572700"/>
+          </a:xfrm>
+          <a:prstGeom prst="rect">
+            <a:avLst/>
+          </a:prstGeom>
+        </p:spPr>
+        <p:txBody>
+          <a:bodyPr anchorCtr="0" anchor="t" bIns="91425" lIns="91425" spcFirstLastPara="1" rIns="91425" wrap="square" tIns="91425">
+            <a:noAutofit/>
+          </a:bodyPr>
+          <a:lstStyle/>
+          <a:p>
+            <a:pPr indent="0" lvl="0" marL="0" rtl="0" algn="l">
+              <a:spcBef>
+                <a:spcPts val="0"/>
+              </a:spcBef>
+              <a:spcAft>
+                <a:spcPts val="0"/>
+              </a:spcAft>
+              <a:buNone/>
+            </a:pPr>
+            <a:r>
+              <a:rPr lang="en"/>
+              <a:t>You Can Do this Too!!!!</a:t>
+            </a:r>
+            <a:endParaRPr/>
+          </a:p>
+        </p:txBody>
+      </p:sp>
+      <p:sp>
+        <p:nvSpPr>
+          <p:cNvPr id="161" name="Google Shape;161;p28"/>
+          <p:cNvSpPr txBox="1"/>
+          <p:nvPr>
+            <p:ph idx="1" type="body"/>
+          </p:nvPr>
+        </p:nvSpPr>
+        <p:spPr>
+          <a:xfrm>
+            <a:off x="311700" y="1152475"/>
+            <a:ext cx="8520600" cy="3416400"/>
+          </a:xfrm>
+          <a:prstGeom prst="rect">
+            <a:avLst/>
+          </a:prstGeom>
+        </p:spPr>
+        <p:txBody>
+          <a:bodyPr anchorCtr="0" anchor="t" bIns="91425" lIns="91425" spcFirstLastPara="1" rIns="91425" wrap="square" tIns="91425">
+            <a:noAutofit/>
+          </a:bodyPr>
+          <a:lstStyle/>
+          <a:p>
+            <a:pPr indent="0" lvl="0" marL="0" rtl="0" algn="l">
+              <a:spcBef>
+                <a:spcPts val="0"/>
+              </a:spcBef>
+              <a:spcAft>
+                <a:spcPts val="0"/>
+              </a:spcAft>
+              <a:buNone/>
+            </a:pPr>
+            <a:r>
+              <a:t/>
+            </a:r>
+            <a:endParaRPr/>
+          </a:p>
+          <a:p>
+            <a:pPr indent="0" lvl="0" marL="0" rtl="0" algn="l">
+              <a:spcBef>
+                <a:spcPts val="1600"/>
+              </a:spcBef>
+              <a:spcAft>
+                <a:spcPts val="0"/>
+              </a:spcAft>
+              <a:buNone/>
+            </a:pPr>
+            <a:r>
+              <a:t/>
+            </a:r>
+            <a:endParaRPr/>
+          </a:p>
+          <a:p>
+            <a:pPr indent="0" lvl="0" marL="0" rtl="0" algn="l">
+              <a:spcBef>
+                <a:spcPts val="1600"/>
+              </a:spcBef>
+              <a:spcAft>
+                <a:spcPts val="0"/>
+              </a:spcAft>
+              <a:buNone/>
+            </a:pPr>
+            <a:r>
+              <a:t/>
+            </a:r>
+            <a:endParaRPr/>
+          </a:p>
+          <a:p>
+            <a:pPr indent="0" lvl="0" marL="0" rtl="0" algn="l">
+              <a:spcBef>
+                <a:spcPts val="1600"/>
+              </a:spcBef>
+              <a:spcAft>
+                <a:spcPts val="0"/>
+              </a:spcAft>
+              <a:buNone/>
+            </a:pPr>
+            <a:r>
+              <a:t/>
+            </a:r>
+            <a:endParaRPr/>
+          </a:p>
+          <a:p>
+            <a:pPr indent="0" lvl="0" marL="0" rtl="0" algn="l">
+              <a:spcBef>
+                <a:spcPts val="1600"/>
+              </a:spcBef>
+              <a:spcAft>
+                <a:spcPts val="0"/>
+              </a:spcAft>
+              <a:buNone/>
+            </a:pPr>
+            <a:r>
+              <a:t/>
+            </a:r>
+            <a:endParaRPr/>
+          </a:p>
+          <a:p>
+            <a:pPr indent="0" lvl="0" marL="0" rtl="0" algn="l">
+              <a:spcBef>
+                <a:spcPts val="1600"/>
+              </a:spcBef>
+              <a:spcAft>
+                <a:spcPts val="0"/>
+              </a:spcAft>
+              <a:buNone/>
+            </a:pPr>
+            <a:r>
+              <a:t/>
+            </a:r>
+            <a:endParaRPr/>
+          </a:p>
+          <a:p>
+            <a:pPr indent="0" lvl="0" marL="0" rtl="0" algn="l">
+              <a:spcBef>
+                <a:spcPts val="1600"/>
+              </a:spcBef>
+              <a:spcAft>
+                <a:spcPts val="1600"/>
+              </a:spcAft>
+              <a:buNone/>
+            </a:pPr>
+            <a:r>
+              <a:rPr lang="en" sz="2400">
+                <a:solidFill>
+                  <a:schemeClr val="dk1"/>
+                </a:solidFill>
+              </a:rPr>
+              <a:t>Any Questions?</a:t>
+            </a:r>
+            <a:endParaRPr sz="2400">
+              <a:solidFill>
+                <a:schemeClr val="dk1"/>
+              </a:solidFill>
+            </a:endParaRPr>
+          </a:p>
+        </p:txBody>
+      </p:sp>
+      <p:pic>
+        <p:nvPicPr>
+          <p:cNvPr descr="Image result for create your own neural network" id="162" name="Google Shape;162;p28"/>
+          <p:cNvPicPr preferRelativeResize="0"/>
+          <p:nvPr/>
+        </p:nvPicPr>
+        <p:blipFill>
+          <a:blip r:embed="rId3">
+            <a:alphaModFix/>
+          </a:blip>
+          <a:stretch>
+            <a:fillRect/>
+          </a:stretch>
+        </p:blipFill>
+        <p:spPr>
+          <a:xfrm>
+            <a:off x="4335617" y="576238"/>
+            <a:ext cx="3081958" cy="3991025"/>
+          </a:xfrm>
+          <a:prstGeom prst="rect">
+            <a:avLst/>
+          </a:prstGeom>
+          <a:noFill/>
+          <a:ln>
+            <a:noFill/>
+          </a:ln>
+        </p:spPr>
+      </p:pic>
     </p:spTree>
   </p:cSld>
   <p:clrMapOvr>
@@ -9705,6 +10152,34 @@
           </a:p>
         </p:txBody>
       </p:sp>
+      <p:pic>
+        <p:nvPicPr>
+          <p:cNvPr descr="Image result for youtube logo" id="104" name="Google Shape;104;p19"/>
+          <p:cNvPicPr preferRelativeResize="0"/>
+          <p:nvPr/>
+        </p:nvPicPr>
+        <p:blipFill>
+          <a:blip r:embed="rId3">
+            <a:alphaModFix/>
+          </a:blip>
+          <a:stretch>
+            <a:fillRect/>
+          </a:stretch>
+        </p:blipFill>
+        <p:spPr>
+          <a:xfrm>
+            <a:off x="4704050" y="525896"/>
+            <a:ext cx="3324975" cy="2315025"/>
+          </a:xfrm>
+          <a:prstGeom prst="rect">
+            <a:avLst/>
+          </a:prstGeom>
+          <a:noFill/>
+          <a:ln>
+            <a:noFill/>
+          </a:ln>
+        </p:spPr>
+      </p:pic>
     </p:spTree>
   </p:cSld>
   <p:clrMapOvr>
@@ -9718,7 +10193,7 @@
   <p:cSld>
     <p:spTree>
       <p:nvGrpSpPr>
-        <p:cNvPr id="107" name="Shape 107"/>
+        <p:cNvPr id="108" name="Shape 108"/>
         <p:cNvGrpSpPr/>
         <p:nvPr/>
       </p:nvGrpSpPr>
@@ -9732,7 +10207,7 @@
       </p:grpSpPr>
       <p:sp>
         <p:nvSpPr>
-          <p:cNvPr id="108" name="Google Shape;108;p20"/>
+          <p:cNvPr id="109" name="Google Shape;109;p20"/>
           <p:cNvSpPr txBox="1"/>
           <p:nvPr>
             <p:ph type="title"/>
@@ -9772,7 +10247,7 @@
       </p:sp>
       <p:sp>
         <p:nvSpPr>
-          <p:cNvPr id="109" name="Google Shape;109;p20"/>
+          <p:cNvPr id="110" name="Google Shape;110;p20"/>
           <p:cNvSpPr txBox="1"/>
           <p:nvPr>
             <p:ph idx="1" type="body"/>
@@ -9909,7 +10384,7 @@
   <p:cSld>
     <p:spTree>
       <p:nvGrpSpPr>
-        <p:cNvPr id="113" name="Shape 113"/>
+        <p:cNvPr id="114" name="Shape 114"/>
         <p:cNvGrpSpPr/>
         <p:nvPr/>
       </p:nvGrpSpPr>
@@ -9923,7 +10398,7 @@
       </p:grpSpPr>
       <p:sp>
         <p:nvSpPr>
-          <p:cNvPr id="114" name="Google Shape;114;p21"/>
+          <p:cNvPr id="115" name="Google Shape;115;p21"/>
           <p:cNvSpPr txBox="1"/>
           <p:nvPr>
             <p:ph type="title"/>
@@ -9963,7 +10438,7 @@
       </p:sp>
       <p:sp>
         <p:nvSpPr>
-          <p:cNvPr id="115" name="Google Shape;115;p21"/>
+          <p:cNvPr id="116" name="Google Shape;116;p21"/>
           <p:cNvSpPr txBox="1"/>
           <p:nvPr>
             <p:ph idx="1" type="body"/>
@@ -10106,7 +10581,7 @@
       </p:sp>
       <p:pic>
         <p:nvPicPr>
-          <p:cNvPr id="116" name="Google Shape;116;p21"/>
+          <p:cNvPr id="117" name="Google Shape;117;p21"/>
           <p:cNvPicPr preferRelativeResize="0"/>
           <p:nvPr/>
         </p:nvPicPr>

--- a/Neural Networks/Neural Nets and AI Midterm Presentation.pptx
+++ b/Neural Networks/Neural Nets and AI Midterm Presentation.pptx
@@ -1,45 +1,45 @@
 
 <file path=ppt/presentation.xml><?xml version="1.0" encoding="utf-8"?>
-<p:presentation xmlns:a="http://schemas.openxmlformats.org/drawingml/2006/main" xmlns:r="http://schemas.openxmlformats.org/officeDocument/2006/relationships" xmlns:mc="http://schemas.openxmlformats.org/markup-compatibility/2006" xmlns:mv="urn:schemas-microsoft-com:mac:vml" xmlns:p="http://schemas.openxmlformats.org/presentationml/2006/main" xmlns:c="http://schemas.openxmlformats.org/drawingml/2006/chart" xmlns:dgm="http://schemas.openxmlformats.org/drawingml/2006/diagram" xmlns:o="urn:schemas-microsoft-com:office:office" xmlns:v="urn:schemas-microsoft-com:vml" xmlns:pvml="urn:schemas-microsoft-com:office:powerpoint" xmlns:com="http://schemas.openxmlformats.org/drawingml/2006/compatibility" xmlns:p14="http://schemas.microsoft.com/office/powerpoint/2010/main" xmlns:p15="http://schemas.microsoft.com/office/powerpoint/2012/main" autoCompressPictures="0" embedTrueTypeFonts="1" strictFirstAndLastChars="0" saveSubsetFonts="1">
+<p:presentation xmlns:a="http://schemas.openxmlformats.org/drawingml/2006/main" xmlns:r="http://schemas.openxmlformats.org/officeDocument/2006/relationships" xmlns:p="http://schemas.openxmlformats.org/presentationml/2006/main" strictFirstAndLastChars="0" embedTrueTypeFonts="1" saveSubsetFonts="1" autoCompressPictures="0">
   <p:sldMasterIdLst>
-    <p:sldMasterId id="2147483659" r:id="rId4"/>
+    <p:sldMasterId id="2147483659" r:id="rId1"/>
   </p:sldMasterIdLst>
   <p:notesMasterIdLst>
-    <p:notesMasterId r:id="rId5"/>
+    <p:notesMasterId r:id="rId18"/>
   </p:notesMasterIdLst>
   <p:sldIdLst>
-    <p:sldId id="256" r:id="rId6"/>
-    <p:sldId id="257" r:id="rId7"/>
-    <p:sldId id="258" r:id="rId8"/>
-    <p:sldId id="259" r:id="rId9"/>
-    <p:sldId id="260" r:id="rId10"/>
-    <p:sldId id="261" r:id="rId11"/>
-    <p:sldId id="262" r:id="rId12"/>
-    <p:sldId id="263" r:id="rId13"/>
-    <p:sldId id="264" r:id="rId14"/>
-    <p:sldId id="265" r:id="rId15"/>
-    <p:sldId id="266" r:id="rId16"/>
-    <p:sldId id="267" r:id="rId17"/>
-    <p:sldId id="268" r:id="rId18"/>
-    <p:sldId id="269" r:id="rId19"/>
-    <p:sldId id="270" r:id="rId20"/>
-    <p:sldId id="271" r:id="rId21"/>
+    <p:sldId id="256" r:id="rId2"/>
+    <p:sldId id="257" r:id="rId3"/>
+    <p:sldId id="258" r:id="rId4"/>
+    <p:sldId id="259" r:id="rId5"/>
+    <p:sldId id="260" r:id="rId6"/>
+    <p:sldId id="261" r:id="rId7"/>
+    <p:sldId id="262" r:id="rId8"/>
+    <p:sldId id="263" r:id="rId9"/>
+    <p:sldId id="264" r:id="rId10"/>
+    <p:sldId id="265" r:id="rId11"/>
+    <p:sldId id="266" r:id="rId12"/>
+    <p:sldId id="267" r:id="rId13"/>
+    <p:sldId id="268" r:id="rId14"/>
+    <p:sldId id="269" r:id="rId15"/>
+    <p:sldId id="270" r:id="rId16"/>
+    <p:sldId id="271" r:id="rId17"/>
   </p:sldIdLst>
-  <p:sldSz cy="5143500" cx="9144000"/>
+  <p:sldSz cx="9144000" cy="5143500" type="screen16x9"/>
   <p:notesSz cx="6858000" cy="9144000"/>
   <p:embeddedFontLst>
     <p:embeddedFont>
-      <p:font typeface="Average"/>
-      <p:regular r:id="rId22"/>
+      <p:font typeface="Average" panose="020B0604020202020204" charset="0"/>
+      <p:regular r:id="rId19"/>
     </p:embeddedFont>
     <p:embeddedFont>
-      <p:font typeface="Oswald"/>
-      <p:regular r:id="rId23"/>
-      <p:bold r:id="rId24"/>
+      <p:font typeface="Oswald" panose="020B0604020202020204" charset="0"/>
+      <p:regular r:id="rId20"/>
+      <p:bold r:id="rId21"/>
     </p:embeddedFont>
   </p:embeddedFontLst>
   <p:defaultTextStyle>
-    <a:defPPr lvl="0" marR="0" rtl="0" algn="l">
+    <a:defPPr marR="0" lvl="0" algn="l" rtl="0">
       <a:lnSpc>
         <a:spcPct val="100000"/>
       </a:lnSpc>
@@ -50,7 +50,7 @@
         <a:spcPts val="0"/>
       </a:spcAft>
     </a:defPPr>
-    <a:lvl1pPr lvl="0" marR="0" rtl="0" algn="l">
+    <a:lvl1pPr marR="0" lvl="0" algn="l" rtl="0">
       <a:lnSpc>
         <a:spcPct val="100000"/>
       </a:lnSpc>
@@ -64,7 +64,7 @@
         <a:srgbClr val="000000"/>
       </a:buClr>
       <a:buFont typeface="Arial"/>
-      <a:defRPr b="0" i="0" sz="1400" u="none" cap="none" strike="noStrike">
+      <a:defRPr sz="1400" b="0" i="0" u="none" strike="noStrike" cap="none">
         <a:solidFill>
           <a:srgbClr val="000000"/>
         </a:solidFill>
@@ -74,7 +74,7 @@
         <a:sym typeface="Arial"/>
       </a:defRPr>
     </a:lvl1pPr>
-    <a:lvl2pPr lvl="1" marR="0" rtl="0" algn="l">
+    <a:lvl2pPr marR="0" lvl="1" algn="l" rtl="0">
       <a:lnSpc>
         <a:spcPct val="100000"/>
       </a:lnSpc>
@@ -88,7 +88,7 @@
         <a:srgbClr val="000000"/>
       </a:buClr>
       <a:buFont typeface="Arial"/>
-      <a:defRPr b="0" i="0" sz="1400" u="none" cap="none" strike="noStrike">
+      <a:defRPr sz="1400" b="0" i="0" u="none" strike="noStrike" cap="none">
         <a:solidFill>
           <a:srgbClr val="000000"/>
         </a:solidFill>
@@ -98,7 +98,7 @@
         <a:sym typeface="Arial"/>
       </a:defRPr>
     </a:lvl2pPr>
-    <a:lvl3pPr lvl="2" marR="0" rtl="0" algn="l">
+    <a:lvl3pPr marR="0" lvl="2" algn="l" rtl="0">
       <a:lnSpc>
         <a:spcPct val="100000"/>
       </a:lnSpc>
@@ -112,7 +112,7 @@
         <a:srgbClr val="000000"/>
       </a:buClr>
       <a:buFont typeface="Arial"/>
-      <a:defRPr b="0" i="0" sz="1400" u="none" cap="none" strike="noStrike">
+      <a:defRPr sz="1400" b="0" i="0" u="none" strike="noStrike" cap="none">
         <a:solidFill>
           <a:srgbClr val="000000"/>
         </a:solidFill>
@@ -122,7 +122,7 @@
         <a:sym typeface="Arial"/>
       </a:defRPr>
     </a:lvl3pPr>
-    <a:lvl4pPr lvl="3" marR="0" rtl="0" algn="l">
+    <a:lvl4pPr marR="0" lvl="3" algn="l" rtl="0">
       <a:lnSpc>
         <a:spcPct val="100000"/>
       </a:lnSpc>
@@ -136,7 +136,7 @@
         <a:srgbClr val="000000"/>
       </a:buClr>
       <a:buFont typeface="Arial"/>
-      <a:defRPr b="0" i="0" sz="1400" u="none" cap="none" strike="noStrike">
+      <a:defRPr sz="1400" b="0" i="0" u="none" strike="noStrike" cap="none">
         <a:solidFill>
           <a:srgbClr val="000000"/>
         </a:solidFill>
@@ -146,7 +146,7 @@
         <a:sym typeface="Arial"/>
       </a:defRPr>
     </a:lvl4pPr>
-    <a:lvl5pPr lvl="4" marR="0" rtl="0" algn="l">
+    <a:lvl5pPr marR="0" lvl="4" algn="l" rtl="0">
       <a:lnSpc>
         <a:spcPct val="100000"/>
       </a:lnSpc>
@@ -160,7 +160,7 @@
         <a:srgbClr val="000000"/>
       </a:buClr>
       <a:buFont typeface="Arial"/>
-      <a:defRPr b="0" i="0" sz="1400" u="none" cap="none" strike="noStrike">
+      <a:defRPr sz="1400" b="0" i="0" u="none" strike="noStrike" cap="none">
         <a:solidFill>
           <a:srgbClr val="000000"/>
         </a:solidFill>
@@ -170,7 +170,7 @@
         <a:sym typeface="Arial"/>
       </a:defRPr>
     </a:lvl5pPr>
-    <a:lvl6pPr lvl="5" marR="0" rtl="0" algn="l">
+    <a:lvl6pPr marR="0" lvl="5" algn="l" rtl="0">
       <a:lnSpc>
         <a:spcPct val="100000"/>
       </a:lnSpc>
@@ -184,7 +184,7 @@
         <a:srgbClr val="000000"/>
       </a:buClr>
       <a:buFont typeface="Arial"/>
-      <a:defRPr b="0" i="0" sz="1400" u="none" cap="none" strike="noStrike">
+      <a:defRPr sz="1400" b="0" i="0" u="none" strike="noStrike" cap="none">
         <a:solidFill>
           <a:srgbClr val="000000"/>
         </a:solidFill>
@@ -194,7 +194,7 @@
         <a:sym typeface="Arial"/>
       </a:defRPr>
     </a:lvl6pPr>
-    <a:lvl7pPr lvl="6" marR="0" rtl="0" algn="l">
+    <a:lvl7pPr marR="0" lvl="6" algn="l" rtl="0">
       <a:lnSpc>
         <a:spcPct val="100000"/>
       </a:lnSpc>
@@ -208,7 +208,7 @@
         <a:srgbClr val="000000"/>
       </a:buClr>
       <a:buFont typeface="Arial"/>
-      <a:defRPr b="0" i="0" sz="1400" u="none" cap="none" strike="noStrike">
+      <a:defRPr sz="1400" b="0" i="0" u="none" strike="noStrike" cap="none">
         <a:solidFill>
           <a:srgbClr val="000000"/>
         </a:solidFill>
@@ -218,7 +218,7 @@
         <a:sym typeface="Arial"/>
       </a:defRPr>
     </a:lvl7pPr>
-    <a:lvl8pPr lvl="7" marR="0" rtl="0" algn="l">
+    <a:lvl8pPr marR="0" lvl="7" algn="l" rtl="0">
       <a:lnSpc>
         <a:spcPct val="100000"/>
       </a:lnSpc>
@@ -232,7 +232,7 @@
         <a:srgbClr val="000000"/>
       </a:buClr>
       <a:buFont typeface="Arial"/>
-      <a:defRPr b="0" i="0" sz="1400" u="none" cap="none" strike="noStrike">
+      <a:defRPr sz="1400" b="0" i="0" u="none" strike="noStrike" cap="none">
         <a:solidFill>
           <a:srgbClr val="000000"/>
         </a:solidFill>
@@ -242,7 +242,7 @@
         <a:sym typeface="Arial"/>
       </a:defRPr>
     </a:lvl8pPr>
-    <a:lvl9pPr lvl="8" marR="0" rtl="0" algn="l">
+    <a:lvl9pPr marR="0" lvl="8" algn="l" rtl="0">
       <a:lnSpc>
         <a:spcPct val="100000"/>
       </a:lnSpc>
@@ -256,7 +256,7 @@
         <a:srgbClr val="000000"/>
       </a:buClr>
       <a:buFont typeface="Arial"/>
-      <a:defRPr b="0" i="0" sz="1400" u="none" cap="none" strike="noStrike">
+      <a:defRPr sz="1400" b="0" i="0" u="none" strike="noStrike" cap="none">
         <a:solidFill>
           <a:srgbClr val="000000"/>
         </a:solidFill>
@@ -269,7 +269,7 @@
   </p:defaultTextStyle>
   <p:extLst>
     <p:ext uri="{EFAFB233-063F-42B5-8137-9DF3F51BA10A}">
-      <p15:sldGuideLst>
+      <p15:sldGuideLst xmlns:p15="http://schemas.microsoft.com/office/powerpoint/2012/main">
         <p15:guide id="1" orient="horz" pos="1620">
           <p15:clr>
             <a:srgbClr val="A4A3A4"/>
@@ -287,11 +287,16 @@
 </file>
 
 <file path=ppt/notesMasters/notesMaster1.xml><?xml version="1.0" encoding="utf-8"?>
-<p:notesMaster xmlns:a="http://schemas.openxmlformats.org/drawingml/2006/main" xmlns:r="http://schemas.openxmlformats.org/officeDocument/2006/relationships" xmlns:mc="http://schemas.openxmlformats.org/markup-compatibility/2006" xmlns:mv="urn:schemas-microsoft-com:mac:vml" xmlns:p="http://schemas.openxmlformats.org/presentationml/2006/main" xmlns:c="http://schemas.openxmlformats.org/drawingml/2006/chart" xmlns:dgm="http://schemas.openxmlformats.org/drawingml/2006/diagram" xmlns:o="urn:schemas-microsoft-com:office:office" xmlns:v="urn:schemas-microsoft-com:vml" xmlns:pvml="urn:schemas-microsoft-com:office:powerpoint" xmlns:com="http://schemas.openxmlformats.org/drawingml/2006/compatibility" xmlns:p14="http://schemas.microsoft.com/office/powerpoint/2010/main" xmlns:p15="http://schemas.microsoft.com/office/powerpoint/2012/main">
+<p:notesMaster xmlns:a="http://schemas.openxmlformats.org/drawingml/2006/main" xmlns:r="http://schemas.openxmlformats.org/officeDocument/2006/relationships" xmlns:p="http://schemas.openxmlformats.org/presentationml/2006/main">
   <p:cSld>
+    <p:bg>
+      <p:bgRef idx="1001">
+        <a:schemeClr val="bg1"/>
+      </p:bgRef>
+    </p:bg>
     <p:spTree>
       <p:nvGrpSpPr>
-        <p:cNvPr id="2" name="Shape 2"/>
+        <p:cNvPr id="1" name="Shape 2"/>
         <p:cNvGrpSpPr/>
         <p:nvPr/>
       </p:nvGrpSpPr>
@@ -306,9 +311,11 @@
       <p:sp>
         <p:nvSpPr>
           <p:cNvPr id="3" name="Google Shape;3;n"/>
-          <p:cNvSpPr/>
+          <p:cNvSpPr>
+            <a:spLocks noGrp="1" noRot="1" noChangeAspect="1"/>
+          </p:cNvSpPr>
           <p:nvPr>
-            <p:ph idx="2" type="sldImg"/>
+            <p:ph type="sldImg" idx="2"/>
           </p:nvPr>
         </p:nvSpPr>
         <p:spPr>
@@ -317,9 +324,13 @@
             <a:ext cx="6096075" cy="3429000"/>
           </a:xfrm>
           <a:custGeom>
-            <a:rect b="b" l="l" r="r" t="t"/>
+            <a:avLst/>
+            <a:gdLst/>
+            <a:ahLst/>
+            <a:cxnLst/>
+            <a:rect l="l" t="t" r="r" b="b"/>
             <a:pathLst>
-              <a:path extrusionOk="0" h="120000" w="120000">
+              <a:path w="120000" h="120000" extrusionOk="0">
                 <a:moveTo>
                   <a:pt x="0" y="0"/>
                 </a:moveTo>
@@ -337,23 +348,25 @@
             </a:pathLst>
           </a:custGeom>
           <a:noFill/>
-          <a:ln cap="flat" cmpd="sng" w="9525">
+          <a:ln w="9525" cap="flat" cmpd="sng">
             <a:solidFill>
               <a:srgbClr val="000000"/>
             </a:solidFill>
             <a:prstDash val="solid"/>
             <a:round/>
-            <a:headEnd len="sm" w="sm" type="none"/>
-            <a:tailEnd len="sm" w="sm" type="none"/>
+            <a:headEnd type="none" w="sm" len="sm"/>
+            <a:tailEnd type="none" w="sm" len="sm"/>
           </a:ln>
         </p:spPr>
       </p:sp>
       <p:sp>
         <p:nvSpPr>
           <p:cNvPr id="4" name="Google Shape;4;n"/>
-          <p:cNvSpPr txBox="1"/>
+          <p:cNvSpPr txBox="1">
+            <a:spLocks noGrp="1"/>
+          </p:cNvSpPr>
           <p:nvPr>
-            <p:ph idx="1" type="body"/>
+            <p:ph type="body" idx="1"/>
           </p:nvPr>
         </p:nvSpPr>
         <p:spPr>
@@ -370,11 +383,11 @@
           </a:ln>
         </p:spPr>
         <p:txBody>
-          <a:bodyPr anchorCtr="0" anchor="t" bIns="91425" lIns="91425" spcFirstLastPara="1" rIns="91425" wrap="square" tIns="91425">
+          <a:bodyPr spcFirstLastPara="1" wrap="square" lIns="91425" tIns="91425" rIns="91425" bIns="91425" anchor="t" anchorCtr="0">
             <a:noAutofit/>
           </a:bodyPr>
           <a:lstStyle>
-            <a:lvl1pPr indent="-298450" lvl="0" marL="457200">
+            <a:lvl1pPr marL="457200" lvl="0" indent="-298450">
               <a:spcBef>
                 <a:spcPts val="0"/>
               </a:spcBef>
@@ -385,7 +398,7 @@
               <a:buChar char="●"/>
               <a:defRPr sz="1100"/>
             </a:lvl1pPr>
-            <a:lvl2pPr indent="-298450" lvl="1" marL="914400">
+            <a:lvl2pPr marL="914400" lvl="1" indent="-298450">
               <a:spcBef>
                 <a:spcPts val="0"/>
               </a:spcBef>
@@ -396,7 +409,7 @@
               <a:buChar char="○"/>
               <a:defRPr sz="1100"/>
             </a:lvl2pPr>
-            <a:lvl3pPr indent="-298450" lvl="2" marL="1371600">
+            <a:lvl3pPr marL="1371600" lvl="2" indent="-298450">
               <a:spcBef>
                 <a:spcPts val="0"/>
               </a:spcBef>
@@ -407,7 +420,7 @@
               <a:buChar char="■"/>
               <a:defRPr sz="1100"/>
             </a:lvl3pPr>
-            <a:lvl4pPr indent="-298450" lvl="3" marL="1828800">
+            <a:lvl4pPr marL="1828800" lvl="3" indent="-298450">
               <a:spcBef>
                 <a:spcPts val="0"/>
               </a:spcBef>
@@ -418,7 +431,7 @@
               <a:buChar char="●"/>
               <a:defRPr sz="1100"/>
             </a:lvl4pPr>
-            <a:lvl5pPr indent="-298450" lvl="4" marL="2286000">
+            <a:lvl5pPr marL="2286000" lvl="4" indent="-298450">
               <a:spcBef>
                 <a:spcPts val="0"/>
               </a:spcBef>
@@ -429,7 +442,7 @@
               <a:buChar char="○"/>
               <a:defRPr sz="1100"/>
             </a:lvl5pPr>
-            <a:lvl6pPr indent="-298450" lvl="5" marL="2743200">
+            <a:lvl6pPr marL="2743200" lvl="5" indent="-298450">
               <a:spcBef>
                 <a:spcPts val="0"/>
               </a:spcBef>
@@ -440,7 +453,7 @@
               <a:buChar char="■"/>
               <a:defRPr sz="1100"/>
             </a:lvl6pPr>
-            <a:lvl7pPr indent="-298450" lvl="6" marL="3200400">
+            <a:lvl7pPr marL="3200400" lvl="6" indent="-298450">
               <a:spcBef>
                 <a:spcPts val="0"/>
               </a:spcBef>
@@ -451,7 +464,7 @@
               <a:buChar char="●"/>
               <a:defRPr sz="1100"/>
             </a:lvl7pPr>
-            <a:lvl8pPr indent="-298450" lvl="7" marL="3657600">
+            <a:lvl8pPr marL="3657600" lvl="7" indent="-298450">
               <a:spcBef>
                 <a:spcPts val="0"/>
               </a:spcBef>
@@ -462,7 +475,7 @@
               <a:buChar char="○"/>
               <a:defRPr sz="1100"/>
             </a:lvl8pPr>
-            <a:lvl9pPr indent="-298450" lvl="8" marL="4114800">
+            <a:lvl9pPr marL="4114800" lvl="8" indent="-298450">
               <a:spcBef>
                 <a:spcPts val="0"/>
               </a:spcBef>
@@ -474,14 +487,16 @@
               <a:defRPr sz="1100"/>
             </a:lvl9pPr>
           </a:lstStyle>
-          <a:p/>
+          <a:p>
+            <a:endParaRPr/>
+          </a:p>
         </p:txBody>
       </p:sp>
     </p:spTree>
   </p:cSld>
-  <p:clrMap accent1="accent1" accent2="accent2" accent3="accent3" accent4="accent4" accent5="accent5" accent6="accent6" bg1="lt1" bg2="dk2" tx1="dk1" tx2="lt2" folHlink="folHlink" hlink="hlink"/>
+  <p:clrMap bg1="lt1" tx1="dk1" bg2="dk2" tx2="lt2" accent1="accent1" accent2="accent2" accent3="accent3" accent4="accent4" accent5="accent5" accent6="accent6" hlink="hlink" folHlink="folHlink"/>
   <p:notesStyle>
-    <a:defPPr lvl="0" marR="0" rtl="0" algn="l">
+    <a:defPPr marR="0" lvl="0" algn="l" rtl="0">
       <a:lnSpc>
         <a:spcPct val="100000"/>
       </a:lnSpc>
@@ -492,7 +507,7 @@
         <a:spcPts val="0"/>
       </a:spcAft>
     </a:defPPr>
-    <a:lvl1pPr lvl="0" marR="0" rtl="0" algn="l">
+    <a:lvl1pPr marR="0" lvl="0" algn="l" rtl="0">
       <a:lnSpc>
         <a:spcPct val="100000"/>
       </a:lnSpc>
@@ -506,7 +521,7 @@
         <a:srgbClr val="000000"/>
       </a:buClr>
       <a:buFont typeface="Arial"/>
-      <a:defRPr b="0" i="0" sz="1400" u="none" cap="none" strike="noStrike">
+      <a:defRPr sz="1400" b="0" i="0" u="none" strike="noStrike" cap="none">
         <a:solidFill>
           <a:srgbClr val="000000"/>
         </a:solidFill>
@@ -516,7 +531,7 @@
         <a:sym typeface="Arial"/>
       </a:defRPr>
     </a:lvl1pPr>
-    <a:lvl2pPr lvl="1" marR="0" rtl="0" algn="l">
+    <a:lvl2pPr marR="0" lvl="1" algn="l" rtl="0">
       <a:lnSpc>
         <a:spcPct val="100000"/>
       </a:lnSpc>
@@ -530,7 +545,7 @@
         <a:srgbClr val="000000"/>
       </a:buClr>
       <a:buFont typeface="Arial"/>
-      <a:defRPr b="0" i="0" sz="1400" u="none" cap="none" strike="noStrike">
+      <a:defRPr sz="1400" b="0" i="0" u="none" strike="noStrike" cap="none">
         <a:solidFill>
           <a:srgbClr val="000000"/>
         </a:solidFill>
@@ -540,7 +555,7 @@
         <a:sym typeface="Arial"/>
       </a:defRPr>
     </a:lvl2pPr>
-    <a:lvl3pPr lvl="2" marR="0" rtl="0" algn="l">
+    <a:lvl3pPr marR="0" lvl="2" algn="l" rtl="0">
       <a:lnSpc>
         <a:spcPct val="100000"/>
       </a:lnSpc>
@@ -554,7 +569,7 @@
         <a:srgbClr val="000000"/>
       </a:buClr>
       <a:buFont typeface="Arial"/>
-      <a:defRPr b="0" i="0" sz="1400" u="none" cap="none" strike="noStrike">
+      <a:defRPr sz="1400" b="0" i="0" u="none" strike="noStrike" cap="none">
         <a:solidFill>
           <a:srgbClr val="000000"/>
         </a:solidFill>
@@ -564,7 +579,7 @@
         <a:sym typeface="Arial"/>
       </a:defRPr>
     </a:lvl3pPr>
-    <a:lvl4pPr lvl="3" marR="0" rtl="0" algn="l">
+    <a:lvl4pPr marR="0" lvl="3" algn="l" rtl="0">
       <a:lnSpc>
         <a:spcPct val="100000"/>
       </a:lnSpc>
@@ -578,7 +593,7 @@
         <a:srgbClr val="000000"/>
       </a:buClr>
       <a:buFont typeface="Arial"/>
-      <a:defRPr b="0" i="0" sz="1400" u="none" cap="none" strike="noStrike">
+      <a:defRPr sz="1400" b="0" i="0" u="none" strike="noStrike" cap="none">
         <a:solidFill>
           <a:srgbClr val="000000"/>
         </a:solidFill>
@@ -588,7 +603,7 @@
         <a:sym typeface="Arial"/>
       </a:defRPr>
     </a:lvl4pPr>
-    <a:lvl5pPr lvl="4" marR="0" rtl="0" algn="l">
+    <a:lvl5pPr marR="0" lvl="4" algn="l" rtl="0">
       <a:lnSpc>
         <a:spcPct val="100000"/>
       </a:lnSpc>
@@ -602,7 +617,7 @@
         <a:srgbClr val="000000"/>
       </a:buClr>
       <a:buFont typeface="Arial"/>
-      <a:defRPr b="0" i="0" sz="1400" u="none" cap="none" strike="noStrike">
+      <a:defRPr sz="1400" b="0" i="0" u="none" strike="noStrike" cap="none">
         <a:solidFill>
           <a:srgbClr val="000000"/>
         </a:solidFill>
@@ -612,7 +627,7 @@
         <a:sym typeface="Arial"/>
       </a:defRPr>
     </a:lvl5pPr>
-    <a:lvl6pPr lvl="5" marR="0" rtl="0" algn="l">
+    <a:lvl6pPr marR="0" lvl="5" algn="l" rtl="0">
       <a:lnSpc>
         <a:spcPct val="100000"/>
       </a:lnSpc>
@@ -626,7 +641,7 @@
         <a:srgbClr val="000000"/>
       </a:buClr>
       <a:buFont typeface="Arial"/>
-      <a:defRPr b="0" i="0" sz="1400" u="none" cap="none" strike="noStrike">
+      <a:defRPr sz="1400" b="0" i="0" u="none" strike="noStrike" cap="none">
         <a:solidFill>
           <a:srgbClr val="000000"/>
         </a:solidFill>
@@ -636,7 +651,7 @@
         <a:sym typeface="Arial"/>
       </a:defRPr>
     </a:lvl6pPr>
-    <a:lvl7pPr lvl="6" marR="0" rtl="0" algn="l">
+    <a:lvl7pPr marR="0" lvl="6" algn="l" rtl="0">
       <a:lnSpc>
         <a:spcPct val="100000"/>
       </a:lnSpc>
@@ -650,7 +665,7 @@
         <a:srgbClr val="000000"/>
       </a:buClr>
       <a:buFont typeface="Arial"/>
-      <a:defRPr b="0" i="0" sz="1400" u="none" cap="none" strike="noStrike">
+      <a:defRPr sz="1400" b="0" i="0" u="none" strike="noStrike" cap="none">
         <a:solidFill>
           <a:srgbClr val="000000"/>
         </a:solidFill>
@@ -660,7 +675,7 @@
         <a:sym typeface="Arial"/>
       </a:defRPr>
     </a:lvl7pPr>
-    <a:lvl8pPr lvl="7" marR="0" rtl="0" algn="l">
+    <a:lvl8pPr marR="0" lvl="7" algn="l" rtl="0">
       <a:lnSpc>
         <a:spcPct val="100000"/>
       </a:lnSpc>
@@ -674,7 +689,7 @@
         <a:srgbClr val="000000"/>
       </a:buClr>
       <a:buFont typeface="Arial"/>
-      <a:defRPr b="0" i="0" sz="1400" u="none" cap="none" strike="noStrike">
+      <a:defRPr sz="1400" b="0" i="0" u="none" strike="noStrike" cap="none">
         <a:solidFill>
           <a:srgbClr val="000000"/>
         </a:solidFill>
@@ -684,7 +699,7 @@
         <a:sym typeface="Arial"/>
       </a:defRPr>
     </a:lvl8pPr>
-    <a:lvl9pPr lvl="8" marR="0" rtl="0" algn="l">
+    <a:lvl9pPr marR="0" lvl="8" algn="l" rtl="0">
       <a:lnSpc>
         <a:spcPct val="100000"/>
       </a:lnSpc>
@@ -698,7 +713,7 @@
         <a:srgbClr val="000000"/>
       </a:buClr>
       <a:buFont typeface="Arial"/>
-      <a:defRPr b="0" i="0" sz="1400" u="none" cap="none" strike="noStrike">
+      <a:defRPr sz="1400" b="0" i="0" u="none" strike="noStrike" cap="none">
         <a:solidFill>
           <a:srgbClr val="000000"/>
         </a:solidFill>
@@ -713,11 +728,11 @@
 </file>
 
 <file path=ppt/notesSlides/notesSlide1.xml><?xml version="1.0" encoding="utf-8"?>
-<p:notes xmlns:a="http://schemas.openxmlformats.org/drawingml/2006/main" xmlns:r="http://schemas.openxmlformats.org/officeDocument/2006/relationships" xmlns:mc="http://schemas.openxmlformats.org/markup-compatibility/2006" xmlns:mv="urn:schemas-microsoft-com:mac:vml" xmlns:p="http://schemas.openxmlformats.org/presentationml/2006/main" xmlns:c="http://schemas.openxmlformats.org/drawingml/2006/chart" xmlns:dgm="http://schemas.openxmlformats.org/drawingml/2006/diagram" xmlns:o="urn:schemas-microsoft-com:office:office" xmlns:v="urn:schemas-microsoft-com:vml" xmlns:pvml="urn:schemas-microsoft-com:office:powerpoint" xmlns:com="http://schemas.openxmlformats.org/drawingml/2006/compatibility" xmlns:p14="http://schemas.microsoft.com/office/powerpoint/2010/main" xmlns:p15="http://schemas.microsoft.com/office/powerpoint/2012/main" showMasterPhAnim="0" showMasterSp="0">
+<p:notes xmlns:a="http://schemas.openxmlformats.org/drawingml/2006/main" xmlns:r="http://schemas.openxmlformats.org/officeDocument/2006/relationships" xmlns:p="http://schemas.openxmlformats.org/presentationml/2006/main" showMasterSp="0" showMasterPhAnim="0">
   <p:cSld>
     <p:spTree>
       <p:nvGrpSpPr>
-        <p:cNvPr id="55" name="Shape 55"/>
+        <p:cNvPr id="1" name="Shape 55"/>
         <p:cNvGrpSpPr/>
         <p:nvPr/>
       </p:nvGrpSpPr>
@@ -732,9 +747,11 @@
       <p:sp>
         <p:nvSpPr>
           <p:cNvPr id="56" name="Google Shape;56;p:notes"/>
-          <p:cNvSpPr/>
+          <p:cNvSpPr>
+            <a:spLocks noGrp="1" noRot="1" noChangeAspect="1"/>
+          </p:cNvSpPr>
           <p:nvPr>
-            <p:ph idx="2" type="sldImg"/>
+            <p:ph type="sldImg" idx="2"/>
           </p:nvPr>
         </p:nvSpPr>
         <p:spPr>
@@ -743,9 +760,13 @@
             <a:ext cx="6096075" cy="3429000"/>
           </a:xfrm>
           <a:custGeom>
-            <a:rect b="b" l="l" r="r" t="t"/>
+            <a:avLst/>
+            <a:gdLst/>
+            <a:ahLst/>
+            <a:cxnLst/>
+            <a:rect l="l" t="t" r="r" b="b"/>
             <a:pathLst>
-              <a:path extrusionOk="0" h="120000" w="120000">
+              <a:path w="120000" h="120000" extrusionOk="0">
                 <a:moveTo>
                   <a:pt x="0" y="0"/>
                 </a:moveTo>
@@ -767,9 +788,11 @@
       <p:sp>
         <p:nvSpPr>
           <p:cNvPr id="57" name="Google Shape;57;p:notes"/>
-          <p:cNvSpPr txBox="1"/>
+          <p:cNvSpPr txBox="1">
+            <a:spLocks noGrp="1"/>
+          </p:cNvSpPr>
           <p:nvPr>
-            <p:ph idx="1" type="body"/>
+            <p:ph type="body" idx="1"/>
           </p:nvPr>
         </p:nvSpPr>
         <p:spPr>
@@ -782,23 +805,20 @@
           </a:prstGeom>
         </p:spPr>
         <p:txBody>
-          <a:bodyPr anchorCtr="0" anchor="t" bIns="91425" lIns="91425" spcFirstLastPara="1" rIns="91425" wrap="square" tIns="91425">
+          <a:bodyPr spcFirstLastPara="1" wrap="square" lIns="91425" tIns="91425" rIns="91425" bIns="91425" anchor="t" anchorCtr="0">
             <a:noAutofit/>
           </a:bodyPr>
           <a:lstStyle/>
           <a:p>
-            <a:pPr indent="0" lvl="0" marL="0" rtl="0" algn="l">
-              <a:spcBef>
-                <a:spcPts val="0"/>
-              </a:spcBef>
-              <a:spcAft>
-                <a:spcPts val="0"/>
-              </a:spcAft>
-              <a:buNone/>
-            </a:pPr>
-            <a:r>
-              <a:t/>
-            </a:r>
+            <a:pPr marL="0" lvl="0" indent="0" algn="l" rtl="0">
+              <a:spcBef>
+                <a:spcPts val="0"/>
+              </a:spcBef>
+              <a:spcAft>
+                <a:spcPts val="0"/>
+              </a:spcAft>
+              <a:buNone/>
+            </a:pPr>
             <a:endParaRPr/>
           </a:p>
         </p:txBody>
@@ -812,11 +832,11 @@
 </file>
 
 <file path=ppt/notesSlides/notesSlide10.xml><?xml version="1.0" encoding="utf-8"?>
-<p:notes xmlns:a="http://schemas.openxmlformats.org/drawingml/2006/main" xmlns:r="http://schemas.openxmlformats.org/officeDocument/2006/relationships" xmlns:mc="http://schemas.openxmlformats.org/markup-compatibility/2006" xmlns:mv="urn:schemas-microsoft-com:mac:vml" xmlns:p="http://schemas.openxmlformats.org/presentationml/2006/main" xmlns:c="http://schemas.openxmlformats.org/drawingml/2006/chart" xmlns:dgm="http://schemas.openxmlformats.org/drawingml/2006/diagram" xmlns:o="urn:schemas-microsoft-com:office:office" xmlns:v="urn:schemas-microsoft-com:vml" xmlns:pvml="urn:schemas-microsoft-com:office:powerpoint" xmlns:com="http://schemas.openxmlformats.org/drawingml/2006/compatibility" xmlns:p14="http://schemas.microsoft.com/office/powerpoint/2010/main" xmlns:p15="http://schemas.microsoft.com/office/powerpoint/2012/main" showMasterPhAnim="0" showMasterSp="0">
+<p:notes xmlns:a="http://schemas.openxmlformats.org/drawingml/2006/main" xmlns:r="http://schemas.openxmlformats.org/officeDocument/2006/relationships" xmlns:p="http://schemas.openxmlformats.org/presentationml/2006/main" showMasterSp="0" showMasterPhAnim="0">
   <p:cSld>
     <p:spTree>
       <p:nvGrpSpPr>
-        <p:cNvPr id="118" name="Shape 118"/>
+        <p:cNvPr id="1" name="Shape 118"/>
         <p:cNvGrpSpPr/>
         <p:nvPr/>
       </p:nvGrpSpPr>
@@ -831,9 +851,11 @@
       <p:sp>
         <p:nvSpPr>
           <p:cNvPr id="119" name="Google Shape;119;g70337b2347_0_37:notes"/>
-          <p:cNvSpPr/>
+          <p:cNvSpPr>
+            <a:spLocks noGrp="1" noRot="1" noChangeAspect="1"/>
+          </p:cNvSpPr>
           <p:nvPr>
-            <p:ph idx="2" type="sldImg"/>
+            <p:ph type="sldImg" idx="2"/>
           </p:nvPr>
         </p:nvSpPr>
         <p:spPr>
@@ -842,9 +864,13 @@
             <a:ext cx="6096000" cy="3429000"/>
           </a:xfrm>
           <a:custGeom>
-            <a:rect b="b" l="l" r="r" t="t"/>
+            <a:avLst/>
+            <a:gdLst/>
+            <a:ahLst/>
+            <a:cxnLst/>
+            <a:rect l="l" t="t" r="r" b="b"/>
             <a:pathLst>
-              <a:path extrusionOk="0" h="120000" w="120000">
+              <a:path w="120000" h="120000" extrusionOk="0">
                 <a:moveTo>
                   <a:pt x="0" y="0"/>
                 </a:moveTo>
@@ -866,9 +892,11 @@
       <p:sp>
         <p:nvSpPr>
           <p:cNvPr id="120" name="Google Shape;120;g70337b2347_0_37:notes"/>
-          <p:cNvSpPr txBox="1"/>
+          <p:cNvSpPr txBox="1">
+            <a:spLocks noGrp="1"/>
+          </p:cNvSpPr>
           <p:nvPr>
-            <p:ph idx="1" type="body"/>
+            <p:ph type="body" idx="1"/>
           </p:nvPr>
         </p:nvSpPr>
         <p:spPr>
@@ -881,23 +909,20 @@
           </a:prstGeom>
         </p:spPr>
         <p:txBody>
-          <a:bodyPr anchorCtr="0" anchor="t" bIns="91425" lIns="91425" spcFirstLastPara="1" rIns="91425" wrap="square" tIns="91425">
+          <a:bodyPr spcFirstLastPara="1" wrap="square" lIns="91425" tIns="91425" rIns="91425" bIns="91425" anchor="t" anchorCtr="0">
             <a:noAutofit/>
           </a:bodyPr>
           <a:lstStyle/>
           <a:p>
-            <a:pPr indent="0" lvl="0" marL="0" rtl="0" algn="l">
-              <a:spcBef>
-                <a:spcPts val="0"/>
-              </a:spcBef>
-              <a:spcAft>
-                <a:spcPts val="0"/>
-              </a:spcAft>
-              <a:buNone/>
-            </a:pPr>
-            <a:r>
-              <a:t/>
-            </a:r>
+            <a:pPr marL="0" lvl="0" indent="0" algn="l" rtl="0">
+              <a:spcBef>
+                <a:spcPts val="0"/>
+              </a:spcBef>
+              <a:spcAft>
+                <a:spcPts val="0"/>
+              </a:spcAft>
+              <a:buNone/>
+            </a:pPr>
             <a:endParaRPr/>
           </a:p>
         </p:txBody>
@@ -911,11 +936,11 @@
 </file>
 
 <file path=ppt/notesSlides/notesSlide11.xml><?xml version="1.0" encoding="utf-8"?>
-<p:notes xmlns:a="http://schemas.openxmlformats.org/drawingml/2006/main" xmlns:r="http://schemas.openxmlformats.org/officeDocument/2006/relationships" xmlns:mc="http://schemas.openxmlformats.org/markup-compatibility/2006" xmlns:mv="urn:schemas-microsoft-com:mac:vml" xmlns:p="http://schemas.openxmlformats.org/presentationml/2006/main" xmlns:c="http://schemas.openxmlformats.org/drawingml/2006/chart" xmlns:dgm="http://schemas.openxmlformats.org/drawingml/2006/diagram" xmlns:o="urn:schemas-microsoft-com:office:office" xmlns:v="urn:schemas-microsoft-com:vml" xmlns:pvml="urn:schemas-microsoft-com:office:powerpoint" xmlns:com="http://schemas.openxmlformats.org/drawingml/2006/compatibility" xmlns:p14="http://schemas.microsoft.com/office/powerpoint/2010/main" xmlns:p15="http://schemas.microsoft.com/office/powerpoint/2012/main" showMasterPhAnim="0" showMasterSp="0">
+<p:notes xmlns:a="http://schemas.openxmlformats.org/drawingml/2006/main" xmlns:r="http://schemas.openxmlformats.org/officeDocument/2006/relationships" xmlns:p="http://schemas.openxmlformats.org/presentationml/2006/main" showMasterSp="0" showMasterPhAnim="0">
   <p:cSld>
     <p:spTree>
       <p:nvGrpSpPr>
-        <p:cNvPr id="124" name="Shape 124"/>
+        <p:cNvPr id="1" name="Shape 124"/>
         <p:cNvGrpSpPr/>
         <p:nvPr/>
       </p:nvGrpSpPr>
@@ -930,9 +955,11 @@
       <p:sp>
         <p:nvSpPr>
           <p:cNvPr id="125" name="Google Shape;125;g52cdccaea3_0_70:notes"/>
-          <p:cNvSpPr/>
+          <p:cNvSpPr>
+            <a:spLocks noGrp="1" noRot="1" noChangeAspect="1"/>
+          </p:cNvSpPr>
           <p:nvPr>
-            <p:ph idx="2" type="sldImg"/>
+            <p:ph type="sldImg" idx="2"/>
           </p:nvPr>
         </p:nvSpPr>
         <p:spPr>
@@ -941,9 +968,13 @@
             <a:ext cx="6096000" cy="3429000"/>
           </a:xfrm>
           <a:custGeom>
-            <a:rect b="b" l="l" r="r" t="t"/>
+            <a:avLst/>
+            <a:gdLst/>
+            <a:ahLst/>
+            <a:cxnLst/>
+            <a:rect l="l" t="t" r="r" b="b"/>
             <a:pathLst>
-              <a:path extrusionOk="0" h="120000" w="120000">
+              <a:path w="120000" h="120000" extrusionOk="0">
                 <a:moveTo>
                   <a:pt x="0" y="0"/>
                 </a:moveTo>
@@ -965,9 +996,11 @@
       <p:sp>
         <p:nvSpPr>
           <p:cNvPr id="126" name="Google Shape;126;g52cdccaea3_0_70:notes"/>
-          <p:cNvSpPr txBox="1"/>
+          <p:cNvSpPr txBox="1">
+            <a:spLocks noGrp="1"/>
+          </p:cNvSpPr>
           <p:nvPr>
-            <p:ph idx="1" type="body"/>
+            <p:ph type="body" idx="1"/>
           </p:nvPr>
         </p:nvSpPr>
         <p:spPr>
@@ -980,23 +1013,20 @@
           </a:prstGeom>
         </p:spPr>
         <p:txBody>
-          <a:bodyPr anchorCtr="0" anchor="t" bIns="91425" lIns="91425" spcFirstLastPara="1" rIns="91425" wrap="square" tIns="91425">
+          <a:bodyPr spcFirstLastPara="1" wrap="square" lIns="91425" tIns="91425" rIns="91425" bIns="91425" anchor="t" anchorCtr="0">
             <a:noAutofit/>
           </a:bodyPr>
           <a:lstStyle/>
           <a:p>
-            <a:pPr indent="0" lvl="0" marL="0" rtl="0" algn="l">
-              <a:spcBef>
-                <a:spcPts val="0"/>
-              </a:spcBef>
-              <a:spcAft>
-                <a:spcPts val="0"/>
-              </a:spcAft>
-              <a:buNone/>
-            </a:pPr>
-            <a:r>
-              <a:t/>
-            </a:r>
+            <a:pPr marL="0" lvl="0" indent="0" algn="l" rtl="0">
+              <a:spcBef>
+                <a:spcPts val="0"/>
+              </a:spcBef>
+              <a:spcAft>
+                <a:spcPts val="0"/>
+              </a:spcAft>
+              <a:buNone/>
+            </a:pPr>
             <a:endParaRPr/>
           </a:p>
         </p:txBody>
@@ -1010,11 +1040,11 @@
 </file>
 
 <file path=ppt/notesSlides/notesSlide12.xml><?xml version="1.0" encoding="utf-8"?>
-<p:notes xmlns:a="http://schemas.openxmlformats.org/drawingml/2006/main" xmlns:r="http://schemas.openxmlformats.org/officeDocument/2006/relationships" xmlns:mc="http://schemas.openxmlformats.org/markup-compatibility/2006" xmlns:mv="urn:schemas-microsoft-com:mac:vml" xmlns:p="http://schemas.openxmlformats.org/presentationml/2006/main" xmlns:c="http://schemas.openxmlformats.org/drawingml/2006/chart" xmlns:dgm="http://schemas.openxmlformats.org/drawingml/2006/diagram" xmlns:o="urn:schemas-microsoft-com:office:office" xmlns:v="urn:schemas-microsoft-com:vml" xmlns:pvml="urn:schemas-microsoft-com:office:powerpoint" xmlns:com="http://schemas.openxmlformats.org/drawingml/2006/compatibility" xmlns:p14="http://schemas.microsoft.com/office/powerpoint/2010/main" xmlns:p15="http://schemas.microsoft.com/office/powerpoint/2012/main" showMasterPhAnim="0" showMasterSp="0">
+<p:notes xmlns:a="http://schemas.openxmlformats.org/drawingml/2006/main" xmlns:r="http://schemas.openxmlformats.org/officeDocument/2006/relationships" xmlns:p="http://schemas.openxmlformats.org/presentationml/2006/main" showMasterSp="0" showMasterPhAnim="0">
   <p:cSld>
     <p:spTree>
       <p:nvGrpSpPr>
-        <p:cNvPr id="131" name="Shape 131"/>
+        <p:cNvPr id="1" name="Shape 131"/>
         <p:cNvGrpSpPr/>
         <p:nvPr/>
       </p:nvGrpSpPr>
@@ -1029,9 +1059,11 @@
       <p:sp>
         <p:nvSpPr>
           <p:cNvPr id="132" name="Google Shape;132;g70337b2347_0_42:notes"/>
-          <p:cNvSpPr/>
+          <p:cNvSpPr>
+            <a:spLocks noGrp="1" noRot="1" noChangeAspect="1"/>
+          </p:cNvSpPr>
           <p:nvPr>
-            <p:ph idx="2" type="sldImg"/>
+            <p:ph type="sldImg" idx="2"/>
           </p:nvPr>
         </p:nvSpPr>
         <p:spPr>
@@ -1040,9 +1072,13 @@
             <a:ext cx="6096000" cy="3429000"/>
           </a:xfrm>
           <a:custGeom>
-            <a:rect b="b" l="l" r="r" t="t"/>
+            <a:avLst/>
+            <a:gdLst/>
+            <a:ahLst/>
+            <a:cxnLst/>
+            <a:rect l="l" t="t" r="r" b="b"/>
             <a:pathLst>
-              <a:path extrusionOk="0" h="120000" w="120000">
+              <a:path w="120000" h="120000" extrusionOk="0">
                 <a:moveTo>
                   <a:pt x="0" y="0"/>
                 </a:moveTo>
@@ -1064,9 +1100,11 @@
       <p:sp>
         <p:nvSpPr>
           <p:cNvPr id="133" name="Google Shape;133;g70337b2347_0_42:notes"/>
-          <p:cNvSpPr txBox="1"/>
+          <p:cNvSpPr txBox="1">
+            <a:spLocks noGrp="1"/>
+          </p:cNvSpPr>
           <p:nvPr>
-            <p:ph idx="1" type="body"/>
+            <p:ph type="body" idx="1"/>
           </p:nvPr>
         </p:nvSpPr>
         <p:spPr>
@@ -1079,23 +1117,20 @@
           </a:prstGeom>
         </p:spPr>
         <p:txBody>
-          <a:bodyPr anchorCtr="0" anchor="t" bIns="91425" lIns="91425" spcFirstLastPara="1" rIns="91425" wrap="square" tIns="91425">
+          <a:bodyPr spcFirstLastPara="1" wrap="square" lIns="91425" tIns="91425" rIns="91425" bIns="91425" anchor="t" anchorCtr="0">
             <a:noAutofit/>
           </a:bodyPr>
           <a:lstStyle/>
           <a:p>
-            <a:pPr indent="0" lvl="0" marL="0" rtl="0" algn="l">
-              <a:spcBef>
-                <a:spcPts val="0"/>
-              </a:spcBef>
-              <a:spcAft>
-                <a:spcPts val="0"/>
-              </a:spcAft>
-              <a:buNone/>
-            </a:pPr>
-            <a:r>
-              <a:t/>
-            </a:r>
+            <a:pPr marL="0" lvl="0" indent="0" algn="l" rtl="0">
+              <a:spcBef>
+                <a:spcPts val="0"/>
+              </a:spcBef>
+              <a:spcAft>
+                <a:spcPts val="0"/>
+              </a:spcAft>
+              <a:buNone/>
+            </a:pPr>
             <a:endParaRPr/>
           </a:p>
         </p:txBody>
@@ -1109,11 +1144,11 @@
 </file>
 
 <file path=ppt/notesSlides/notesSlide13.xml><?xml version="1.0" encoding="utf-8"?>
-<p:notes xmlns:a="http://schemas.openxmlformats.org/drawingml/2006/main" xmlns:r="http://schemas.openxmlformats.org/officeDocument/2006/relationships" xmlns:mc="http://schemas.openxmlformats.org/markup-compatibility/2006" xmlns:mv="urn:schemas-microsoft-com:mac:vml" xmlns:p="http://schemas.openxmlformats.org/presentationml/2006/main" xmlns:c="http://schemas.openxmlformats.org/drawingml/2006/chart" xmlns:dgm="http://schemas.openxmlformats.org/drawingml/2006/diagram" xmlns:o="urn:schemas-microsoft-com:office:office" xmlns:v="urn:schemas-microsoft-com:vml" xmlns:pvml="urn:schemas-microsoft-com:office:powerpoint" xmlns:com="http://schemas.openxmlformats.org/drawingml/2006/compatibility" xmlns:p14="http://schemas.microsoft.com/office/powerpoint/2010/main" xmlns:p15="http://schemas.microsoft.com/office/powerpoint/2012/main" showMasterPhAnim="0" showMasterSp="0">
+<p:notes xmlns:a="http://schemas.openxmlformats.org/drawingml/2006/main" xmlns:r="http://schemas.openxmlformats.org/officeDocument/2006/relationships" xmlns:p="http://schemas.openxmlformats.org/presentationml/2006/main" showMasterSp="0" showMasterPhAnim="0">
   <p:cSld>
     <p:spTree>
       <p:nvGrpSpPr>
-        <p:cNvPr id="137" name="Shape 137"/>
+        <p:cNvPr id="1" name="Shape 137"/>
         <p:cNvGrpSpPr/>
         <p:nvPr/>
       </p:nvGrpSpPr>
@@ -1128,9 +1163,11 @@
       <p:sp>
         <p:nvSpPr>
           <p:cNvPr id="138" name="Google Shape;138;g52cdccaea3_0_76:notes"/>
-          <p:cNvSpPr/>
+          <p:cNvSpPr>
+            <a:spLocks noGrp="1" noRot="1" noChangeAspect="1"/>
+          </p:cNvSpPr>
           <p:nvPr>
-            <p:ph idx="2" type="sldImg"/>
+            <p:ph type="sldImg" idx="2"/>
           </p:nvPr>
         </p:nvSpPr>
         <p:spPr>
@@ -1139,9 +1176,13 @@
             <a:ext cx="6096000" cy="3429000"/>
           </a:xfrm>
           <a:custGeom>
-            <a:rect b="b" l="l" r="r" t="t"/>
+            <a:avLst/>
+            <a:gdLst/>
+            <a:ahLst/>
+            <a:cxnLst/>
+            <a:rect l="l" t="t" r="r" b="b"/>
             <a:pathLst>
-              <a:path extrusionOk="0" h="120000" w="120000">
+              <a:path w="120000" h="120000" extrusionOk="0">
                 <a:moveTo>
                   <a:pt x="0" y="0"/>
                 </a:moveTo>
@@ -1163,9 +1204,11 @@
       <p:sp>
         <p:nvSpPr>
           <p:cNvPr id="139" name="Google Shape;139;g52cdccaea3_0_76:notes"/>
-          <p:cNvSpPr txBox="1"/>
+          <p:cNvSpPr txBox="1">
+            <a:spLocks noGrp="1"/>
+          </p:cNvSpPr>
           <p:nvPr>
-            <p:ph idx="1" type="body"/>
+            <p:ph type="body" idx="1"/>
           </p:nvPr>
         </p:nvSpPr>
         <p:spPr>
@@ -1178,23 +1221,20 @@
           </a:prstGeom>
         </p:spPr>
         <p:txBody>
-          <a:bodyPr anchorCtr="0" anchor="t" bIns="91425" lIns="91425" spcFirstLastPara="1" rIns="91425" wrap="square" tIns="91425">
+          <a:bodyPr spcFirstLastPara="1" wrap="square" lIns="91425" tIns="91425" rIns="91425" bIns="91425" anchor="t" anchorCtr="0">
             <a:noAutofit/>
           </a:bodyPr>
           <a:lstStyle/>
           <a:p>
-            <a:pPr indent="0" lvl="0" marL="0" rtl="0" algn="l">
-              <a:spcBef>
-                <a:spcPts val="0"/>
-              </a:spcBef>
-              <a:spcAft>
-                <a:spcPts val="0"/>
-              </a:spcAft>
-              <a:buNone/>
-            </a:pPr>
-            <a:r>
-              <a:t/>
-            </a:r>
+            <a:pPr marL="0" lvl="0" indent="0" algn="l" rtl="0">
+              <a:spcBef>
+                <a:spcPts val="0"/>
+              </a:spcBef>
+              <a:spcAft>
+                <a:spcPts val="0"/>
+              </a:spcAft>
+              <a:buNone/>
+            </a:pPr>
             <a:endParaRPr/>
           </a:p>
         </p:txBody>
@@ -1208,11 +1248,11 @@
 </file>
 
 <file path=ppt/notesSlides/notesSlide14.xml><?xml version="1.0" encoding="utf-8"?>
-<p:notes xmlns:a="http://schemas.openxmlformats.org/drawingml/2006/main" xmlns:r="http://schemas.openxmlformats.org/officeDocument/2006/relationships" xmlns:mc="http://schemas.openxmlformats.org/markup-compatibility/2006" xmlns:mv="urn:schemas-microsoft-com:mac:vml" xmlns:p="http://schemas.openxmlformats.org/presentationml/2006/main" xmlns:c="http://schemas.openxmlformats.org/drawingml/2006/chart" xmlns:dgm="http://schemas.openxmlformats.org/drawingml/2006/diagram" xmlns:o="urn:schemas-microsoft-com:office:office" xmlns:v="urn:schemas-microsoft-com:vml" xmlns:pvml="urn:schemas-microsoft-com:office:powerpoint" xmlns:com="http://schemas.openxmlformats.org/drawingml/2006/compatibility" xmlns:p14="http://schemas.microsoft.com/office/powerpoint/2010/main" xmlns:p15="http://schemas.microsoft.com/office/powerpoint/2012/main" showMasterPhAnim="0" showMasterSp="0">
+<p:notes xmlns:a="http://schemas.openxmlformats.org/drawingml/2006/main" xmlns:r="http://schemas.openxmlformats.org/officeDocument/2006/relationships" xmlns:p="http://schemas.openxmlformats.org/presentationml/2006/main" showMasterSp="0" showMasterPhAnim="0">
   <p:cSld>
     <p:spTree>
       <p:nvGrpSpPr>
-        <p:cNvPr id="144" name="Shape 144"/>
+        <p:cNvPr id="1" name="Shape 144"/>
         <p:cNvGrpSpPr/>
         <p:nvPr/>
       </p:nvGrpSpPr>
@@ -1227,9 +1267,11 @@
       <p:sp>
         <p:nvSpPr>
           <p:cNvPr id="145" name="Google Shape;145;g70337b2347_0_47:notes"/>
-          <p:cNvSpPr/>
+          <p:cNvSpPr>
+            <a:spLocks noGrp="1" noRot="1" noChangeAspect="1"/>
+          </p:cNvSpPr>
           <p:nvPr>
-            <p:ph idx="2" type="sldImg"/>
+            <p:ph type="sldImg" idx="2"/>
           </p:nvPr>
         </p:nvSpPr>
         <p:spPr>
@@ -1238,9 +1280,13 @@
             <a:ext cx="6096000" cy="3429000"/>
           </a:xfrm>
           <a:custGeom>
-            <a:rect b="b" l="l" r="r" t="t"/>
+            <a:avLst/>
+            <a:gdLst/>
+            <a:ahLst/>
+            <a:cxnLst/>
+            <a:rect l="l" t="t" r="r" b="b"/>
             <a:pathLst>
-              <a:path extrusionOk="0" h="120000" w="120000">
+              <a:path w="120000" h="120000" extrusionOk="0">
                 <a:moveTo>
                   <a:pt x="0" y="0"/>
                 </a:moveTo>
@@ -1262,9 +1308,11 @@
       <p:sp>
         <p:nvSpPr>
           <p:cNvPr id="146" name="Google Shape;146;g70337b2347_0_47:notes"/>
-          <p:cNvSpPr txBox="1"/>
+          <p:cNvSpPr txBox="1">
+            <a:spLocks noGrp="1"/>
+          </p:cNvSpPr>
           <p:nvPr>
-            <p:ph idx="1" type="body"/>
+            <p:ph type="body" idx="1"/>
           </p:nvPr>
         </p:nvSpPr>
         <p:spPr>
@@ -1277,23 +1325,20 @@
           </a:prstGeom>
         </p:spPr>
         <p:txBody>
-          <a:bodyPr anchorCtr="0" anchor="t" bIns="91425" lIns="91425" spcFirstLastPara="1" rIns="91425" wrap="square" tIns="91425">
+          <a:bodyPr spcFirstLastPara="1" wrap="square" lIns="91425" tIns="91425" rIns="91425" bIns="91425" anchor="t" anchorCtr="0">
             <a:noAutofit/>
           </a:bodyPr>
           <a:lstStyle/>
           <a:p>
-            <a:pPr indent="0" lvl="0" marL="0" rtl="0" algn="l">
-              <a:spcBef>
-                <a:spcPts val="0"/>
-              </a:spcBef>
-              <a:spcAft>
-                <a:spcPts val="0"/>
-              </a:spcAft>
-              <a:buNone/>
-            </a:pPr>
-            <a:r>
-              <a:t/>
-            </a:r>
+            <a:pPr marL="0" lvl="0" indent="0" algn="l" rtl="0">
+              <a:spcBef>
+                <a:spcPts val="0"/>
+              </a:spcBef>
+              <a:spcAft>
+                <a:spcPts val="0"/>
+              </a:spcAft>
+              <a:buNone/>
+            </a:pPr>
             <a:endParaRPr/>
           </a:p>
         </p:txBody>
@@ -1307,11 +1352,11 @@
 </file>
 
 <file path=ppt/notesSlides/notesSlide15.xml><?xml version="1.0" encoding="utf-8"?>
-<p:notes xmlns:a="http://schemas.openxmlformats.org/drawingml/2006/main" xmlns:r="http://schemas.openxmlformats.org/officeDocument/2006/relationships" xmlns:mc="http://schemas.openxmlformats.org/markup-compatibility/2006" xmlns:mv="urn:schemas-microsoft-com:mac:vml" xmlns:p="http://schemas.openxmlformats.org/presentationml/2006/main" xmlns:c="http://schemas.openxmlformats.org/drawingml/2006/chart" xmlns:dgm="http://schemas.openxmlformats.org/drawingml/2006/diagram" xmlns:o="urn:schemas-microsoft-com:office:office" xmlns:v="urn:schemas-microsoft-com:vml" xmlns:pvml="urn:schemas-microsoft-com:office:powerpoint" xmlns:com="http://schemas.openxmlformats.org/drawingml/2006/compatibility" xmlns:p14="http://schemas.microsoft.com/office/powerpoint/2010/main" xmlns:p15="http://schemas.microsoft.com/office/powerpoint/2012/main" showMasterPhAnim="0" showMasterSp="0">
+<p:notes xmlns:a="http://schemas.openxmlformats.org/drawingml/2006/main" xmlns:r="http://schemas.openxmlformats.org/officeDocument/2006/relationships" xmlns:p="http://schemas.openxmlformats.org/presentationml/2006/main" showMasterSp="0" showMasterPhAnim="0">
   <p:cSld>
     <p:spTree>
       <p:nvGrpSpPr>
-        <p:cNvPr id="150" name="Shape 150"/>
+        <p:cNvPr id="1" name="Shape 150"/>
         <p:cNvGrpSpPr/>
         <p:nvPr/>
       </p:nvGrpSpPr>
@@ -1326,9 +1371,11 @@
       <p:sp>
         <p:nvSpPr>
           <p:cNvPr id="151" name="Google Shape;151;g7ed8336cc7_0_0:notes"/>
-          <p:cNvSpPr/>
+          <p:cNvSpPr>
+            <a:spLocks noGrp="1" noRot="1" noChangeAspect="1"/>
+          </p:cNvSpPr>
           <p:nvPr>
-            <p:ph idx="2" type="sldImg"/>
+            <p:ph type="sldImg" idx="2"/>
           </p:nvPr>
         </p:nvSpPr>
         <p:spPr>
@@ -1337,9 +1384,13 @@
             <a:ext cx="6096000" cy="3429000"/>
           </a:xfrm>
           <a:custGeom>
-            <a:rect b="b" l="l" r="r" t="t"/>
+            <a:avLst/>
+            <a:gdLst/>
+            <a:ahLst/>
+            <a:cxnLst/>
+            <a:rect l="l" t="t" r="r" b="b"/>
             <a:pathLst>
-              <a:path extrusionOk="0" h="120000" w="120000">
+              <a:path w="120000" h="120000" extrusionOk="0">
                 <a:moveTo>
                   <a:pt x="0" y="0"/>
                 </a:moveTo>
@@ -1361,9 +1412,11 @@
       <p:sp>
         <p:nvSpPr>
           <p:cNvPr id="152" name="Google Shape;152;g7ed8336cc7_0_0:notes"/>
-          <p:cNvSpPr txBox="1"/>
+          <p:cNvSpPr txBox="1">
+            <a:spLocks noGrp="1"/>
+          </p:cNvSpPr>
           <p:nvPr>
-            <p:ph idx="1" type="body"/>
+            <p:ph type="body" idx="1"/>
           </p:nvPr>
         </p:nvSpPr>
         <p:spPr>
@@ -1376,23 +1429,20 @@
           </a:prstGeom>
         </p:spPr>
         <p:txBody>
-          <a:bodyPr anchorCtr="0" anchor="t" bIns="91425" lIns="91425" spcFirstLastPara="1" rIns="91425" wrap="square" tIns="91425">
+          <a:bodyPr spcFirstLastPara="1" wrap="square" lIns="91425" tIns="91425" rIns="91425" bIns="91425" anchor="t" anchorCtr="0">
             <a:noAutofit/>
           </a:bodyPr>
           <a:lstStyle/>
           <a:p>
-            <a:pPr indent="0" lvl="0" marL="0" rtl="0" algn="l">
-              <a:spcBef>
-                <a:spcPts val="0"/>
-              </a:spcBef>
-              <a:spcAft>
-                <a:spcPts val="0"/>
-              </a:spcAft>
-              <a:buNone/>
-            </a:pPr>
-            <a:r>
-              <a:t/>
-            </a:r>
+            <a:pPr marL="0" lvl="0" indent="0" algn="l" rtl="0">
+              <a:spcBef>
+                <a:spcPts val="0"/>
+              </a:spcBef>
+              <a:spcAft>
+                <a:spcPts val="0"/>
+              </a:spcAft>
+              <a:buNone/>
+            </a:pPr>
             <a:endParaRPr/>
           </a:p>
         </p:txBody>
@@ -1406,11 +1456,11 @@
 </file>
 
 <file path=ppt/notesSlides/notesSlide16.xml><?xml version="1.0" encoding="utf-8"?>
-<p:notes xmlns:a="http://schemas.openxmlformats.org/drawingml/2006/main" xmlns:r="http://schemas.openxmlformats.org/officeDocument/2006/relationships" xmlns:mc="http://schemas.openxmlformats.org/markup-compatibility/2006" xmlns:mv="urn:schemas-microsoft-com:mac:vml" xmlns:p="http://schemas.openxmlformats.org/presentationml/2006/main" xmlns:c="http://schemas.openxmlformats.org/drawingml/2006/chart" xmlns:dgm="http://schemas.openxmlformats.org/drawingml/2006/diagram" xmlns:o="urn:schemas-microsoft-com:office:office" xmlns:v="urn:schemas-microsoft-com:vml" xmlns:pvml="urn:schemas-microsoft-com:office:powerpoint" xmlns:com="http://schemas.openxmlformats.org/drawingml/2006/compatibility" xmlns:p14="http://schemas.microsoft.com/office/powerpoint/2010/main" xmlns:p15="http://schemas.microsoft.com/office/powerpoint/2012/main" showMasterPhAnim="0" showMasterSp="0">
+<p:notes xmlns:a="http://schemas.openxmlformats.org/drawingml/2006/main" xmlns:r="http://schemas.openxmlformats.org/officeDocument/2006/relationships" xmlns:p="http://schemas.openxmlformats.org/presentationml/2006/main" showMasterSp="0" showMasterPhAnim="0">
   <p:cSld>
     <p:spTree>
       <p:nvGrpSpPr>
-        <p:cNvPr id="156" name="Shape 156"/>
+        <p:cNvPr id="1" name="Shape 156"/>
         <p:cNvGrpSpPr/>
         <p:nvPr/>
       </p:nvGrpSpPr>
@@ -1425,9 +1475,11 @@
       <p:sp>
         <p:nvSpPr>
           <p:cNvPr id="157" name="Google Shape;157;g7ed8336cc7_0_5:notes"/>
-          <p:cNvSpPr/>
+          <p:cNvSpPr>
+            <a:spLocks noGrp="1" noRot="1" noChangeAspect="1"/>
+          </p:cNvSpPr>
           <p:nvPr>
-            <p:ph idx="2" type="sldImg"/>
+            <p:ph type="sldImg" idx="2"/>
           </p:nvPr>
         </p:nvSpPr>
         <p:spPr>
@@ -1436,9 +1488,13 @@
             <a:ext cx="6096000" cy="3429000"/>
           </a:xfrm>
           <a:custGeom>
-            <a:rect b="b" l="l" r="r" t="t"/>
+            <a:avLst/>
+            <a:gdLst/>
+            <a:ahLst/>
+            <a:cxnLst/>
+            <a:rect l="l" t="t" r="r" b="b"/>
             <a:pathLst>
-              <a:path extrusionOk="0" h="120000" w="120000">
+              <a:path w="120000" h="120000" extrusionOk="0">
                 <a:moveTo>
                   <a:pt x="0" y="0"/>
                 </a:moveTo>
@@ -1460,9 +1516,11 @@
       <p:sp>
         <p:nvSpPr>
           <p:cNvPr id="158" name="Google Shape;158;g7ed8336cc7_0_5:notes"/>
-          <p:cNvSpPr txBox="1"/>
+          <p:cNvSpPr txBox="1">
+            <a:spLocks noGrp="1"/>
+          </p:cNvSpPr>
           <p:nvPr>
-            <p:ph idx="1" type="body"/>
+            <p:ph type="body" idx="1"/>
           </p:nvPr>
         </p:nvSpPr>
         <p:spPr>
@@ -1475,12 +1533,12 @@
           </a:prstGeom>
         </p:spPr>
         <p:txBody>
-          <a:bodyPr anchorCtr="0" anchor="t" bIns="91425" lIns="91425" spcFirstLastPara="1" rIns="91425" wrap="square" tIns="91425">
+          <a:bodyPr spcFirstLastPara="1" wrap="square" lIns="91425" tIns="91425" rIns="91425" bIns="91425" anchor="t" anchorCtr="0">
             <a:noAutofit/>
           </a:bodyPr>
           <a:lstStyle/>
           <a:p>
-            <a:pPr indent="0" lvl="0" marL="0" rtl="0" algn="l">
+            <a:pPr marL="0" lvl="0" indent="0" algn="l" rtl="0">
               <a:spcBef>
                 <a:spcPts val="0"/>
               </a:spcBef>
@@ -1498,7 +1556,7 @@
                 <a:solidFill>
                   <a:schemeClr val="hlink"/>
                 </a:solidFill>
-                <a:hlinkClick r:id="rId2"/>
+                <a:hlinkClick r:id="rId3"/>
               </a:rPr>
               <a:t>https://www.amazon.com/Make-Your-Own-Neural-Network-ebook/dp/B01EER4Z4G</a:t>
             </a:r>
@@ -1515,11 +1573,11 @@
 </file>
 
 <file path=ppt/notesSlides/notesSlide2.xml><?xml version="1.0" encoding="utf-8"?>
-<p:notes xmlns:a="http://schemas.openxmlformats.org/drawingml/2006/main" xmlns:r="http://schemas.openxmlformats.org/officeDocument/2006/relationships" xmlns:mc="http://schemas.openxmlformats.org/markup-compatibility/2006" xmlns:mv="urn:schemas-microsoft-com:mac:vml" xmlns:p="http://schemas.openxmlformats.org/presentationml/2006/main" xmlns:c="http://schemas.openxmlformats.org/drawingml/2006/chart" xmlns:dgm="http://schemas.openxmlformats.org/drawingml/2006/diagram" xmlns:o="urn:schemas-microsoft-com:office:office" xmlns:v="urn:schemas-microsoft-com:vml" xmlns:pvml="urn:schemas-microsoft-com:office:powerpoint" xmlns:com="http://schemas.openxmlformats.org/drawingml/2006/compatibility" xmlns:p14="http://schemas.microsoft.com/office/powerpoint/2010/main" xmlns:p15="http://schemas.microsoft.com/office/powerpoint/2012/main" showMasterPhAnim="0" showMasterSp="0">
+<p:notes xmlns:a="http://schemas.openxmlformats.org/drawingml/2006/main" xmlns:r="http://schemas.openxmlformats.org/officeDocument/2006/relationships" xmlns:p="http://schemas.openxmlformats.org/presentationml/2006/main" showMasterSp="0" showMasterPhAnim="0">
   <p:cSld>
     <p:spTree>
       <p:nvGrpSpPr>
-        <p:cNvPr id="61" name="Shape 61"/>
+        <p:cNvPr id="1" name="Shape 61"/>
         <p:cNvGrpSpPr/>
         <p:nvPr/>
       </p:nvGrpSpPr>
@@ -1534,9 +1592,11 @@
       <p:sp>
         <p:nvSpPr>
           <p:cNvPr id="62" name="Google Shape;62;g52cdccaea3_0_50:notes"/>
-          <p:cNvSpPr/>
+          <p:cNvSpPr>
+            <a:spLocks noGrp="1" noRot="1" noChangeAspect="1"/>
+          </p:cNvSpPr>
           <p:nvPr>
-            <p:ph idx="2" type="sldImg"/>
+            <p:ph type="sldImg" idx="2"/>
           </p:nvPr>
         </p:nvSpPr>
         <p:spPr>
@@ -1545,9 +1605,13 @@
             <a:ext cx="6096000" cy="3429000"/>
           </a:xfrm>
           <a:custGeom>
-            <a:rect b="b" l="l" r="r" t="t"/>
+            <a:avLst/>
+            <a:gdLst/>
+            <a:ahLst/>
+            <a:cxnLst/>
+            <a:rect l="l" t="t" r="r" b="b"/>
             <a:pathLst>
-              <a:path extrusionOk="0" h="120000" w="120000">
+              <a:path w="120000" h="120000" extrusionOk="0">
                 <a:moveTo>
                   <a:pt x="0" y="0"/>
                 </a:moveTo>
@@ -1569,9 +1633,11 @@
       <p:sp>
         <p:nvSpPr>
           <p:cNvPr id="63" name="Google Shape;63;g52cdccaea3_0_50:notes"/>
-          <p:cNvSpPr txBox="1"/>
+          <p:cNvSpPr txBox="1">
+            <a:spLocks noGrp="1"/>
+          </p:cNvSpPr>
           <p:nvPr>
-            <p:ph idx="1" type="body"/>
+            <p:ph type="body" idx="1"/>
           </p:nvPr>
         </p:nvSpPr>
         <p:spPr>
@@ -1584,12 +1650,12 @@
           </a:prstGeom>
         </p:spPr>
         <p:txBody>
-          <a:bodyPr anchorCtr="0" anchor="t" bIns="91425" lIns="91425" spcFirstLastPara="1" rIns="91425" wrap="square" tIns="91425">
+          <a:bodyPr spcFirstLastPara="1" wrap="square" lIns="91425" tIns="91425" rIns="91425" bIns="91425" anchor="t" anchorCtr="0">
             <a:noAutofit/>
           </a:bodyPr>
           <a:lstStyle/>
           <a:p>
-            <a:pPr indent="0" lvl="0" marL="0" rtl="0" algn="l">
+            <a:pPr marL="0" lvl="0" indent="0" algn="l" rtl="0">
               <a:spcBef>
                 <a:spcPts val="0"/>
               </a:spcBef>
@@ -1607,7 +1673,7 @@
                 <a:solidFill>
                   <a:schemeClr val="hlink"/>
                 </a:solidFill>
-                <a:hlinkClick r:id="rId2"/>
+                <a:hlinkClick r:id="rId3"/>
               </a:rPr>
               <a:t>https://www.kdnuggets.com/2017/09/neural-network-foundations-explained-activation-function.html</a:t>
             </a:r>
@@ -1624,11 +1690,11 @@
 </file>
 
 <file path=ppt/notesSlides/notesSlide3.xml><?xml version="1.0" encoding="utf-8"?>
-<p:notes xmlns:a="http://schemas.openxmlformats.org/drawingml/2006/main" xmlns:r="http://schemas.openxmlformats.org/officeDocument/2006/relationships" xmlns:mc="http://schemas.openxmlformats.org/markup-compatibility/2006" xmlns:mv="urn:schemas-microsoft-com:mac:vml" xmlns:p="http://schemas.openxmlformats.org/presentationml/2006/main" xmlns:c="http://schemas.openxmlformats.org/drawingml/2006/chart" xmlns:dgm="http://schemas.openxmlformats.org/drawingml/2006/diagram" xmlns:o="urn:schemas-microsoft-com:office:office" xmlns:v="urn:schemas-microsoft-com:vml" xmlns:pvml="urn:schemas-microsoft-com:office:powerpoint" xmlns:com="http://schemas.openxmlformats.org/drawingml/2006/compatibility" xmlns:p14="http://schemas.microsoft.com/office/powerpoint/2010/main" xmlns:p15="http://schemas.microsoft.com/office/powerpoint/2012/main" showMasterPhAnim="0" showMasterSp="0">
+<p:notes xmlns:a="http://schemas.openxmlformats.org/drawingml/2006/main" xmlns:r="http://schemas.openxmlformats.org/officeDocument/2006/relationships" xmlns:p="http://schemas.openxmlformats.org/presentationml/2006/main" showMasterSp="0" showMasterPhAnim="0">
   <p:cSld>
     <p:spTree>
       <p:nvGrpSpPr>
-        <p:cNvPr id="68" name="Shape 68"/>
+        <p:cNvPr id="1" name="Shape 68"/>
         <p:cNvGrpSpPr/>
         <p:nvPr/>
       </p:nvGrpSpPr>
@@ -1643,20 +1709,26 @@
       <p:sp>
         <p:nvSpPr>
           <p:cNvPr id="69" name="Google Shape;69;g70337b2347_0_53:notes"/>
-          <p:cNvSpPr/>
+          <p:cNvSpPr>
+            <a:spLocks noGrp="1" noRot="1" noChangeAspect="1"/>
+          </p:cNvSpPr>
           <p:nvPr>
-            <p:ph idx="2" type="sldImg"/>
+            <p:ph type="sldImg" idx="2"/>
           </p:nvPr>
         </p:nvSpPr>
         <p:spPr>
           <a:xfrm>
-            <a:off x="381300" y="685800"/>
+            <a:off x="381000" y="685800"/>
             <a:ext cx="6096000" cy="3429000"/>
           </a:xfrm>
           <a:custGeom>
-            <a:rect b="b" l="l" r="r" t="t"/>
+            <a:avLst/>
+            <a:gdLst/>
+            <a:ahLst/>
+            <a:cxnLst/>
+            <a:rect l="l" t="t" r="r" b="b"/>
             <a:pathLst>
-              <a:path extrusionOk="0" h="120000" w="120000">
+              <a:path w="120000" h="120000" extrusionOk="0">
                 <a:moveTo>
                   <a:pt x="0" y="0"/>
                 </a:moveTo>
@@ -1678,9 +1750,11 @@
       <p:sp>
         <p:nvSpPr>
           <p:cNvPr id="70" name="Google Shape;70;g70337b2347_0_53:notes"/>
-          <p:cNvSpPr txBox="1"/>
+          <p:cNvSpPr txBox="1">
+            <a:spLocks noGrp="1"/>
+          </p:cNvSpPr>
           <p:nvPr>
-            <p:ph idx="1" type="body"/>
+            <p:ph type="body" idx="1"/>
           </p:nvPr>
         </p:nvSpPr>
         <p:spPr>
@@ -1693,12 +1767,12 @@
           </a:prstGeom>
         </p:spPr>
         <p:txBody>
-          <a:bodyPr anchorCtr="0" anchor="t" bIns="91425" lIns="91425" spcFirstLastPara="1" rIns="91425" wrap="square" tIns="91425">
+          <a:bodyPr spcFirstLastPara="1" wrap="square" lIns="91425" tIns="91425" rIns="91425" bIns="91425" anchor="t" anchorCtr="0">
             <a:noAutofit/>
           </a:bodyPr>
           <a:lstStyle/>
           <a:p>
-            <a:pPr indent="0" lvl="0" marL="0" rtl="0" algn="l">
+            <a:pPr marL="0" lvl="0" indent="0" algn="l" rtl="0">
               <a:spcBef>
                 <a:spcPts val="0"/>
               </a:spcBef>
@@ -1716,25 +1790,22 @@
                 <a:solidFill>
                   <a:schemeClr val="hlink"/>
                 </a:solidFill>
-                <a:hlinkClick r:id="rId2"/>
+                <a:hlinkClick r:id="rId3"/>
               </a:rPr>
               <a:t>https://missinglink.ai/guides/neural-network-concepts/7-types-neural-network-activation-functions-right/</a:t>
             </a:r>
             <a:endParaRPr/>
           </a:p>
           <a:p>
-            <a:pPr indent="0" lvl="0" marL="0" rtl="0" algn="l">
-              <a:spcBef>
-                <a:spcPts val="0"/>
-              </a:spcBef>
-              <a:spcAft>
-                <a:spcPts val="0"/>
-              </a:spcAft>
-              <a:buNone/>
-            </a:pPr>
-            <a:r>
-              <a:t/>
-            </a:r>
+            <a:pPr marL="0" lvl="0" indent="0" algn="l" rtl="0">
+              <a:spcBef>
+                <a:spcPts val="0"/>
+              </a:spcBef>
+              <a:spcAft>
+                <a:spcPts val="0"/>
+              </a:spcAft>
+              <a:buNone/>
+            </a:pPr>
             <a:endParaRPr/>
           </a:p>
         </p:txBody>
@@ -1748,11 +1819,11 @@
 </file>
 
 <file path=ppt/notesSlides/notesSlide4.xml><?xml version="1.0" encoding="utf-8"?>
-<p:notes xmlns:a="http://schemas.openxmlformats.org/drawingml/2006/main" xmlns:r="http://schemas.openxmlformats.org/officeDocument/2006/relationships" xmlns:mc="http://schemas.openxmlformats.org/markup-compatibility/2006" xmlns:mv="urn:schemas-microsoft-com:mac:vml" xmlns:p="http://schemas.openxmlformats.org/presentationml/2006/main" xmlns:c="http://schemas.openxmlformats.org/drawingml/2006/chart" xmlns:dgm="http://schemas.openxmlformats.org/drawingml/2006/diagram" xmlns:o="urn:schemas-microsoft-com:office:office" xmlns:v="urn:schemas-microsoft-com:vml" xmlns:pvml="urn:schemas-microsoft-com:office:powerpoint" xmlns:com="http://schemas.openxmlformats.org/drawingml/2006/compatibility" xmlns:p14="http://schemas.microsoft.com/office/powerpoint/2010/main" xmlns:p15="http://schemas.microsoft.com/office/powerpoint/2012/main" showMasterPhAnim="0" showMasterSp="0">
+<p:notes xmlns:a="http://schemas.openxmlformats.org/drawingml/2006/main" xmlns:r="http://schemas.openxmlformats.org/officeDocument/2006/relationships" xmlns:p="http://schemas.openxmlformats.org/presentationml/2006/main" showMasterSp="0" showMasterPhAnim="0">
   <p:cSld>
     <p:spTree>
       <p:nvGrpSpPr>
-        <p:cNvPr id="77" name="Shape 77"/>
+        <p:cNvPr id="1" name="Shape 77"/>
         <p:cNvGrpSpPr/>
         <p:nvPr/>
       </p:nvGrpSpPr>
@@ -1767,9 +1838,11 @@
       <p:sp>
         <p:nvSpPr>
           <p:cNvPr id="78" name="Google Shape;78;g70337b2347_0_27:notes"/>
-          <p:cNvSpPr/>
+          <p:cNvSpPr>
+            <a:spLocks noGrp="1" noRot="1" noChangeAspect="1"/>
+          </p:cNvSpPr>
           <p:nvPr>
-            <p:ph idx="2" type="sldImg"/>
+            <p:ph type="sldImg" idx="2"/>
           </p:nvPr>
         </p:nvSpPr>
         <p:spPr>
@@ -1778,9 +1851,13 @@
             <a:ext cx="6096000" cy="3429000"/>
           </a:xfrm>
           <a:custGeom>
-            <a:rect b="b" l="l" r="r" t="t"/>
+            <a:avLst/>
+            <a:gdLst/>
+            <a:ahLst/>
+            <a:cxnLst/>
+            <a:rect l="l" t="t" r="r" b="b"/>
             <a:pathLst>
-              <a:path extrusionOk="0" h="120000" w="120000">
+              <a:path w="120000" h="120000" extrusionOk="0">
                 <a:moveTo>
                   <a:pt x="0" y="0"/>
                 </a:moveTo>
@@ -1802,9 +1879,11 @@
       <p:sp>
         <p:nvSpPr>
           <p:cNvPr id="79" name="Google Shape;79;g70337b2347_0_27:notes"/>
-          <p:cNvSpPr txBox="1"/>
+          <p:cNvSpPr txBox="1">
+            <a:spLocks noGrp="1"/>
+          </p:cNvSpPr>
           <p:nvPr>
-            <p:ph idx="1" type="body"/>
+            <p:ph type="body" idx="1"/>
           </p:nvPr>
         </p:nvSpPr>
         <p:spPr>
@@ -1817,23 +1896,20 @@
           </a:prstGeom>
         </p:spPr>
         <p:txBody>
-          <a:bodyPr anchorCtr="0" anchor="t" bIns="91425" lIns="91425" spcFirstLastPara="1" rIns="91425" wrap="square" tIns="91425">
+          <a:bodyPr spcFirstLastPara="1" wrap="square" lIns="91425" tIns="91425" rIns="91425" bIns="91425" anchor="t" anchorCtr="0">
             <a:noAutofit/>
           </a:bodyPr>
           <a:lstStyle/>
           <a:p>
-            <a:pPr indent="0" lvl="0" marL="0" rtl="0" algn="l">
-              <a:spcBef>
-                <a:spcPts val="0"/>
-              </a:spcBef>
-              <a:spcAft>
-                <a:spcPts val="0"/>
-              </a:spcAft>
-              <a:buNone/>
-            </a:pPr>
-            <a:r>
-              <a:t/>
-            </a:r>
+            <a:pPr marL="0" lvl="0" indent="0" algn="l" rtl="0">
+              <a:spcBef>
+                <a:spcPts val="0"/>
+              </a:spcBef>
+              <a:spcAft>
+                <a:spcPts val="0"/>
+              </a:spcAft>
+              <a:buNone/>
+            </a:pPr>
             <a:endParaRPr/>
           </a:p>
         </p:txBody>
@@ -1847,11 +1923,11 @@
 </file>
 
 <file path=ppt/notesSlides/notesSlide5.xml><?xml version="1.0" encoding="utf-8"?>
-<p:notes xmlns:a="http://schemas.openxmlformats.org/drawingml/2006/main" xmlns:r="http://schemas.openxmlformats.org/officeDocument/2006/relationships" xmlns:mc="http://schemas.openxmlformats.org/markup-compatibility/2006" xmlns:mv="urn:schemas-microsoft-com:mac:vml" xmlns:p="http://schemas.openxmlformats.org/presentationml/2006/main" xmlns:c="http://schemas.openxmlformats.org/drawingml/2006/chart" xmlns:dgm="http://schemas.openxmlformats.org/drawingml/2006/diagram" xmlns:o="urn:schemas-microsoft-com:office:office" xmlns:v="urn:schemas-microsoft-com:vml" xmlns:pvml="urn:schemas-microsoft-com:office:powerpoint" xmlns:com="http://schemas.openxmlformats.org/drawingml/2006/compatibility" xmlns:p14="http://schemas.microsoft.com/office/powerpoint/2010/main" xmlns:p15="http://schemas.microsoft.com/office/powerpoint/2012/main" showMasterPhAnim="0" showMasterSp="0">
+<p:notes xmlns:a="http://schemas.openxmlformats.org/drawingml/2006/main" xmlns:r="http://schemas.openxmlformats.org/officeDocument/2006/relationships" xmlns:p="http://schemas.openxmlformats.org/presentationml/2006/main" showMasterSp="0" showMasterPhAnim="0">
   <p:cSld>
     <p:spTree>
       <p:nvGrpSpPr>
-        <p:cNvPr id="83" name="Shape 83"/>
+        <p:cNvPr id="1" name="Shape 83"/>
         <p:cNvGrpSpPr/>
         <p:nvPr/>
       </p:nvGrpSpPr>
@@ -1866,9 +1942,11 @@
       <p:sp>
         <p:nvSpPr>
           <p:cNvPr id="84" name="Google Shape;84;g70337b2347_0_65:notes"/>
-          <p:cNvSpPr/>
+          <p:cNvSpPr>
+            <a:spLocks noGrp="1" noRot="1" noChangeAspect="1"/>
+          </p:cNvSpPr>
           <p:nvPr>
-            <p:ph idx="2" type="sldImg"/>
+            <p:ph type="sldImg" idx="2"/>
           </p:nvPr>
         </p:nvSpPr>
         <p:spPr>
@@ -1877,9 +1955,13 @@
             <a:ext cx="6096000" cy="3429000"/>
           </a:xfrm>
           <a:custGeom>
-            <a:rect b="b" l="l" r="r" t="t"/>
+            <a:avLst/>
+            <a:gdLst/>
+            <a:ahLst/>
+            <a:cxnLst/>
+            <a:rect l="l" t="t" r="r" b="b"/>
             <a:pathLst>
-              <a:path extrusionOk="0" h="120000" w="120000">
+              <a:path w="120000" h="120000" extrusionOk="0">
                 <a:moveTo>
                   <a:pt x="0" y="0"/>
                 </a:moveTo>
@@ -1901,9 +1983,11 @@
       <p:sp>
         <p:nvSpPr>
           <p:cNvPr id="85" name="Google Shape;85;g70337b2347_0_65:notes"/>
-          <p:cNvSpPr txBox="1"/>
+          <p:cNvSpPr txBox="1">
+            <a:spLocks noGrp="1"/>
+          </p:cNvSpPr>
           <p:nvPr>
-            <p:ph idx="1" type="body"/>
+            <p:ph type="body" idx="1"/>
           </p:nvPr>
         </p:nvSpPr>
         <p:spPr>
@@ -1916,23 +2000,20 @@
           </a:prstGeom>
         </p:spPr>
         <p:txBody>
-          <a:bodyPr anchorCtr="0" anchor="t" bIns="91425" lIns="91425" spcFirstLastPara="1" rIns="91425" wrap="square" tIns="91425">
+          <a:bodyPr spcFirstLastPara="1" wrap="square" lIns="91425" tIns="91425" rIns="91425" bIns="91425" anchor="t" anchorCtr="0">
             <a:noAutofit/>
           </a:bodyPr>
           <a:lstStyle/>
           <a:p>
-            <a:pPr indent="0" lvl="0" marL="0" rtl="0" algn="l">
-              <a:spcBef>
-                <a:spcPts val="0"/>
-              </a:spcBef>
-              <a:spcAft>
-                <a:spcPts val="0"/>
-              </a:spcAft>
-              <a:buNone/>
-            </a:pPr>
-            <a:r>
-              <a:t/>
-            </a:r>
+            <a:pPr marL="0" lvl="0" indent="0" algn="l" rtl="0">
+              <a:spcBef>
+                <a:spcPts val="0"/>
+              </a:spcBef>
+              <a:spcAft>
+                <a:spcPts val="0"/>
+              </a:spcAft>
+              <a:buNone/>
+            </a:pPr>
             <a:endParaRPr/>
           </a:p>
         </p:txBody>
@@ -1946,11 +2027,11 @@
 </file>
 
 <file path=ppt/notesSlides/notesSlide6.xml><?xml version="1.0" encoding="utf-8"?>
-<p:notes xmlns:a="http://schemas.openxmlformats.org/drawingml/2006/main" xmlns:r="http://schemas.openxmlformats.org/officeDocument/2006/relationships" xmlns:mc="http://schemas.openxmlformats.org/markup-compatibility/2006" xmlns:mv="urn:schemas-microsoft-com:mac:vml" xmlns:p="http://schemas.openxmlformats.org/presentationml/2006/main" xmlns:c="http://schemas.openxmlformats.org/drawingml/2006/chart" xmlns:dgm="http://schemas.openxmlformats.org/drawingml/2006/diagram" xmlns:o="urn:schemas-microsoft-com:office:office" xmlns:v="urn:schemas-microsoft-com:vml" xmlns:pvml="urn:schemas-microsoft-com:office:powerpoint" xmlns:com="http://schemas.openxmlformats.org/drawingml/2006/compatibility" xmlns:p14="http://schemas.microsoft.com/office/powerpoint/2010/main" xmlns:p15="http://schemas.microsoft.com/office/powerpoint/2012/main" showMasterPhAnim="0" showMasterSp="0">
+<p:notes xmlns:a="http://schemas.openxmlformats.org/drawingml/2006/main" xmlns:r="http://schemas.openxmlformats.org/officeDocument/2006/relationships" xmlns:p="http://schemas.openxmlformats.org/presentationml/2006/main" showMasterSp="0" showMasterPhAnim="0">
   <p:cSld>
     <p:spTree>
       <p:nvGrpSpPr>
-        <p:cNvPr id="91" name="Shape 91"/>
+        <p:cNvPr id="1" name="Shape 91"/>
         <p:cNvGrpSpPr/>
         <p:nvPr/>
       </p:nvGrpSpPr>
@@ -1965,9 +2046,11 @@
       <p:sp>
         <p:nvSpPr>
           <p:cNvPr id="92" name="Google Shape;92;g52cdccaea3_0_65:notes"/>
-          <p:cNvSpPr/>
+          <p:cNvSpPr>
+            <a:spLocks noGrp="1" noRot="1" noChangeAspect="1"/>
+          </p:cNvSpPr>
           <p:nvPr>
-            <p:ph idx="2" type="sldImg"/>
+            <p:ph type="sldImg" idx="2"/>
           </p:nvPr>
         </p:nvSpPr>
         <p:spPr>
@@ -1976,9 +2059,13 @@
             <a:ext cx="6096000" cy="3429000"/>
           </a:xfrm>
           <a:custGeom>
-            <a:rect b="b" l="l" r="r" t="t"/>
+            <a:avLst/>
+            <a:gdLst/>
+            <a:ahLst/>
+            <a:cxnLst/>
+            <a:rect l="l" t="t" r="r" b="b"/>
             <a:pathLst>
-              <a:path extrusionOk="0" h="120000" w="120000">
+              <a:path w="120000" h="120000" extrusionOk="0">
                 <a:moveTo>
                   <a:pt x="0" y="0"/>
                 </a:moveTo>
@@ -2000,9 +2087,11 @@
       <p:sp>
         <p:nvSpPr>
           <p:cNvPr id="93" name="Google Shape;93;g52cdccaea3_0_65:notes"/>
-          <p:cNvSpPr txBox="1"/>
+          <p:cNvSpPr txBox="1">
+            <a:spLocks noGrp="1"/>
+          </p:cNvSpPr>
           <p:nvPr>
-            <p:ph idx="1" type="body"/>
+            <p:ph type="body" idx="1"/>
           </p:nvPr>
         </p:nvSpPr>
         <p:spPr>
@@ -2015,12 +2104,12 @@
           </a:prstGeom>
         </p:spPr>
         <p:txBody>
-          <a:bodyPr anchorCtr="0" anchor="t" bIns="91425" lIns="91425" spcFirstLastPara="1" rIns="91425" wrap="square" tIns="91425">
+          <a:bodyPr spcFirstLastPara="1" wrap="square" lIns="91425" tIns="91425" rIns="91425" bIns="91425" anchor="t" anchorCtr="0">
             <a:noAutofit/>
           </a:bodyPr>
           <a:lstStyle/>
           <a:p>
-            <a:pPr indent="0" lvl="0" marL="0" rtl="0" algn="l">
+            <a:pPr marL="0" lvl="0" indent="0" algn="l" rtl="0">
               <a:spcBef>
                 <a:spcPts val="0"/>
               </a:spcBef>
@@ -2038,7 +2127,7 @@
                 <a:solidFill>
                   <a:schemeClr val="hlink"/>
                 </a:solidFill>
-                <a:hlinkClick r:id="rId2"/>
+                <a:hlinkClick r:id="rId3"/>
               </a:rPr>
               <a:t>https://blog.paperspace.com/intro-to-optimization-in-deep-learning-gradient-descent/</a:t>
             </a:r>
@@ -2055,11 +2144,11 @@
 </file>
 
 <file path=ppt/notesSlides/notesSlide7.xml><?xml version="1.0" encoding="utf-8"?>
-<p:notes xmlns:a="http://schemas.openxmlformats.org/drawingml/2006/main" xmlns:r="http://schemas.openxmlformats.org/officeDocument/2006/relationships" xmlns:mc="http://schemas.openxmlformats.org/markup-compatibility/2006" xmlns:mv="urn:schemas-microsoft-com:mac:vml" xmlns:p="http://schemas.openxmlformats.org/presentationml/2006/main" xmlns:c="http://schemas.openxmlformats.org/drawingml/2006/chart" xmlns:dgm="http://schemas.openxmlformats.org/drawingml/2006/diagram" xmlns:o="urn:schemas-microsoft-com:office:office" xmlns:v="urn:schemas-microsoft-com:vml" xmlns:pvml="urn:schemas-microsoft-com:office:powerpoint" xmlns:com="http://schemas.openxmlformats.org/drawingml/2006/compatibility" xmlns:p14="http://schemas.microsoft.com/office/powerpoint/2010/main" xmlns:p15="http://schemas.microsoft.com/office/powerpoint/2012/main" showMasterPhAnim="0" showMasterSp="0">
+<p:notes xmlns:a="http://schemas.openxmlformats.org/drawingml/2006/main" xmlns:r="http://schemas.openxmlformats.org/officeDocument/2006/relationships" xmlns:p="http://schemas.openxmlformats.org/presentationml/2006/main" showMasterSp="0" showMasterPhAnim="0">
   <p:cSld>
     <p:spTree>
       <p:nvGrpSpPr>
-        <p:cNvPr id="98" name="Shape 98"/>
+        <p:cNvPr id="1" name="Shape 98"/>
         <p:cNvGrpSpPr/>
         <p:nvPr/>
       </p:nvGrpSpPr>
@@ -2074,9 +2163,11 @@
       <p:sp>
         <p:nvSpPr>
           <p:cNvPr id="99" name="Google Shape;99;g70337b2347_0_22:notes"/>
-          <p:cNvSpPr/>
+          <p:cNvSpPr>
+            <a:spLocks noGrp="1" noRot="1" noChangeAspect="1"/>
+          </p:cNvSpPr>
           <p:nvPr>
-            <p:ph idx="2" type="sldImg"/>
+            <p:ph type="sldImg" idx="2"/>
           </p:nvPr>
         </p:nvSpPr>
         <p:spPr>
@@ -2085,9 +2176,13 @@
             <a:ext cx="6096000" cy="3429000"/>
           </a:xfrm>
           <a:custGeom>
-            <a:rect b="b" l="l" r="r" t="t"/>
+            <a:avLst/>
+            <a:gdLst/>
+            <a:ahLst/>
+            <a:cxnLst/>
+            <a:rect l="l" t="t" r="r" b="b"/>
             <a:pathLst>
-              <a:path extrusionOk="0" h="120000" w="120000">
+              <a:path w="120000" h="120000" extrusionOk="0">
                 <a:moveTo>
                   <a:pt x="0" y="0"/>
                 </a:moveTo>
@@ -2109,9 +2204,11 @@
       <p:sp>
         <p:nvSpPr>
           <p:cNvPr id="100" name="Google Shape;100;g70337b2347_0_22:notes"/>
-          <p:cNvSpPr txBox="1"/>
+          <p:cNvSpPr txBox="1">
+            <a:spLocks noGrp="1"/>
+          </p:cNvSpPr>
           <p:nvPr>
-            <p:ph idx="1" type="body"/>
+            <p:ph type="body" idx="1"/>
           </p:nvPr>
         </p:nvSpPr>
         <p:spPr>
@@ -2124,12 +2221,12 @@
           </a:prstGeom>
         </p:spPr>
         <p:txBody>
-          <a:bodyPr anchorCtr="0" anchor="t" bIns="91425" lIns="91425" spcFirstLastPara="1" rIns="91425" wrap="square" tIns="91425">
+          <a:bodyPr spcFirstLastPara="1" wrap="square" lIns="91425" tIns="91425" rIns="91425" bIns="91425" anchor="t" anchorCtr="0">
             <a:noAutofit/>
           </a:bodyPr>
           <a:lstStyle/>
           <a:p>
-            <a:pPr indent="0" lvl="0" marL="0" rtl="0" algn="l">
+            <a:pPr marL="0" lvl="0" indent="0" algn="l" rtl="0">
               <a:spcBef>
                 <a:spcPts val="0"/>
               </a:spcBef>
@@ -2147,7 +2244,7 @@
                 <a:solidFill>
                   <a:schemeClr val="hlink"/>
                 </a:solidFill>
-                <a:hlinkClick r:id="rId2"/>
+                <a:hlinkClick r:id="rId3"/>
               </a:rPr>
               <a:t>https://www.youtube.com/about/brand-resources/#logos-icons-colors</a:t>
             </a:r>
@@ -2164,11 +2261,11 @@
 </file>
 
 <file path=ppt/notesSlides/notesSlide8.xml><?xml version="1.0" encoding="utf-8"?>
-<p:notes xmlns:a="http://schemas.openxmlformats.org/drawingml/2006/main" xmlns:r="http://schemas.openxmlformats.org/officeDocument/2006/relationships" xmlns:mc="http://schemas.openxmlformats.org/markup-compatibility/2006" xmlns:mv="urn:schemas-microsoft-com:mac:vml" xmlns:p="http://schemas.openxmlformats.org/presentationml/2006/main" xmlns:c="http://schemas.openxmlformats.org/drawingml/2006/chart" xmlns:dgm="http://schemas.openxmlformats.org/drawingml/2006/diagram" xmlns:o="urn:schemas-microsoft-com:office:office" xmlns:v="urn:schemas-microsoft-com:vml" xmlns:pvml="urn:schemas-microsoft-com:office:powerpoint" xmlns:com="http://schemas.openxmlformats.org/drawingml/2006/compatibility" xmlns:p14="http://schemas.microsoft.com/office/powerpoint/2010/main" xmlns:p15="http://schemas.microsoft.com/office/powerpoint/2012/main" showMasterPhAnim="0" showMasterSp="0">
+<p:notes xmlns:a="http://schemas.openxmlformats.org/drawingml/2006/main" xmlns:r="http://schemas.openxmlformats.org/officeDocument/2006/relationships" xmlns:p="http://schemas.openxmlformats.org/presentationml/2006/main" showMasterSp="0" showMasterPhAnim="0">
   <p:cSld>
     <p:spTree>
       <p:nvGrpSpPr>
-        <p:cNvPr id="105" name="Shape 105"/>
+        <p:cNvPr id="1" name="Shape 105"/>
         <p:cNvGrpSpPr/>
         <p:nvPr/>
       </p:nvGrpSpPr>
@@ -2183,9 +2280,11 @@
       <p:sp>
         <p:nvSpPr>
           <p:cNvPr id="106" name="Google Shape;106;g70337b2347_0_32:notes"/>
-          <p:cNvSpPr/>
+          <p:cNvSpPr>
+            <a:spLocks noGrp="1" noRot="1" noChangeAspect="1"/>
+          </p:cNvSpPr>
           <p:nvPr>
-            <p:ph idx="2" type="sldImg"/>
+            <p:ph type="sldImg" idx="2"/>
           </p:nvPr>
         </p:nvSpPr>
         <p:spPr>
@@ -2194,9 +2293,13 @@
             <a:ext cx="6096000" cy="3429000"/>
           </a:xfrm>
           <a:custGeom>
-            <a:rect b="b" l="l" r="r" t="t"/>
+            <a:avLst/>
+            <a:gdLst/>
+            <a:ahLst/>
+            <a:cxnLst/>
+            <a:rect l="l" t="t" r="r" b="b"/>
             <a:pathLst>
-              <a:path extrusionOk="0" h="120000" w="120000">
+              <a:path w="120000" h="120000" extrusionOk="0">
                 <a:moveTo>
                   <a:pt x="0" y="0"/>
                 </a:moveTo>
@@ -2218,9 +2321,11 @@
       <p:sp>
         <p:nvSpPr>
           <p:cNvPr id="107" name="Google Shape;107;g70337b2347_0_32:notes"/>
-          <p:cNvSpPr txBox="1"/>
+          <p:cNvSpPr txBox="1">
+            <a:spLocks noGrp="1"/>
+          </p:cNvSpPr>
           <p:nvPr>
-            <p:ph idx="1" type="body"/>
+            <p:ph type="body" idx="1"/>
           </p:nvPr>
         </p:nvSpPr>
         <p:spPr>
@@ -2233,23 +2338,20 @@
           </a:prstGeom>
         </p:spPr>
         <p:txBody>
-          <a:bodyPr anchorCtr="0" anchor="t" bIns="91425" lIns="91425" spcFirstLastPara="1" rIns="91425" wrap="square" tIns="91425">
+          <a:bodyPr spcFirstLastPara="1" wrap="square" lIns="91425" tIns="91425" rIns="91425" bIns="91425" anchor="t" anchorCtr="0">
             <a:noAutofit/>
           </a:bodyPr>
           <a:lstStyle/>
           <a:p>
-            <a:pPr indent="0" lvl="0" marL="0" rtl="0" algn="l">
-              <a:spcBef>
-                <a:spcPts val="0"/>
-              </a:spcBef>
-              <a:spcAft>
-                <a:spcPts val="0"/>
-              </a:spcAft>
-              <a:buNone/>
-            </a:pPr>
-            <a:r>
-              <a:t/>
-            </a:r>
+            <a:pPr marL="0" lvl="0" indent="0" algn="l" rtl="0">
+              <a:spcBef>
+                <a:spcPts val="0"/>
+              </a:spcBef>
+              <a:spcAft>
+                <a:spcPts val="0"/>
+              </a:spcAft>
+              <a:buNone/>
+            </a:pPr>
             <a:endParaRPr/>
           </a:p>
         </p:txBody>
@@ -2263,11 +2365,11 @@
 </file>
 
 <file path=ppt/notesSlides/notesSlide9.xml><?xml version="1.0" encoding="utf-8"?>
-<p:notes xmlns:a="http://schemas.openxmlformats.org/drawingml/2006/main" xmlns:r="http://schemas.openxmlformats.org/officeDocument/2006/relationships" xmlns:mc="http://schemas.openxmlformats.org/markup-compatibility/2006" xmlns:mv="urn:schemas-microsoft-com:mac:vml" xmlns:p="http://schemas.openxmlformats.org/presentationml/2006/main" xmlns:c="http://schemas.openxmlformats.org/drawingml/2006/chart" xmlns:dgm="http://schemas.openxmlformats.org/drawingml/2006/diagram" xmlns:o="urn:schemas-microsoft-com:office:office" xmlns:v="urn:schemas-microsoft-com:vml" xmlns:pvml="urn:schemas-microsoft-com:office:powerpoint" xmlns:com="http://schemas.openxmlformats.org/drawingml/2006/compatibility" xmlns:p14="http://schemas.microsoft.com/office/powerpoint/2010/main" xmlns:p15="http://schemas.microsoft.com/office/powerpoint/2012/main" showMasterPhAnim="0" showMasterSp="0">
+<p:notes xmlns:a="http://schemas.openxmlformats.org/drawingml/2006/main" xmlns:r="http://schemas.openxmlformats.org/officeDocument/2006/relationships" xmlns:p="http://schemas.openxmlformats.org/presentationml/2006/main" showMasterSp="0" showMasterPhAnim="0">
   <p:cSld>
     <p:spTree>
       <p:nvGrpSpPr>
-        <p:cNvPr id="111" name="Shape 111"/>
+        <p:cNvPr id="1" name="Shape 111"/>
         <p:cNvGrpSpPr/>
         <p:nvPr/>
       </p:nvGrpSpPr>
@@ -2282,9 +2384,11 @@
       <p:sp>
         <p:nvSpPr>
           <p:cNvPr id="112" name="Google Shape;112;g70337b2347_0_17:notes"/>
-          <p:cNvSpPr/>
+          <p:cNvSpPr>
+            <a:spLocks noGrp="1" noRot="1" noChangeAspect="1"/>
+          </p:cNvSpPr>
           <p:nvPr>
-            <p:ph idx="2" type="sldImg"/>
+            <p:ph type="sldImg" idx="2"/>
           </p:nvPr>
         </p:nvSpPr>
         <p:spPr>
@@ -2293,9 +2397,13 @@
             <a:ext cx="6096000" cy="3429000"/>
           </a:xfrm>
           <a:custGeom>
-            <a:rect b="b" l="l" r="r" t="t"/>
+            <a:avLst/>
+            <a:gdLst/>
+            <a:ahLst/>
+            <a:cxnLst/>
+            <a:rect l="l" t="t" r="r" b="b"/>
             <a:pathLst>
-              <a:path extrusionOk="0" h="120000" w="120000">
+              <a:path w="120000" h="120000" extrusionOk="0">
                 <a:moveTo>
                   <a:pt x="0" y="0"/>
                 </a:moveTo>
@@ -2317,9 +2425,11 @@
       <p:sp>
         <p:nvSpPr>
           <p:cNvPr id="113" name="Google Shape;113;g70337b2347_0_17:notes"/>
-          <p:cNvSpPr txBox="1"/>
+          <p:cNvSpPr txBox="1">
+            <a:spLocks noGrp="1"/>
+          </p:cNvSpPr>
           <p:nvPr>
-            <p:ph idx="1" type="body"/>
+            <p:ph type="body" idx="1"/>
           </p:nvPr>
         </p:nvSpPr>
         <p:spPr>
@@ -2332,12 +2442,12 @@
           </a:prstGeom>
         </p:spPr>
         <p:txBody>
-          <a:bodyPr anchorCtr="0" anchor="t" bIns="91425" lIns="91425" spcFirstLastPara="1" rIns="91425" wrap="square" tIns="91425">
+          <a:bodyPr spcFirstLastPara="1" wrap="square" lIns="91425" tIns="91425" rIns="91425" bIns="91425" anchor="t" anchorCtr="0">
             <a:noAutofit/>
           </a:bodyPr>
           <a:lstStyle/>
           <a:p>
-            <a:pPr indent="0" lvl="0" marL="0" rtl="0" algn="l">
+            <a:pPr marL="0" lvl="0" indent="0" algn="l" rtl="0">
               <a:spcBef>
                 <a:spcPts val="0"/>
               </a:spcBef>
@@ -2355,7 +2465,7 @@
                 <a:solidFill>
                   <a:schemeClr val="hlink"/>
                 </a:solidFill>
-                <a:hlinkClick r:id="rId2"/>
+                <a:hlinkClick r:id="rId3"/>
               </a:rPr>
               <a:t>https://kx.com/blog/kxcon2016-puzzle-challenge/</a:t>
             </a:r>
@@ -2372,11 +2482,11 @@
 </file>
 
 <file path=ppt/slideLayouts/slideLayout1.xml><?xml version="1.0" encoding="utf-8"?>
-<p:sldLayout xmlns:a="http://schemas.openxmlformats.org/drawingml/2006/main" xmlns:r="http://schemas.openxmlformats.org/officeDocument/2006/relationships" xmlns:mc="http://schemas.openxmlformats.org/markup-compatibility/2006" xmlns:mv="urn:schemas-microsoft-com:mac:vml" xmlns:p="http://schemas.openxmlformats.org/presentationml/2006/main" xmlns:c="http://schemas.openxmlformats.org/drawingml/2006/chart" xmlns:dgm="http://schemas.openxmlformats.org/drawingml/2006/diagram" xmlns:o="urn:schemas-microsoft-com:office:office" xmlns:v="urn:schemas-microsoft-com:vml" xmlns:pvml="urn:schemas-microsoft-com:office:powerpoint" xmlns:com="http://schemas.openxmlformats.org/drawingml/2006/compatibility" xmlns:p14="http://schemas.microsoft.com/office/powerpoint/2010/main" xmlns:p15="http://schemas.microsoft.com/office/powerpoint/2012/main" matchingName="Title slide" type="title">
+<p:sldLayout xmlns:a="http://schemas.openxmlformats.org/drawingml/2006/main" xmlns:r="http://schemas.openxmlformats.org/officeDocument/2006/relationships" xmlns:p="http://schemas.openxmlformats.org/presentationml/2006/main" matchingName="Title slide" type="title">
   <p:cSld name="TITLE">
     <p:spTree>
       <p:nvGrpSpPr>
-        <p:cNvPr id="9" name="Shape 9"/>
+        <p:cNvPr id="1" name="Shape 9"/>
         <p:cNvGrpSpPr/>
         <p:nvPr/>
       </p:nvGrpSpPr>
@@ -2424,12 +2534,12 @@
             </a:ln>
           </p:spPr>
           <p:txBody>
-            <a:bodyPr anchorCtr="0" anchor="ctr" bIns="91425" lIns="91425" spcFirstLastPara="1" rIns="91425" wrap="square" tIns="91425">
+            <a:bodyPr spcFirstLastPara="1" wrap="square" lIns="91425" tIns="91425" rIns="91425" bIns="91425" anchor="ctr" anchorCtr="0">
               <a:noAutofit/>
             </a:bodyPr>
             <a:lstStyle/>
             <a:p>
-              <a:pPr indent="0" lvl="0" marL="0" rtl="0" algn="l">
+              <a:pPr marL="0" lvl="0" indent="0" algn="l" rtl="0">
                 <a:spcBef>
                   <a:spcPts val="0"/>
                 </a:spcBef>
@@ -2438,9 +2548,6 @@
                 </a:spcAft>
                 <a:buNone/>
               </a:pPr>
-              <a:r>
-                <a:t/>
-              </a:r>
               <a:endParaRPr/>
             </a:p>
           </p:txBody>
@@ -2467,12 +2574,12 @@
             </a:ln>
           </p:spPr>
           <p:txBody>
-            <a:bodyPr anchorCtr="0" anchor="ctr" bIns="91425" lIns="91425" spcFirstLastPara="1" rIns="91425" wrap="square" tIns="91425">
+            <a:bodyPr spcFirstLastPara="1" wrap="square" lIns="91425" tIns="91425" rIns="91425" bIns="91425" anchor="ctr" anchorCtr="0">
               <a:noAutofit/>
             </a:bodyPr>
             <a:lstStyle/>
             <a:p>
-              <a:pPr indent="0" lvl="0" marL="0" rtl="0" algn="l">
+              <a:pPr marL="0" lvl="0" indent="0" algn="l" rtl="0">
                 <a:spcBef>
                   <a:spcPts val="0"/>
                 </a:spcBef>
@@ -2481,9 +2588,6 @@
                 </a:spcAft>
                 <a:buNone/>
               </a:pPr>
-              <a:r>
-                <a:t/>
-              </a:r>
               <a:endParaRPr/>
             </a:p>
           </p:txBody>
@@ -2510,12 +2614,12 @@
             </a:ln>
           </p:spPr>
           <p:txBody>
-            <a:bodyPr anchorCtr="0" anchor="ctr" bIns="91425" lIns="91425" spcFirstLastPara="1" rIns="91425" wrap="square" tIns="91425">
+            <a:bodyPr spcFirstLastPara="1" wrap="square" lIns="91425" tIns="91425" rIns="91425" bIns="91425" anchor="ctr" anchorCtr="0">
               <a:noAutofit/>
             </a:bodyPr>
             <a:lstStyle/>
             <a:p>
-              <a:pPr indent="0" lvl="0" marL="0" rtl="0" algn="l">
+              <a:pPr marL="0" lvl="0" indent="0" algn="l" rtl="0">
                 <a:spcBef>
                   <a:spcPts val="0"/>
                 </a:spcBef>
@@ -2524,9 +2628,6 @@
                 </a:spcAft>
                 <a:buNone/>
               </a:pPr>
-              <a:r>
-                <a:t/>
-              </a:r>
               <a:endParaRPr/>
             </a:p>
           </p:txBody>
@@ -2535,7 +2636,9 @@
       <p:sp>
         <p:nvSpPr>
           <p:cNvPr id="14" name="Google Shape;14;p2"/>
-          <p:cNvSpPr txBox="1"/>
+          <p:cNvSpPr txBox="1">
+            <a:spLocks noGrp="1"/>
+          </p:cNvSpPr>
           <p:nvPr>
             <p:ph type="ctrTitle"/>
           </p:nvPr>
@@ -2550,7 +2653,7 @@
           </a:prstGeom>
         </p:spPr>
         <p:txBody>
-          <a:bodyPr anchorCtr="0" anchor="b" bIns="91425" lIns="91425" spcFirstLastPara="1" rIns="91425" wrap="square" tIns="91425">
+          <a:bodyPr spcFirstLastPara="1" wrap="square" lIns="91425" tIns="91425" rIns="91425" bIns="91425" anchor="b" anchorCtr="0">
             <a:noAutofit/>
           </a:bodyPr>
           <a:lstStyle>
@@ -2654,15 +2757,19 @@
               <a:defRPr sz="4800"/>
             </a:lvl9pPr>
           </a:lstStyle>
-          <a:p/>
+          <a:p>
+            <a:endParaRPr/>
+          </a:p>
         </p:txBody>
       </p:sp>
       <p:sp>
         <p:nvSpPr>
           <p:cNvPr id="15" name="Google Shape;15;p2"/>
-          <p:cNvSpPr txBox="1"/>
+          <p:cNvSpPr txBox="1">
+            <a:spLocks noGrp="1"/>
+          </p:cNvSpPr>
           <p:nvPr>
-            <p:ph idx="1" type="subTitle"/>
+            <p:ph type="subTitle" idx="1"/>
           </p:nvPr>
         </p:nvSpPr>
         <p:spPr>
@@ -2675,7 +2782,7 @@
           </a:prstGeom>
         </p:spPr>
         <p:txBody>
-          <a:bodyPr anchorCtr="0" anchor="t" bIns="91425" lIns="91425" spcFirstLastPara="1" rIns="91425" wrap="square" tIns="91425">
+          <a:bodyPr spcFirstLastPara="1" wrap="square" lIns="91425" tIns="91425" rIns="91425" bIns="91425" anchor="t" anchorCtr="0">
             <a:noAutofit/>
           </a:bodyPr>
           <a:lstStyle>
@@ -2806,15 +2913,19 @@
               <a:defRPr sz="2100"/>
             </a:lvl9pPr>
           </a:lstStyle>
-          <a:p/>
+          <a:p>
+            <a:endParaRPr/>
+          </a:p>
         </p:txBody>
       </p:sp>
       <p:sp>
         <p:nvSpPr>
           <p:cNvPr id="16" name="Google Shape;16;p2"/>
-          <p:cNvSpPr txBox="1"/>
+          <p:cNvSpPr txBox="1">
+            <a:spLocks noGrp="1"/>
+          </p:cNvSpPr>
           <p:nvPr>
-            <p:ph idx="12" type="sldNum"/>
+            <p:ph type="sldNum" idx="12"/>
           </p:nvPr>
         </p:nvSpPr>
         <p:spPr>
@@ -2827,7 +2938,7 @@
           </a:prstGeom>
         </p:spPr>
         <p:txBody>
-          <a:bodyPr anchorCtr="0" anchor="ctr" bIns="91425" lIns="91425" spcFirstLastPara="1" rIns="91425" wrap="square" tIns="91425">
+          <a:bodyPr spcFirstLastPara="1" wrap="square" lIns="91425" tIns="91425" rIns="91425" bIns="91425" anchor="ctr" anchorCtr="0">
             <a:noAutofit/>
           </a:bodyPr>
           <a:lstStyle>
@@ -2869,7 +2980,7 @@
             </a:lvl9pPr>
           </a:lstStyle>
           <a:p>
-            <a:pPr indent="0" lvl="0" marL="0" rtl="0" algn="r">
+            <a:pPr marL="0" lvl="0" indent="0" algn="r" rtl="0">
               <a:spcBef>
                 <a:spcPts val="0"/>
               </a:spcBef>
@@ -2895,11 +3006,11 @@
 </file>
 
 <file path=ppt/slideLayouts/slideLayout10.xml><?xml version="1.0" encoding="utf-8"?>
-<p:sldLayout xmlns:a="http://schemas.openxmlformats.org/drawingml/2006/main" xmlns:r="http://schemas.openxmlformats.org/officeDocument/2006/relationships" xmlns:mc="http://schemas.openxmlformats.org/markup-compatibility/2006" xmlns:mv="urn:schemas-microsoft-com:mac:vml" xmlns:p="http://schemas.openxmlformats.org/presentationml/2006/main" xmlns:c="http://schemas.openxmlformats.org/drawingml/2006/chart" xmlns:dgm="http://schemas.openxmlformats.org/drawingml/2006/diagram" xmlns:o="urn:schemas-microsoft-com:office:office" xmlns:v="urn:schemas-microsoft-com:vml" xmlns:pvml="urn:schemas-microsoft-com:office:powerpoint" xmlns:com="http://schemas.openxmlformats.org/drawingml/2006/compatibility" xmlns:p14="http://schemas.microsoft.com/office/powerpoint/2010/main" xmlns:p15="http://schemas.microsoft.com/office/powerpoint/2012/main" matchingName="Big number">
+<p:sldLayout xmlns:a="http://schemas.openxmlformats.org/drawingml/2006/main" xmlns:r="http://schemas.openxmlformats.org/officeDocument/2006/relationships" xmlns:p="http://schemas.openxmlformats.org/presentationml/2006/main" matchingName="Big number">
   <p:cSld name="BIG_NUMBER">
     <p:spTree>
       <p:nvGrpSpPr>
-        <p:cNvPr id="49" name="Shape 49"/>
+        <p:cNvPr id="1" name="Shape 49"/>
         <p:cNvGrpSpPr/>
         <p:nvPr/>
       </p:nvGrpSpPr>
@@ -2914,9 +3025,11 @@
       <p:sp>
         <p:nvSpPr>
           <p:cNvPr id="50" name="Google Shape;50;p11"/>
-          <p:cNvSpPr txBox="1"/>
+          <p:cNvSpPr txBox="1">
+            <a:spLocks noGrp="1"/>
+          </p:cNvSpPr>
           <p:nvPr>
-            <p:ph hasCustomPrompt="1" type="title"/>
+            <p:ph type="title" hasCustomPrompt="1"/>
           </p:nvPr>
         </p:nvSpPr>
         <p:spPr>
@@ -2929,7 +3042,7 @@
           </a:prstGeom>
         </p:spPr>
         <p:txBody>
-          <a:bodyPr anchorCtr="0" anchor="b" bIns="91425" lIns="91425" spcFirstLastPara="1" rIns="91425" wrap="square" tIns="91425">
+          <a:bodyPr spcFirstLastPara="1" wrap="square" lIns="91425" tIns="91425" rIns="91425" bIns="91425" anchor="b" anchorCtr="0">
             <a:noAutofit/>
           </a:bodyPr>
           <a:lstStyle>
@@ -3043,9 +3156,11 @@
       <p:sp>
         <p:nvSpPr>
           <p:cNvPr id="51" name="Google Shape;51;p11"/>
-          <p:cNvSpPr txBox="1"/>
+          <p:cNvSpPr txBox="1">
+            <a:spLocks noGrp="1"/>
+          </p:cNvSpPr>
           <p:nvPr>
-            <p:ph idx="1" type="body"/>
+            <p:ph type="body" idx="1"/>
           </p:nvPr>
         </p:nvSpPr>
         <p:spPr>
@@ -3058,11 +3173,11 @@
           </a:prstGeom>
         </p:spPr>
         <p:txBody>
-          <a:bodyPr anchorCtr="0" anchor="t" bIns="91425" lIns="91425" spcFirstLastPara="1" rIns="91425" wrap="square" tIns="91425">
+          <a:bodyPr spcFirstLastPara="1" wrap="square" lIns="91425" tIns="91425" rIns="91425" bIns="91425" anchor="t" anchorCtr="0">
             <a:noAutofit/>
           </a:bodyPr>
           <a:lstStyle>
-            <a:lvl1pPr indent="-342900" lvl="0" marL="457200" algn="ctr">
+            <a:lvl1pPr marL="457200" lvl="0" indent="-342900" algn="ctr">
               <a:spcBef>
                 <a:spcPts val="0"/>
               </a:spcBef>
@@ -3073,7 +3188,7 @@
               <a:buChar char="●"/>
               <a:defRPr/>
             </a:lvl1pPr>
-            <a:lvl2pPr indent="-317500" lvl="1" marL="914400" algn="ctr">
+            <a:lvl2pPr marL="914400" lvl="1" indent="-317500" algn="ctr">
               <a:spcBef>
                 <a:spcPts val="1600"/>
               </a:spcBef>
@@ -3084,7 +3199,7 @@
               <a:buChar char="○"/>
               <a:defRPr/>
             </a:lvl2pPr>
-            <a:lvl3pPr indent="-317500" lvl="2" marL="1371600" algn="ctr">
+            <a:lvl3pPr marL="1371600" lvl="2" indent="-317500" algn="ctr">
               <a:spcBef>
                 <a:spcPts val="1600"/>
               </a:spcBef>
@@ -3095,7 +3210,7 @@
               <a:buChar char="■"/>
               <a:defRPr/>
             </a:lvl3pPr>
-            <a:lvl4pPr indent="-317500" lvl="3" marL="1828800" algn="ctr">
+            <a:lvl4pPr marL="1828800" lvl="3" indent="-317500" algn="ctr">
               <a:spcBef>
                 <a:spcPts val="1600"/>
               </a:spcBef>
@@ -3106,7 +3221,7 @@
               <a:buChar char="●"/>
               <a:defRPr/>
             </a:lvl4pPr>
-            <a:lvl5pPr indent="-317500" lvl="4" marL="2286000" algn="ctr">
+            <a:lvl5pPr marL="2286000" lvl="4" indent="-317500" algn="ctr">
               <a:spcBef>
                 <a:spcPts val="1600"/>
               </a:spcBef>
@@ -3117,7 +3232,7 @@
               <a:buChar char="○"/>
               <a:defRPr/>
             </a:lvl5pPr>
-            <a:lvl6pPr indent="-317500" lvl="5" marL="2743200" algn="ctr">
+            <a:lvl6pPr marL="2743200" lvl="5" indent="-317500" algn="ctr">
               <a:spcBef>
                 <a:spcPts val="1600"/>
               </a:spcBef>
@@ -3128,7 +3243,7 @@
               <a:buChar char="■"/>
               <a:defRPr/>
             </a:lvl6pPr>
-            <a:lvl7pPr indent="-317500" lvl="6" marL="3200400" algn="ctr">
+            <a:lvl7pPr marL="3200400" lvl="6" indent="-317500" algn="ctr">
               <a:spcBef>
                 <a:spcPts val="1600"/>
               </a:spcBef>
@@ -3139,7 +3254,7 @@
               <a:buChar char="●"/>
               <a:defRPr/>
             </a:lvl7pPr>
-            <a:lvl8pPr indent="-317500" lvl="7" marL="3657600" algn="ctr">
+            <a:lvl8pPr marL="3657600" lvl="7" indent="-317500" algn="ctr">
               <a:spcBef>
                 <a:spcPts val="1600"/>
               </a:spcBef>
@@ -3150,7 +3265,7 @@
               <a:buChar char="○"/>
               <a:defRPr/>
             </a:lvl8pPr>
-            <a:lvl9pPr indent="-317500" lvl="8" marL="4114800" algn="ctr">
+            <a:lvl9pPr marL="4114800" lvl="8" indent="-317500" algn="ctr">
               <a:spcBef>
                 <a:spcPts val="1600"/>
               </a:spcBef>
@@ -3162,15 +3277,19 @@
               <a:defRPr/>
             </a:lvl9pPr>
           </a:lstStyle>
-          <a:p/>
+          <a:p>
+            <a:endParaRPr/>
+          </a:p>
         </p:txBody>
       </p:sp>
       <p:sp>
         <p:nvSpPr>
           <p:cNvPr id="52" name="Google Shape;52;p11"/>
-          <p:cNvSpPr txBox="1"/>
+          <p:cNvSpPr txBox="1">
+            <a:spLocks noGrp="1"/>
+          </p:cNvSpPr>
           <p:nvPr>
-            <p:ph idx="12" type="sldNum"/>
+            <p:ph type="sldNum" idx="12"/>
           </p:nvPr>
         </p:nvSpPr>
         <p:spPr>
@@ -3183,7 +3302,7 @@
           </a:prstGeom>
         </p:spPr>
         <p:txBody>
-          <a:bodyPr anchorCtr="0" anchor="ctr" bIns="91425" lIns="91425" spcFirstLastPara="1" rIns="91425" wrap="square" tIns="91425">
+          <a:bodyPr spcFirstLastPara="1" wrap="square" lIns="91425" tIns="91425" rIns="91425" bIns="91425" anchor="ctr" anchorCtr="0">
             <a:noAutofit/>
           </a:bodyPr>
           <a:lstStyle>
@@ -3225,7 +3344,7 @@
             </a:lvl9pPr>
           </a:lstStyle>
           <a:p>
-            <a:pPr indent="0" lvl="0" marL="0" rtl="0" algn="r">
+            <a:pPr marL="0" lvl="0" indent="0" algn="r" rtl="0">
               <a:spcBef>
                 <a:spcPts val="0"/>
               </a:spcBef>
@@ -3251,11 +3370,11 @@
 </file>
 
 <file path=ppt/slideLayouts/slideLayout11.xml><?xml version="1.0" encoding="utf-8"?>
-<p:sldLayout xmlns:a="http://schemas.openxmlformats.org/drawingml/2006/main" xmlns:r="http://schemas.openxmlformats.org/officeDocument/2006/relationships" xmlns:mc="http://schemas.openxmlformats.org/markup-compatibility/2006" xmlns:mv="urn:schemas-microsoft-com:mac:vml" xmlns:p="http://schemas.openxmlformats.org/presentationml/2006/main" xmlns:c="http://schemas.openxmlformats.org/drawingml/2006/chart" xmlns:dgm="http://schemas.openxmlformats.org/drawingml/2006/diagram" xmlns:o="urn:schemas-microsoft-com:office:office" xmlns:v="urn:schemas-microsoft-com:vml" xmlns:pvml="urn:schemas-microsoft-com:office:powerpoint" xmlns:com="http://schemas.openxmlformats.org/drawingml/2006/compatibility" xmlns:p14="http://schemas.microsoft.com/office/powerpoint/2010/main" xmlns:p15="http://schemas.microsoft.com/office/powerpoint/2012/main" matchingName="Blank" type="blank">
+<p:sldLayout xmlns:a="http://schemas.openxmlformats.org/drawingml/2006/main" xmlns:r="http://schemas.openxmlformats.org/officeDocument/2006/relationships" xmlns:p="http://schemas.openxmlformats.org/presentationml/2006/main" matchingName="Blank" type="blank">
   <p:cSld name="BLANK">
     <p:spTree>
       <p:nvGrpSpPr>
-        <p:cNvPr id="53" name="Shape 53"/>
+        <p:cNvPr id="1" name="Shape 53"/>
         <p:cNvGrpSpPr/>
         <p:nvPr/>
       </p:nvGrpSpPr>
@@ -3270,9 +3389,11 @@
       <p:sp>
         <p:nvSpPr>
           <p:cNvPr id="54" name="Google Shape;54;p12"/>
-          <p:cNvSpPr txBox="1"/>
+          <p:cNvSpPr txBox="1">
+            <a:spLocks noGrp="1"/>
+          </p:cNvSpPr>
           <p:nvPr>
-            <p:ph idx="12" type="sldNum"/>
+            <p:ph type="sldNum" idx="12"/>
           </p:nvPr>
         </p:nvSpPr>
         <p:spPr>
@@ -3285,7 +3406,7 @@
           </a:prstGeom>
         </p:spPr>
         <p:txBody>
-          <a:bodyPr anchorCtr="0" anchor="ctr" bIns="91425" lIns="91425" spcFirstLastPara="1" rIns="91425" wrap="square" tIns="91425">
+          <a:bodyPr spcFirstLastPara="1" wrap="square" lIns="91425" tIns="91425" rIns="91425" bIns="91425" anchor="ctr" anchorCtr="0">
             <a:noAutofit/>
           </a:bodyPr>
           <a:lstStyle>
@@ -3327,7 +3448,7 @@
             </a:lvl9pPr>
           </a:lstStyle>
           <a:p>
-            <a:pPr indent="0" lvl="0" marL="0" rtl="0" algn="r">
+            <a:pPr marL="0" lvl="0" indent="0" algn="r" rtl="0">
               <a:spcBef>
                 <a:spcPts val="0"/>
               </a:spcBef>
@@ -3353,11 +3474,11 @@
 </file>
 
 <file path=ppt/slideLayouts/slideLayout2.xml><?xml version="1.0" encoding="utf-8"?>
-<p:sldLayout xmlns:a="http://schemas.openxmlformats.org/drawingml/2006/main" xmlns:r="http://schemas.openxmlformats.org/officeDocument/2006/relationships" xmlns:mc="http://schemas.openxmlformats.org/markup-compatibility/2006" xmlns:mv="urn:schemas-microsoft-com:mac:vml" xmlns:p="http://schemas.openxmlformats.org/presentationml/2006/main" xmlns:c="http://schemas.openxmlformats.org/drawingml/2006/chart" xmlns:dgm="http://schemas.openxmlformats.org/drawingml/2006/diagram" xmlns:o="urn:schemas-microsoft-com:office:office" xmlns:v="urn:schemas-microsoft-com:vml" xmlns:pvml="urn:schemas-microsoft-com:office:powerpoint" xmlns:com="http://schemas.openxmlformats.org/drawingml/2006/compatibility" xmlns:p14="http://schemas.microsoft.com/office/powerpoint/2010/main" xmlns:p15="http://schemas.microsoft.com/office/powerpoint/2012/main" matchingName="Section header" type="secHead">
+<p:sldLayout xmlns:a="http://schemas.openxmlformats.org/drawingml/2006/main" xmlns:r="http://schemas.openxmlformats.org/officeDocument/2006/relationships" xmlns:p="http://schemas.openxmlformats.org/presentationml/2006/main" matchingName="Section header" type="secHead">
   <p:cSld name="SECTION_HEADER">
     <p:spTree>
       <p:nvGrpSpPr>
-        <p:cNvPr id="17" name="Shape 17"/>
+        <p:cNvPr id="1" name="Shape 17"/>
         <p:cNvGrpSpPr/>
         <p:nvPr/>
       </p:nvGrpSpPr>
@@ -3372,7 +3493,9 @@
       <p:sp>
         <p:nvSpPr>
           <p:cNvPr id="18" name="Google Shape;18;p3"/>
-          <p:cNvSpPr txBox="1"/>
+          <p:cNvSpPr txBox="1">
+            <a:spLocks noGrp="1"/>
+          </p:cNvSpPr>
           <p:nvPr>
             <p:ph type="title"/>
           </p:nvPr>
@@ -3387,7 +3510,7 @@
           </a:prstGeom>
         </p:spPr>
         <p:txBody>
-          <a:bodyPr anchorCtr="0" anchor="ctr" bIns="91425" lIns="91425" spcFirstLastPara="1" rIns="91425" wrap="square" tIns="91425">
+          <a:bodyPr spcFirstLastPara="1" wrap="square" lIns="91425" tIns="91425" rIns="91425" bIns="91425" anchor="ctr" anchorCtr="0">
             <a:noAutofit/>
           </a:bodyPr>
           <a:lstStyle>
@@ -3491,15 +3614,19 @@
               <a:defRPr sz="3600"/>
             </a:lvl9pPr>
           </a:lstStyle>
-          <a:p/>
+          <a:p>
+            <a:endParaRPr/>
+          </a:p>
         </p:txBody>
       </p:sp>
       <p:sp>
         <p:nvSpPr>
           <p:cNvPr id="19" name="Google Shape;19;p3"/>
-          <p:cNvSpPr txBox="1"/>
+          <p:cNvSpPr txBox="1">
+            <a:spLocks noGrp="1"/>
+          </p:cNvSpPr>
           <p:nvPr>
-            <p:ph idx="12" type="sldNum"/>
+            <p:ph type="sldNum" idx="12"/>
           </p:nvPr>
         </p:nvSpPr>
         <p:spPr>
@@ -3512,7 +3639,7 @@
           </a:prstGeom>
         </p:spPr>
         <p:txBody>
-          <a:bodyPr anchorCtr="0" anchor="ctr" bIns="91425" lIns="91425" spcFirstLastPara="1" rIns="91425" wrap="square" tIns="91425">
+          <a:bodyPr spcFirstLastPara="1" wrap="square" lIns="91425" tIns="91425" rIns="91425" bIns="91425" anchor="ctr" anchorCtr="0">
             <a:noAutofit/>
           </a:bodyPr>
           <a:lstStyle>
@@ -3554,7 +3681,7 @@
             </a:lvl9pPr>
           </a:lstStyle>
           <a:p>
-            <a:pPr indent="0" lvl="0" marL="0" rtl="0" algn="r">
+            <a:pPr marL="0" lvl="0" indent="0" algn="r" rtl="0">
               <a:spcBef>
                 <a:spcPts val="0"/>
               </a:spcBef>
@@ -3580,11 +3707,11 @@
 </file>
 
 <file path=ppt/slideLayouts/slideLayout3.xml><?xml version="1.0" encoding="utf-8"?>
-<p:sldLayout xmlns:a="http://schemas.openxmlformats.org/drawingml/2006/main" xmlns:r="http://schemas.openxmlformats.org/officeDocument/2006/relationships" xmlns:mc="http://schemas.openxmlformats.org/markup-compatibility/2006" xmlns:mv="urn:schemas-microsoft-com:mac:vml" xmlns:p="http://schemas.openxmlformats.org/presentationml/2006/main" xmlns:c="http://schemas.openxmlformats.org/drawingml/2006/chart" xmlns:dgm="http://schemas.openxmlformats.org/drawingml/2006/diagram" xmlns:o="urn:schemas-microsoft-com:office:office" xmlns:v="urn:schemas-microsoft-com:vml" xmlns:pvml="urn:schemas-microsoft-com:office:powerpoint" xmlns:com="http://schemas.openxmlformats.org/drawingml/2006/compatibility" xmlns:p14="http://schemas.microsoft.com/office/powerpoint/2010/main" xmlns:p15="http://schemas.microsoft.com/office/powerpoint/2012/main" matchingName="Title and body" type="tx">
+<p:sldLayout xmlns:a="http://schemas.openxmlformats.org/drawingml/2006/main" xmlns:r="http://schemas.openxmlformats.org/officeDocument/2006/relationships" xmlns:p="http://schemas.openxmlformats.org/presentationml/2006/main" matchingName="Title and body" type="tx">
   <p:cSld name="TITLE_AND_BODY">
     <p:spTree>
       <p:nvGrpSpPr>
-        <p:cNvPr id="20" name="Shape 20"/>
+        <p:cNvPr id="1" name="Shape 20"/>
         <p:cNvGrpSpPr/>
         <p:nvPr/>
       </p:nvGrpSpPr>
@@ -3599,7 +3726,9 @@
       <p:sp>
         <p:nvSpPr>
           <p:cNvPr id="21" name="Google Shape;21;p4"/>
-          <p:cNvSpPr txBox="1"/>
+          <p:cNvSpPr txBox="1">
+            <a:spLocks noGrp="1"/>
+          </p:cNvSpPr>
           <p:nvPr>
             <p:ph type="title"/>
           </p:nvPr>
@@ -3614,7 +3743,7 @@
           </a:prstGeom>
         </p:spPr>
         <p:txBody>
-          <a:bodyPr anchorCtr="0" anchor="t" bIns="91425" lIns="91425" spcFirstLastPara="1" rIns="91425" wrap="square" tIns="91425">
+          <a:bodyPr spcFirstLastPara="1" wrap="square" lIns="91425" tIns="91425" rIns="91425" bIns="91425" anchor="t" anchorCtr="0">
             <a:noAutofit/>
           </a:bodyPr>
           <a:lstStyle>
@@ -3718,15 +3847,19 @@
               <a:defRPr/>
             </a:lvl9pPr>
           </a:lstStyle>
-          <a:p/>
+          <a:p>
+            <a:endParaRPr/>
+          </a:p>
         </p:txBody>
       </p:sp>
       <p:sp>
         <p:nvSpPr>
           <p:cNvPr id="22" name="Google Shape;22;p4"/>
-          <p:cNvSpPr txBox="1"/>
+          <p:cNvSpPr txBox="1">
+            <a:spLocks noGrp="1"/>
+          </p:cNvSpPr>
           <p:nvPr>
-            <p:ph idx="1" type="body"/>
+            <p:ph type="body" idx="1"/>
           </p:nvPr>
         </p:nvSpPr>
         <p:spPr>
@@ -3739,11 +3872,11 @@
           </a:prstGeom>
         </p:spPr>
         <p:txBody>
-          <a:bodyPr anchorCtr="0" anchor="t" bIns="91425" lIns="91425" spcFirstLastPara="1" rIns="91425" wrap="square" tIns="91425">
+          <a:bodyPr spcFirstLastPara="1" wrap="square" lIns="91425" tIns="91425" rIns="91425" bIns="91425" anchor="t" anchorCtr="0">
             <a:noAutofit/>
           </a:bodyPr>
           <a:lstStyle>
-            <a:lvl1pPr indent="-342900" lvl="0" marL="457200">
+            <a:lvl1pPr marL="457200" lvl="0" indent="-342900">
               <a:spcBef>
                 <a:spcPts val="0"/>
               </a:spcBef>
@@ -3754,7 +3887,7 @@
               <a:buChar char="●"/>
               <a:defRPr/>
             </a:lvl1pPr>
-            <a:lvl2pPr indent="-317500" lvl="1" marL="914400">
+            <a:lvl2pPr marL="914400" lvl="1" indent="-317500">
               <a:spcBef>
                 <a:spcPts val="1600"/>
               </a:spcBef>
@@ -3765,7 +3898,7 @@
               <a:buChar char="○"/>
               <a:defRPr/>
             </a:lvl2pPr>
-            <a:lvl3pPr indent="-317500" lvl="2" marL="1371600">
+            <a:lvl3pPr marL="1371600" lvl="2" indent="-317500">
               <a:spcBef>
                 <a:spcPts val="1600"/>
               </a:spcBef>
@@ -3776,7 +3909,7 @@
               <a:buChar char="■"/>
               <a:defRPr/>
             </a:lvl3pPr>
-            <a:lvl4pPr indent="-317500" lvl="3" marL="1828800">
+            <a:lvl4pPr marL="1828800" lvl="3" indent="-317500">
               <a:spcBef>
                 <a:spcPts val="1600"/>
               </a:spcBef>
@@ -3787,7 +3920,7 @@
               <a:buChar char="●"/>
               <a:defRPr/>
             </a:lvl4pPr>
-            <a:lvl5pPr indent="-317500" lvl="4" marL="2286000">
+            <a:lvl5pPr marL="2286000" lvl="4" indent="-317500">
               <a:spcBef>
                 <a:spcPts val="1600"/>
               </a:spcBef>
@@ -3798,7 +3931,7 @@
               <a:buChar char="○"/>
               <a:defRPr/>
             </a:lvl5pPr>
-            <a:lvl6pPr indent="-317500" lvl="5" marL="2743200">
+            <a:lvl6pPr marL="2743200" lvl="5" indent="-317500">
               <a:spcBef>
                 <a:spcPts val="1600"/>
               </a:spcBef>
@@ -3809,7 +3942,7 @@
               <a:buChar char="■"/>
               <a:defRPr/>
             </a:lvl6pPr>
-            <a:lvl7pPr indent="-317500" lvl="6" marL="3200400">
+            <a:lvl7pPr marL="3200400" lvl="6" indent="-317500">
               <a:spcBef>
                 <a:spcPts val="1600"/>
               </a:spcBef>
@@ -3820,7 +3953,7 @@
               <a:buChar char="●"/>
               <a:defRPr/>
             </a:lvl7pPr>
-            <a:lvl8pPr indent="-317500" lvl="7" marL="3657600">
+            <a:lvl8pPr marL="3657600" lvl="7" indent="-317500">
               <a:spcBef>
                 <a:spcPts val="1600"/>
               </a:spcBef>
@@ -3831,7 +3964,7 @@
               <a:buChar char="○"/>
               <a:defRPr/>
             </a:lvl8pPr>
-            <a:lvl9pPr indent="-317500" lvl="8" marL="4114800">
+            <a:lvl9pPr marL="4114800" lvl="8" indent="-317500">
               <a:spcBef>
                 <a:spcPts val="1600"/>
               </a:spcBef>
@@ -3843,15 +3976,19 @@
               <a:defRPr/>
             </a:lvl9pPr>
           </a:lstStyle>
-          <a:p/>
+          <a:p>
+            <a:endParaRPr/>
+          </a:p>
         </p:txBody>
       </p:sp>
       <p:sp>
         <p:nvSpPr>
           <p:cNvPr id="23" name="Google Shape;23;p4"/>
-          <p:cNvSpPr txBox="1"/>
+          <p:cNvSpPr txBox="1">
+            <a:spLocks noGrp="1"/>
+          </p:cNvSpPr>
           <p:nvPr>
-            <p:ph idx="12" type="sldNum"/>
+            <p:ph type="sldNum" idx="12"/>
           </p:nvPr>
         </p:nvSpPr>
         <p:spPr>
@@ -3864,7 +4001,7 @@
           </a:prstGeom>
         </p:spPr>
         <p:txBody>
-          <a:bodyPr anchorCtr="0" anchor="ctr" bIns="91425" lIns="91425" spcFirstLastPara="1" rIns="91425" wrap="square" tIns="91425">
+          <a:bodyPr spcFirstLastPara="1" wrap="square" lIns="91425" tIns="91425" rIns="91425" bIns="91425" anchor="ctr" anchorCtr="0">
             <a:noAutofit/>
           </a:bodyPr>
           <a:lstStyle>
@@ -3906,7 +4043,7 @@
             </a:lvl9pPr>
           </a:lstStyle>
           <a:p>
-            <a:pPr indent="0" lvl="0" marL="0" rtl="0" algn="r">
+            <a:pPr marL="0" lvl="0" indent="0" algn="r" rtl="0">
               <a:spcBef>
                 <a:spcPts val="0"/>
               </a:spcBef>
@@ -3932,11 +4069,11 @@
 </file>
 
 <file path=ppt/slideLayouts/slideLayout4.xml><?xml version="1.0" encoding="utf-8"?>
-<p:sldLayout xmlns:a="http://schemas.openxmlformats.org/drawingml/2006/main" xmlns:r="http://schemas.openxmlformats.org/officeDocument/2006/relationships" xmlns:mc="http://schemas.openxmlformats.org/markup-compatibility/2006" xmlns:mv="urn:schemas-microsoft-com:mac:vml" xmlns:p="http://schemas.openxmlformats.org/presentationml/2006/main" xmlns:c="http://schemas.openxmlformats.org/drawingml/2006/chart" xmlns:dgm="http://schemas.openxmlformats.org/drawingml/2006/diagram" xmlns:o="urn:schemas-microsoft-com:office:office" xmlns:v="urn:schemas-microsoft-com:vml" xmlns:pvml="urn:schemas-microsoft-com:office:powerpoint" xmlns:com="http://schemas.openxmlformats.org/drawingml/2006/compatibility" xmlns:p14="http://schemas.microsoft.com/office/powerpoint/2010/main" xmlns:p15="http://schemas.microsoft.com/office/powerpoint/2012/main" matchingName="Title and two columns" type="twoColTx">
+<p:sldLayout xmlns:a="http://schemas.openxmlformats.org/drawingml/2006/main" xmlns:r="http://schemas.openxmlformats.org/officeDocument/2006/relationships" xmlns:p="http://schemas.openxmlformats.org/presentationml/2006/main" matchingName="Title and two columns" type="twoColTx">
   <p:cSld name="TITLE_AND_TWO_COLUMNS">
     <p:spTree>
       <p:nvGrpSpPr>
-        <p:cNvPr id="24" name="Shape 24"/>
+        <p:cNvPr id="1" name="Shape 24"/>
         <p:cNvGrpSpPr/>
         <p:nvPr/>
       </p:nvGrpSpPr>
@@ -3951,7 +4088,9 @@
       <p:sp>
         <p:nvSpPr>
           <p:cNvPr id="25" name="Google Shape;25;p5"/>
-          <p:cNvSpPr txBox="1"/>
+          <p:cNvSpPr txBox="1">
+            <a:spLocks noGrp="1"/>
+          </p:cNvSpPr>
           <p:nvPr>
             <p:ph type="title"/>
           </p:nvPr>
@@ -3966,7 +4105,7 @@
           </a:prstGeom>
         </p:spPr>
         <p:txBody>
-          <a:bodyPr anchorCtr="0" anchor="t" bIns="91425" lIns="91425" spcFirstLastPara="1" rIns="91425" wrap="square" tIns="91425">
+          <a:bodyPr spcFirstLastPara="1" wrap="square" lIns="91425" tIns="91425" rIns="91425" bIns="91425" anchor="t" anchorCtr="0">
             <a:noAutofit/>
           </a:bodyPr>
           <a:lstStyle>
@@ -4070,15 +4209,19 @@
               <a:defRPr/>
             </a:lvl9pPr>
           </a:lstStyle>
-          <a:p/>
+          <a:p>
+            <a:endParaRPr/>
+          </a:p>
         </p:txBody>
       </p:sp>
       <p:sp>
         <p:nvSpPr>
           <p:cNvPr id="26" name="Google Shape;26;p5"/>
-          <p:cNvSpPr txBox="1"/>
+          <p:cNvSpPr txBox="1">
+            <a:spLocks noGrp="1"/>
+          </p:cNvSpPr>
           <p:nvPr>
-            <p:ph idx="1" type="body"/>
+            <p:ph type="body" idx="1"/>
           </p:nvPr>
         </p:nvSpPr>
         <p:spPr>
@@ -4091,11 +4234,11 @@
           </a:prstGeom>
         </p:spPr>
         <p:txBody>
-          <a:bodyPr anchorCtr="0" anchor="t" bIns="91425" lIns="91425" spcFirstLastPara="1" rIns="91425" wrap="square" tIns="91425">
+          <a:bodyPr spcFirstLastPara="1" wrap="square" lIns="91425" tIns="91425" rIns="91425" bIns="91425" anchor="t" anchorCtr="0">
             <a:noAutofit/>
           </a:bodyPr>
           <a:lstStyle>
-            <a:lvl1pPr indent="-317500" lvl="0" marL="457200">
+            <a:lvl1pPr marL="457200" lvl="0" indent="-317500">
               <a:spcBef>
                 <a:spcPts val="0"/>
               </a:spcBef>
@@ -4106,7 +4249,7 @@
               <a:buChar char="●"/>
               <a:defRPr sz="1400"/>
             </a:lvl1pPr>
-            <a:lvl2pPr indent="-304800" lvl="1" marL="914400">
+            <a:lvl2pPr marL="914400" lvl="1" indent="-304800">
               <a:spcBef>
                 <a:spcPts val="1600"/>
               </a:spcBef>
@@ -4117,7 +4260,7 @@
               <a:buChar char="○"/>
               <a:defRPr sz="1200"/>
             </a:lvl2pPr>
-            <a:lvl3pPr indent="-304800" lvl="2" marL="1371600">
+            <a:lvl3pPr marL="1371600" lvl="2" indent="-304800">
               <a:spcBef>
                 <a:spcPts val="1600"/>
               </a:spcBef>
@@ -4128,7 +4271,7 @@
               <a:buChar char="■"/>
               <a:defRPr sz="1200"/>
             </a:lvl3pPr>
-            <a:lvl4pPr indent="-304800" lvl="3" marL="1828800">
+            <a:lvl4pPr marL="1828800" lvl="3" indent="-304800">
               <a:spcBef>
                 <a:spcPts val="1600"/>
               </a:spcBef>
@@ -4139,7 +4282,7 @@
               <a:buChar char="●"/>
               <a:defRPr sz="1200"/>
             </a:lvl4pPr>
-            <a:lvl5pPr indent="-304800" lvl="4" marL="2286000">
+            <a:lvl5pPr marL="2286000" lvl="4" indent="-304800">
               <a:spcBef>
                 <a:spcPts val="1600"/>
               </a:spcBef>
@@ -4150,7 +4293,7 @@
               <a:buChar char="○"/>
               <a:defRPr sz="1200"/>
             </a:lvl5pPr>
-            <a:lvl6pPr indent="-304800" lvl="5" marL="2743200">
+            <a:lvl6pPr marL="2743200" lvl="5" indent="-304800">
               <a:spcBef>
                 <a:spcPts val="1600"/>
               </a:spcBef>
@@ -4161,7 +4304,7 @@
               <a:buChar char="■"/>
               <a:defRPr sz="1200"/>
             </a:lvl6pPr>
-            <a:lvl7pPr indent="-304800" lvl="6" marL="3200400">
+            <a:lvl7pPr marL="3200400" lvl="6" indent="-304800">
               <a:spcBef>
                 <a:spcPts val="1600"/>
               </a:spcBef>
@@ -4172,7 +4315,7 @@
               <a:buChar char="●"/>
               <a:defRPr sz="1200"/>
             </a:lvl7pPr>
-            <a:lvl8pPr indent="-304800" lvl="7" marL="3657600">
+            <a:lvl8pPr marL="3657600" lvl="7" indent="-304800">
               <a:spcBef>
                 <a:spcPts val="1600"/>
               </a:spcBef>
@@ -4183,7 +4326,7 @@
               <a:buChar char="○"/>
               <a:defRPr sz="1200"/>
             </a:lvl8pPr>
-            <a:lvl9pPr indent="-304800" lvl="8" marL="4114800">
+            <a:lvl9pPr marL="4114800" lvl="8" indent="-304800">
               <a:spcBef>
                 <a:spcPts val="1600"/>
               </a:spcBef>
@@ -4195,15 +4338,19 @@
               <a:defRPr sz="1200"/>
             </a:lvl9pPr>
           </a:lstStyle>
-          <a:p/>
+          <a:p>
+            <a:endParaRPr/>
+          </a:p>
         </p:txBody>
       </p:sp>
       <p:sp>
         <p:nvSpPr>
           <p:cNvPr id="27" name="Google Shape;27;p5"/>
-          <p:cNvSpPr txBox="1"/>
+          <p:cNvSpPr txBox="1">
+            <a:spLocks noGrp="1"/>
+          </p:cNvSpPr>
           <p:nvPr>
-            <p:ph idx="2" type="body"/>
+            <p:ph type="body" idx="2"/>
           </p:nvPr>
         </p:nvSpPr>
         <p:spPr>
@@ -4216,11 +4363,11 @@
           </a:prstGeom>
         </p:spPr>
         <p:txBody>
-          <a:bodyPr anchorCtr="0" anchor="t" bIns="91425" lIns="91425" spcFirstLastPara="1" rIns="91425" wrap="square" tIns="91425">
+          <a:bodyPr spcFirstLastPara="1" wrap="square" lIns="91425" tIns="91425" rIns="91425" bIns="91425" anchor="t" anchorCtr="0">
             <a:noAutofit/>
           </a:bodyPr>
           <a:lstStyle>
-            <a:lvl1pPr indent="-317500" lvl="0" marL="457200">
+            <a:lvl1pPr marL="457200" lvl="0" indent="-317500">
               <a:spcBef>
                 <a:spcPts val="0"/>
               </a:spcBef>
@@ -4231,7 +4378,7 @@
               <a:buChar char="●"/>
               <a:defRPr sz="1400"/>
             </a:lvl1pPr>
-            <a:lvl2pPr indent="-304800" lvl="1" marL="914400">
+            <a:lvl2pPr marL="914400" lvl="1" indent="-304800">
               <a:spcBef>
                 <a:spcPts val="1600"/>
               </a:spcBef>
@@ -4242,7 +4389,7 @@
               <a:buChar char="○"/>
               <a:defRPr sz="1200"/>
             </a:lvl2pPr>
-            <a:lvl3pPr indent="-304800" lvl="2" marL="1371600">
+            <a:lvl3pPr marL="1371600" lvl="2" indent="-304800">
               <a:spcBef>
                 <a:spcPts val="1600"/>
               </a:spcBef>
@@ -4253,7 +4400,7 @@
               <a:buChar char="■"/>
               <a:defRPr sz="1200"/>
             </a:lvl3pPr>
-            <a:lvl4pPr indent="-304800" lvl="3" marL="1828800">
+            <a:lvl4pPr marL="1828800" lvl="3" indent="-304800">
               <a:spcBef>
                 <a:spcPts val="1600"/>
               </a:spcBef>
@@ -4264,7 +4411,7 @@
               <a:buChar char="●"/>
               <a:defRPr sz="1200"/>
             </a:lvl4pPr>
-            <a:lvl5pPr indent="-304800" lvl="4" marL="2286000">
+            <a:lvl5pPr marL="2286000" lvl="4" indent="-304800">
               <a:spcBef>
                 <a:spcPts val="1600"/>
               </a:spcBef>
@@ -4275,7 +4422,7 @@
               <a:buChar char="○"/>
               <a:defRPr sz="1200"/>
             </a:lvl5pPr>
-            <a:lvl6pPr indent="-304800" lvl="5" marL="2743200">
+            <a:lvl6pPr marL="2743200" lvl="5" indent="-304800">
               <a:spcBef>
                 <a:spcPts val="1600"/>
               </a:spcBef>
@@ -4286,7 +4433,7 @@
               <a:buChar char="■"/>
               <a:defRPr sz="1200"/>
             </a:lvl6pPr>
-            <a:lvl7pPr indent="-304800" lvl="6" marL="3200400">
+            <a:lvl7pPr marL="3200400" lvl="6" indent="-304800">
               <a:spcBef>
                 <a:spcPts val="1600"/>
               </a:spcBef>
@@ -4297,7 +4444,7 @@
               <a:buChar char="●"/>
               <a:defRPr sz="1200"/>
             </a:lvl7pPr>
-            <a:lvl8pPr indent="-304800" lvl="7" marL="3657600">
+            <a:lvl8pPr marL="3657600" lvl="7" indent="-304800">
               <a:spcBef>
                 <a:spcPts val="1600"/>
               </a:spcBef>
@@ -4308,7 +4455,7 @@
               <a:buChar char="○"/>
               <a:defRPr sz="1200"/>
             </a:lvl8pPr>
-            <a:lvl9pPr indent="-304800" lvl="8" marL="4114800">
+            <a:lvl9pPr marL="4114800" lvl="8" indent="-304800">
               <a:spcBef>
                 <a:spcPts val="1600"/>
               </a:spcBef>
@@ -4320,15 +4467,19 @@
               <a:defRPr sz="1200"/>
             </a:lvl9pPr>
           </a:lstStyle>
-          <a:p/>
+          <a:p>
+            <a:endParaRPr/>
+          </a:p>
         </p:txBody>
       </p:sp>
       <p:sp>
         <p:nvSpPr>
           <p:cNvPr id="28" name="Google Shape;28;p5"/>
-          <p:cNvSpPr txBox="1"/>
+          <p:cNvSpPr txBox="1">
+            <a:spLocks noGrp="1"/>
+          </p:cNvSpPr>
           <p:nvPr>
-            <p:ph idx="12" type="sldNum"/>
+            <p:ph type="sldNum" idx="12"/>
           </p:nvPr>
         </p:nvSpPr>
         <p:spPr>
@@ -4341,7 +4492,7 @@
           </a:prstGeom>
         </p:spPr>
         <p:txBody>
-          <a:bodyPr anchorCtr="0" anchor="ctr" bIns="91425" lIns="91425" spcFirstLastPara="1" rIns="91425" wrap="square" tIns="91425">
+          <a:bodyPr spcFirstLastPara="1" wrap="square" lIns="91425" tIns="91425" rIns="91425" bIns="91425" anchor="ctr" anchorCtr="0">
             <a:noAutofit/>
           </a:bodyPr>
           <a:lstStyle>
@@ -4383,7 +4534,7 @@
             </a:lvl9pPr>
           </a:lstStyle>
           <a:p>
-            <a:pPr indent="0" lvl="0" marL="0" rtl="0" algn="r">
+            <a:pPr marL="0" lvl="0" indent="0" algn="r" rtl="0">
               <a:spcBef>
                 <a:spcPts val="0"/>
               </a:spcBef>
@@ -4409,11 +4560,11 @@
 </file>
 
 <file path=ppt/slideLayouts/slideLayout5.xml><?xml version="1.0" encoding="utf-8"?>
-<p:sldLayout xmlns:a="http://schemas.openxmlformats.org/drawingml/2006/main" xmlns:r="http://schemas.openxmlformats.org/officeDocument/2006/relationships" xmlns:mc="http://schemas.openxmlformats.org/markup-compatibility/2006" xmlns:mv="urn:schemas-microsoft-com:mac:vml" xmlns:p="http://schemas.openxmlformats.org/presentationml/2006/main" xmlns:c="http://schemas.openxmlformats.org/drawingml/2006/chart" xmlns:dgm="http://schemas.openxmlformats.org/drawingml/2006/diagram" xmlns:o="urn:schemas-microsoft-com:office:office" xmlns:v="urn:schemas-microsoft-com:vml" xmlns:pvml="urn:schemas-microsoft-com:office:powerpoint" xmlns:com="http://schemas.openxmlformats.org/drawingml/2006/compatibility" xmlns:p14="http://schemas.microsoft.com/office/powerpoint/2010/main" xmlns:p15="http://schemas.microsoft.com/office/powerpoint/2012/main" matchingName="Title only" type="titleOnly">
+<p:sldLayout xmlns:a="http://schemas.openxmlformats.org/drawingml/2006/main" xmlns:r="http://schemas.openxmlformats.org/officeDocument/2006/relationships" xmlns:p="http://schemas.openxmlformats.org/presentationml/2006/main" matchingName="Title only" type="titleOnly">
   <p:cSld name="TITLE_ONLY">
     <p:spTree>
       <p:nvGrpSpPr>
-        <p:cNvPr id="29" name="Shape 29"/>
+        <p:cNvPr id="1" name="Shape 29"/>
         <p:cNvGrpSpPr/>
         <p:nvPr/>
       </p:nvGrpSpPr>
@@ -4428,7 +4579,9 @@
       <p:sp>
         <p:nvSpPr>
           <p:cNvPr id="30" name="Google Shape;30;p6"/>
-          <p:cNvSpPr txBox="1"/>
+          <p:cNvSpPr txBox="1">
+            <a:spLocks noGrp="1"/>
+          </p:cNvSpPr>
           <p:nvPr>
             <p:ph type="title"/>
           </p:nvPr>
@@ -4443,7 +4596,7 @@
           </a:prstGeom>
         </p:spPr>
         <p:txBody>
-          <a:bodyPr anchorCtr="0" anchor="t" bIns="91425" lIns="91425" spcFirstLastPara="1" rIns="91425" wrap="square" tIns="91425">
+          <a:bodyPr spcFirstLastPara="1" wrap="square" lIns="91425" tIns="91425" rIns="91425" bIns="91425" anchor="t" anchorCtr="0">
             <a:noAutofit/>
           </a:bodyPr>
           <a:lstStyle>
@@ -4547,15 +4700,19 @@
               <a:defRPr/>
             </a:lvl9pPr>
           </a:lstStyle>
-          <a:p/>
+          <a:p>
+            <a:endParaRPr/>
+          </a:p>
         </p:txBody>
       </p:sp>
       <p:sp>
         <p:nvSpPr>
           <p:cNvPr id="31" name="Google Shape;31;p6"/>
-          <p:cNvSpPr txBox="1"/>
+          <p:cNvSpPr txBox="1">
+            <a:spLocks noGrp="1"/>
+          </p:cNvSpPr>
           <p:nvPr>
-            <p:ph idx="12" type="sldNum"/>
+            <p:ph type="sldNum" idx="12"/>
           </p:nvPr>
         </p:nvSpPr>
         <p:spPr>
@@ -4568,7 +4725,7 @@
           </a:prstGeom>
         </p:spPr>
         <p:txBody>
-          <a:bodyPr anchorCtr="0" anchor="ctr" bIns="91425" lIns="91425" spcFirstLastPara="1" rIns="91425" wrap="square" tIns="91425">
+          <a:bodyPr spcFirstLastPara="1" wrap="square" lIns="91425" tIns="91425" rIns="91425" bIns="91425" anchor="ctr" anchorCtr="0">
             <a:noAutofit/>
           </a:bodyPr>
           <a:lstStyle>
@@ -4610,7 +4767,7 @@
             </a:lvl9pPr>
           </a:lstStyle>
           <a:p>
-            <a:pPr indent="0" lvl="0" marL="0" rtl="0" algn="r">
+            <a:pPr marL="0" lvl="0" indent="0" algn="r" rtl="0">
               <a:spcBef>
                 <a:spcPts val="0"/>
               </a:spcBef>
@@ -4636,11 +4793,11 @@
 </file>
 
 <file path=ppt/slideLayouts/slideLayout6.xml><?xml version="1.0" encoding="utf-8"?>
-<p:sldLayout xmlns:a="http://schemas.openxmlformats.org/drawingml/2006/main" xmlns:r="http://schemas.openxmlformats.org/officeDocument/2006/relationships" xmlns:mc="http://schemas.openxmlformats.org/markup-compatibility/2006" xmlns:mv="urn:schemas-microsoft-com:mac:vml" xmlns:p="http://schemas.openxmlformats.org/presentationml/2006/main" xmlns:c="http://schemas.openxmlformats.org/drawingml/2006/chart" xmlns:dgm="http://schemas.openxmlformats.org/drawingml/2006/diagram" xmlns:o="urn:schemas-microsoft-com:office:office" xmlns:v="urn:schemas-microsoft-com:vml" xmlns:pvml="urn:schemas-microsoft-com:office:powerpoint" xmlns:com="http://schemas.openxmlformats.org/drawingml/2006/compatibility" xmlns:p14="http://schemas.microsoft.com/office/powerpoint/2010/main" xmlns:p15="http://schemas.microsoft.com/office/powerpoint/2012/main" matchingName="One column text">
+<p:sldLayout xmlns:a="http://schemas.openxmlformats.org/drawingml/2006/main" xmlns:r="http://schemas.openxmlformats.org/officeDocument/2006/relationships" xmlns:p="http://schemas.openxmlformats.org/presentationml/2006/main" matchingName="One column text">
   <p:cSld name="ONE_COLUMN_TEXT">
     <p:spTree>
       <p:nvGrpSpPr>
-        <p:cNvPr id="32" name="Shape 32"/>
+        <p:cNvPr id="1" name="Shape 32"/>
         <p:cNvGrpSpPr/>
         <p:nvPr/>
       </p:nvGrpSpPr>
@@ -4655,7 +4812,9 @@
       <p:sp>
         <p:nvSpPr>
           <p:cNvPr id="33" name="Google Shape;33;p7"/>
-          <p:cNvSpPr txBox="1"/>
+          <p:cNvSpPr txBox="1">
+            <a:spLocks noGrp="1"/>
+          </p:cNvSpPr>
           <p:nvPr>
             <p:ph type="title"/>
           </p:nvPr>
@@ -4670,7 +4829,7 @@
           </a:prstGeom>
         </p:spPr>
         <p:txBody>
-          <a:bodyPr anchorCtr="0" anchor="b" bIns="91425" lIns="91425" spcFirstLastPara="1" rIns="91425" wrap="square" tIns="91425">
+          <a:bodyPr spcFirstLastPara="1" wrap="square" lIns="91425" tIns="91425" rIns="91425" bIns="91425" anchor="b" anchorCtr="0">
             <a:noAutofit/>
           </a:bodyPr>
           <a:lstStyle>
@@ -4774,15 +4933,19 @@
               <a:defRPr sz="2400"/>
             </a:lvl9pPr>
           </a:lstStyle>
-          <a:p/>
+          <a:p>
+            <a:endParaRPr/>
+          </a:p>
         </p:txBody>
       </p:sp>
       <p:sp>
         <p:nvSpPr>
           <p:cNvPr id="34" name="Google Shape;34;p7"/>
-          <p:cNvSpPr txBox="1"/>
+          <p:cNvSpPr txBox="1">
+            <a:spLocks noGrp="1"/>
+          </p:cNvSpPr>
           <p:nvPr>
-            <p:ph idx="1" type="body"/>
+            <p:ph type="body" idx="1"/>
           </p:nvPr>
         </p:nvSpPr>
         <p:spPr>
@@ -4795,11 +4958,11 @@
           </a:prstGeom>
         </p:spPr>
         <p:txBody>
-          <a:bodyPr anchorCtr="0" anchor="t" bIns="91425" lIns="91425" spcFirstLastPara="1" rIns="91425" wrap="square" tIns="91425">
+          <a:bodyPr spcFirstLastPara="1" wrap="square" lIns="91425" tIns="91425" rIns="91425" bIns="91425" anchor="t" anchorCtr="0">
             <a:noAutofit/>
           </a:bodyPr>
           <a:lstStyle>
-            <a:lvl1pPr indent="-304800" lvl="0" marL="457200">
+            <a:lvl1pPr marL="457200" lvl="0" indent="-304800">
               <a:spcBef>
                 <a:spcPts val="0"/>
               </a:spcBef>
@@ -4810,7 +4973,7 @@
               <a:buChar char="●"/>
               <a:defRPr sz="1200"/>
             </a:lvl1pPr>
-            <a:lvl2pPr indent="-304800" lvl="1" marL="914400">
+            <a:lvl2pPr marL="914400" lvl="1" indent="-304800">
               <a:spcBef>
                 <a:spcPts val="1600"/>
               </a:spcBef>
@@ -4821,7 +4984,7 @@
               <a:buChar char="○"/>
               <a:defRPr sz="1200"/>
             </a:lvl2pPr>
-            <a:lvl3pPr indent="-304800" lvl="2" marL="1371600">
+            <a:lvl3pPr marL="1371600" lvl="2" indent="-304800">
               <a:spcBef>
                 <a:spcPts val="1600"/>
               </a:spcBef>
@@ -4832,7 +4995,7 @@
               <a:buChar char="■"/>
               <a:defRPr sz="1200"/>
             </a:lvl3pPr>
-            <a:lvl4pPr indent="-304800" lvl="3" marL="1828800">
+            <a:lvl4pPr marL="1828800" lvl="3" indent="-304800">
               <a:spcBef>
                 <a:spcPts val="1600"/>
               </a:spcBef>
@@ -4843,7 +5006,7 @@
               <a:buChar char="●"/>
               <a:defRPr sz="1200"/>
             </a:lvl4pPr>
-            <a:lvl5pPr indent="-304800" lvl="4" marL="2286000">
+            <a:lvl5pPr marL="2286000" lvl="4" indent="-304800">
               <a:spcBef>
                 <a:spcPts val="1600"/>
               </a:spcBef>
@@ -4854,7 +5017,7 @@
               <a:buChar char="○"/>
               <a:defRPr sz="1200"/>
             </a:lvl5pPr>
-            <a:lvl6pPr indent="-304800" lvl="5" marL="2743200">
+            <a:lvl6pPr marL="2743200" lvl="5" indent="-304800">
               <a:spcBef>
                 <a:spcPts val="1600"/>
               </a:spcBef>
@@ -4865,7 +5028,7 @@
               <a:buChar char="■"/>
               <a:defRPr sz="1200"/>
             </a:lvl6pPr>
-            <a:lvl7pPr indent="-304800" lvl="6" marL="3200400">
+            <a:lvl7pPr marL="3200400" lvl="6" indent="-304800">
               <a:spcBef>
                 <a:spcPts val="1600"/>
               </a:spcBef>
@@ -4876,7 +5039,7 @@
               <a:buChar char="●"/>
               <a:defRPr sz="1200"/>
             </a:lvl7pPr>
-            <a:lvl8pPr indent="-304800" lvl="7" marL="3657600">
+            <a:lvl8pPr marL="3657600" lvl="7" indent="-304800">
               <a:spcBef>
                 <a:spcPts val="1600"/>
               </a:spcBef>
@@ -4887,7 +5050,7 @@
               <a:buChar char="○"/>
               <a:defRPr sz="1200"/>
             </a:lvl8pPr>
-            <a:lvl9pPr indent="-304800" lvl="8" marL="4114800">
+            <a:lvl9pPr marL="4114800" lvl="8" indent="-304800">
               <a:spcBef>
                 <a:spcPts val="1600"/>
               </a:spcBef>
@@ -4899,15 +5062,19 @@
               <a:defRPr sz="1200"/>
             </a:lvl9pPr>
           </a:lstStyle>
-          <a:p/>
+          <a:p>
+            <a:endParaRPr/>
+          </a:p>
         </p:txBody>
       </p:sp>
       <p:sp>
         <p:nvSpPr>
           <p:cNvPr id="35" name="Google Shape;35;p7"/>
-          <p:cNvSpPr txBox="1"/>
+          <p:cNvSpPr txBox="1">
+            <a:spLocks noGrp="1"/>
+          </p:cNvSpPr>
           <p:nvPr>
-            <p:ph idx="12" type="sldNum"/>
+            <p:ph type="sldNum" idx="12"/>
           </p:nvPr>
         </p:nvSpPr>
         <p:spPr>
@@ -4920,7 +5087,7 @@
           </a:prstGeom>
         </p:spPr>
         <p:txBody>
-          <a:bodyPr anchorCtr="0" anchor="ctr" bIns="91425" lIns="91425" spcFirstLastPara="1" rIns="91425" wrap="square" tIns="91425">
+          <a:bodyPr spcFirstLastPara="1" wrap="square" lIns="91425" tIns="91425" rIns="91425" bIns="91425" anchor="ctr" anchorCtr="0">
             <a:noAutofit/>
           </a:bodyPr>
           <a:lstStyle>
@@ -4962,7 +5129,7 @@
             </a:lvl9pPr>
           </a:lstStyle>
           <a:p>
-            <a:pPr indent="0" lvl="0" marL="0" rtl="0" algn="r">
+            <a:pPr marL="0" lvl="0" indent="0" algn="r" rtl="0">
               <a:spcBef>
                 <a:spcPts val="0"/>
               </a:spcBef>
@@ -4988,18 +5155,19 @@
 </file>
 
 <file path=ppt/slideLayouts/slideLayout7.xml><?xml version="1.0" encoding="utf-8"?>
-<p:sldLayout xmlns:a="http://schemas.openxmlformats.org/drawingml/2006/main" xmlns:r="http://schemas.openxmlformats.org/officeDocument/2006/relationships" xmlns:mc="http://schemas.openxmlformats.org/markup-compatibility/2006" xmlns:mv="urn:schemas-microsoft-com:mac:vml" xmlns:p="http://schemas.openxmlformats.org/presentationml/2006/main" xmlns:c="http://schemas.openxmlformats.org/drawingml/2006/chart" xmlns:dgm="http://schemas.openxmlformats.org/drawingml/2006/diagram" xmlns:o="urn:schemas-microsoft-com:office:office" xmlns:v="urn:schemas-microsoft-com:vml" xmlns:pvml="urn:schemas-microsoft-com:office:powerpoint" xmlns:com="http://schemas.openxmlformats.org/drawingml/2006/compatibility" xmlns:p14="http://schemas.microsoft.com/office/powerpoint/2010/main" xmlns:p15="http://schemas.microsoft.com/office/powerpoint/2012/main" matchingName="Main point">
+<p:sldLayout xmlns:a="http://schemas.openxmlformats.org/drawingml/2006/main" xmlns:r="http://schemas.openxmlformats.org/officeDocument/2006/relationships" xmlns:p="http://schemas.openxmlformats.org/presentationml/2006/main" matchingName="Main point">
   <p:cSld name="MAIN_POINT">
     <p:bg>
       <p:bgPr>
         <a:solidFill>
           <a:schemeClr val="lt2"/>
         </a:solidFill>
+        <a:effectLst/>
       </p:bgPr>
     </p:bg>
     <p:spTree>
       <p:nvGrpSpPr>
-        <p:cNvPr id="36" name="Shape 36"/>
+        <p:cNvPr id="1" name="Shape 36"/>
         <p:cNvGrpSpPr/>
         <p:nvPr/>
       </p:nvGrpSpPr>
@@ -5014,7 +5182,9 @@
       <p:sp>
         <p:nvSpPr>
           <p:cNvPr id="37" name="Google Shape;37;p8"/>
-          <p:cNvSpPr txBox="1"/>
+          <p:cNvSpPr txBox="1">
+            <a:spLocks noGrp="1"/>
+          </p:cNvSpPr>
           <p:nvPr>
             <p:ph type="title"/>
           </p:nvPr>
@@ -5029,7 +5199,7 @@
           </a:prstGeom>
         </p:spPr>
         <p:txBody>
-          <a:bodyPr anchorCtr="0" anchor="ctr" bIns="91425" lIns="91425" spcFirstLastPara="1" rIns="91425" wrap="square" tIns="91425">
+          <a:bodyPr spcFirstLastPara="1" wrap="square" lIns="91425" tIns="91425" rIns="91425" bIns="91425" anchor="ctr" anchorCtr="0">
             <a:noAutofit/>
           </a:bodyPr>
           <a:lstStyle>
@@ -5196,15 +5366,19 @@
               </a:defRPr>
             </a:lvl9pPr>
           </a:lstStyle>
-          <a:p/>
+          <a:p>
+            <a:endParaRPr/>
+          </a:p>
         </p:txBody>
       </p:sp>
       <p:sp>
         <p:nvSpPr>
           <p:cNvPr id="38" name="Google Shape;38;p8"/>
-          <p:cNvSpPr txBox="1"/>
+          <p:cNvSpPr txBox="1">
+            <a:spLocks noGrp="1"/>
+          </p:cNvSpPr>
           <p:nvPr>
-            <p:ph idx="12" type="sldNum"/>
+            <p:ph type="sldNum" idx="12"/>
           </p:nvPr>
         </p:nvSpPr>
         <p:spPr>
@@ -5217,7 +5391,7 @@
           </a:prstGeom>
         </p:spPr>
         <p:txBody>
-          <a:bodyPr anchorCtr="0" anchor="ctr" bIns="91425" lIns="91425" spcFirstLastPara="1" rIns="91425" wrap="square" tIns="91425">
+          <a:bodyPr spcFirstLastPara="1" wrap="square" lIns="91425" tIns="91425" rIns="91425" bIns="91425" anchor="ctr" anchorCtr="0">
             <a:noAutofit/>
           </a:bodyPr>
           <a:lstStyle>
@@ -5295,7 +5469,7 @@
             </a:lvl9pPr>
           </a:lstStyle>
           <a:p>
-            <a:pPr indent="0" lvl="0" marL="0" rtl="0" algn="r">
+            <a:pPr marL="0" lvl="0" indent="0" algn="r" rtl="0">
               <a:spcBef>
                 <a:spcPts val="0"/>
               </a:spcBef>
@@ -5321,11 +5495,11 @@
 </file>
 
 <file path=ppt/slideLayouts/slideLayout8.xml><?xml version="1.0" encoding="utf-8"?>
-<p:sldLayout xmlns:a="http://schemas.openxmlformats.org/drawingml/2006/main" xmlns:r="http://schemas.openxmlformats.org/officeDocument/2006/relationships" xmlns:mc="http://schemas.openxmlformats.org/markup-compatibility/2006" xmlns:mv="urn:schemas-microsoft-com:mac:vml" xmlns:p="http://schemas.openxmlformats.org/presentationml/2006/main" xmlns:c="http://schemas.openxmlformats.org/drawingml/2006/chart" xmlns:dgm="http://schemas.openxmlformats.org/drawingml/2006/diagram" xmlns:o="urn:schemas-microsoft-com:office:office" xmlns:v="urn:schemas-microsoft-com:vml" xmlns:pvml="urn:schemas-microsoft-com:office:powerpoint" xmlns:com="http://schemas.openxmlformats.org/drawingml/2006/compatibility" xmlns:p14="http://schemas.microsoft.com/office/powerpoint/2010/main" xmlns:p15="http://schemas.microsoft.com/office/powerpoint/2012/main" matchingName="Section title and description">
+<p:sldLayout xmlns:a="http://schemas.openxmlformats.org/drawingml/2006/main" xmlns:r="http://schemas.openxmlformats.org/officeDocument/2006/relationships" xmlns:p="http://schemas.openxmlformats.org/presentationml/2006/main" matchingName="Section title and description">
   <p:cSld name="SECTION_TITLE_AND_DESCRIPTION">
     <p:spTree>
       <p:nvGrpSpPr>
-        <p:cNvPr id="39" name="Shape 39"/>
+        <p:cNvPr id="1" name="Shape 39"/>
         <p:cNvGrpSpPr/>
         <p:nvPr/>
       </p:nvGrpSpPr>
@@ -5359,23 +5533,20 @@
           </a:ln>
         </p:spPr>
         <p:txBody>
-          <a:bodyPr anchorCtr="0" anchor="ctr" bIns="91425" lIns="91425" spcFirstLastPara="1" rIns="91425" wrap="square" tIns="91425">
+          <a:bodyPr spcFirstLastPara="1" wrap="square" lIns="91425" tIns="91425" rIns="91425" bIns="91425" anchor="ctr" anchorCtr="0">
             <a:noAutofit/>
           </a:bodyPr>
           <a:lstStyle/>
           <a:p>
-            <a:pPr indent="0" lvl="0" marL="0" rtl="0" algn="l">
-              <a:spcBef>
-                <a:spcPts val="0"/>
-              </a:spcBef>
-              <a:spcAft>
-                <a:spcPts val="0"/>
-              </a:spcAft>
-              <a:buNone/>
-            </a:pPr>
-            <a:r>
-              <a:t/>
-            </a:r>
+            <a:pPr marL="0" lvl="0" indent="0" algn="l" rtl="0">
+              <a:spcBef>
+                <a:spcPts val="0"/>
+              </a:spcBef>
+              <a:spcAft>
+                <a:spcPts val="0"/>
+              </a:spcAft>
+              <a:buNone/>
+            </a:pPr>
             <a:endParaRPr/>
           </a:p>
         </p:txBody>
@@ -5395,21 +5566,23 @@
             <a:avLst/>
           </a:prstGeom>
           <a:noFill/>
-          <a:ln cap="flat" cmpd="sng" w="19050">
+          <a:ln w="19050" cap="flat" cmpd="sng">
             <a:solidFill>
               <a:schemeClr val="lt1"/>
             </a:solidFill>
             <a:prstDash val="solid"/>
             <a:round/>
-            <a:headEnd len="sm" w="sm" type="none"/>
-            <a:tailEnd len="sm" w="sm" type="none"/>
+            <a:headEnd type="none" w="sm" len="sm"/>
+            <a:tailEnd type="none" w="sm" len="sm"/>
           </a:ln>
         </p:spPr>
       </p:cxnSp>
       <p:sp>
         <p:nvSpPr>
           <p:cNvPr id="42" name="Google Shape;42;p9"/>
-          <p:cNvSpPr txBox="1"/>
+          <p:cNvSpPr txBox="1">
+            <a:spLocks noGrp="1"/>
+          </p:cNvSpPr>
           <p:nvPr>
             <p:ph type="title"/>
           </p:nvPr>
@@ -5424,7 +5597,7 @@
           </a:prstGeom>
         </p:spPr>
         <p:txBody>
-          <a:bodyPr anchorCtr="0" anchor="b" bIns="91425" lIns="91425" spcFirstLastPara="1" rIns="91425" wrap="square" tIns="91425">
+          <a:bodyPr spcFirstLastPara="1" wrap="square" lIns="91425" tIns="91425" rIns="91425" bIns="91425" anchor="b" anchorCtr="0">
             <a:noAutofit/>
           </a:bodyPr>
           <a:lstStyle>
@@ -5528,15 +5701,19 @@
               <a:defRPr sz="4200"/>
             </a:lvl9pPr>
           </a:lstStyle>
-          <a:p/>
+          <a:p>
+            <a:endParaRPr/>
+          </a:p>
         </p:txBody>
       </p:sp>
       <p:sp>
         <p:nvSpPr>
           <p:cNvPr id="43" name="Google Shape;43;p9"/>
-          <p:cNvSpPr txBox="1"/>
+          <p:cNvSpPr txBox="1">
+            <a:spLocks noGrp="1"/>
+          </p:cNvSpPr>
           <p:nvPr>
-            <p:ph idx="1" type="subTitle"/>
+            <p:ph type="subTitle" idx="1"/>
           </p:nvPr>
         </p:nvSpPr>
         <p:spPr>
@@ -5549,7 +5726,7 @@
           </a:prstGeom>
         </p:spPr>
         <p:txBody>
-          <a:bodyPr anchorCtr="0" anchor="t" bIns="91425" lIns="91425" spcFirstLastPara="1" rIns="91425" wrap="square" tIns="91425">
+          <a:bodyPr spcFirstLastPara="1" wrap="square" lIns="91425" tIns="91425" rIns="91425" bIns="91425" anchor="t" anchorCtr="0">
             <a:noAutofit/>
           </a:bodyPr>
           <a:lstStyle>
@@ -5743,15 +5920,19 @@
               </a:defRPr>
             </a:lvl9pPr>
           </a:lstStyle>
-          <a:p/>
+          <a:p>
+            <a:endParaRPr/>
+          </a:p>
         </p:txBody>
       </p:sp>
       <p:sp>
         <p:nvSpPr>
           <p:cNvPr id="44" name="Google Shape;44;p9"/>
-          <p:cNvSpPr txBox="1"/>
+          <p:cNvSpPr txBox="1">
+            <a:spLocks noGrp="1"/>
+          </p:cNvSpPr>
           <p:nvPr>
-            <p:ph idx="2" type="body"/>
+            <p:ph type="body" idx="2"/>
           </p:nvPr>
         </p:nvSpPr>
         <p:spPr>
@@ -5764,11 +5945,11 @@
           </a:prstGeom>
         </p:spPr>
         <p:txBody>
-          <a:bodyPr anchorCtr="0" anchor="ctr" bIns="91425" lIns="91425" spcFirstLastPara="1" rIns="91425" wrap="square" tIns="91425">
+          <a:bodyPr spcFirstLastPara="1" wrap="square" lIns="91425" tIns="91425" rIns="91425" bIns="91425" anchor="ctr" anchorCtr="0">
             <a:noAutofit/>
           </a:bodyPr>
           <a:lstStyle>
-            <a:lvl1pPr indent="-342900" lvl="0" marL="457200">
+            <a:lvl1pPr marL="457200" lvl="0" indent="-342900">
               <a:spcBef>
                 <a:spcPts val="0"/>
               </a:spcBef>
@@ -5786,7 +5967,7 @@
                 </a:solidFill>
               </a:defRPr>
             </a:lvl1pPr>
-            <a:lvl2pPr indent="-317500" lvl="1" marL="914400">
+            <a:lvl2pPr marL="914400" lvl="1" indent="-317500">
               <a:spcBef>
                 <a:spcPts val="1600"/>
               </a:spcBef>
@@ -5804,7 +5985,7 @@
                 </a:solidFill>
               </a:defRPr>
             </a:lvl2pPr>
-            <a:lvl3pPr indent="-317500" lvl="2" marL="1371600">
+            <a:lvl3pPr marL="1371600" lvl="2" indent="-317500">
               <a:spcBef>
                 <a:spcPts val="1600"/>
               </a:spcBef>
@@ -5822,7 +6003,7 @@
                 </a:solidFill>
               </a:defRPr>
             </a:lvl3pPr>
-            <a:lvl4pPr indent="-317500" lvl="3" marL="1828800">
+            <a:lvl4pPr marL="1828800" lvl="3" indent="-317500">
               <a:spcBef>
                 <a:spcPts val="1600"/>
               </a:spcBef>
@@ -5840,7 +6021,7 @@
                 </a:solidFill>
               </a:defRPr>
             </a:lvl4pPr>
-            <a:lvl5pPr indent="-317500" lvl="4" marL="2286000">
+            <a:lvl5pPr marL="2286000" lvl="4" indent="-317500">
               <a:spcBef>
                 <a:spcPts val="1600"/>
               </a:spcBef>
@@ -5858,7 +6039,7 @@
                 </a:solidFill>
               </a:defRPr>
             </a:lvl5pPr>
-            <a:lvl6pPr indent="-317500" lvl="5" marL="2743200">
+            <a:lvl6pPr marL="2743200" lvl="5" indent="-317500">
               <a:spcBef>
                 <a:spcPts val="1600"/>
               </a:spcBef>
@@ -5876,7 +6057,7 @@
                 </a:solidFill>
               </a:defRPr>
             </a:lvl6pPr>
-            <a:lvl7pPr indent="-317500" lvl="6" marL="3200400">
+            <a:lvl7pPr marL="3200400" lvl="6" indent="-317500">
               <a:spcBef>
                 <a:spcPts val="1600"/>
               </a:spcBef>
@@ -5894,7 +6075,7 @@
                 </a:solidFill>
               </a:defRPr>
             </a:lvl7pPr>
-            <a:lvl8pPr indent="-317500" lvl="7" marL="3657600">
+            <a:lvl8pPr marL="3657600" lvl="7" indent="-317500">
               <a:spcBef>
                 <a:spcPts val="1600"/>
               </a:spcBef>
@@ -5912,7 +6093,7 @@
                 </a:solidFill>
               </a:defRPr>
             </a:lvl8pPr>
-            <a:lvl9pPr indent="-317500" lvl="8" marL="4114800">
+            <a:lvl9pPr marL="4114800" lvl="8" indent="-317500">
               <a:spcBef>
                 <a:spcPts val="1600"/>
               </a:spcBef>
@@ -5931,15 +6112,19 @@
               </a:defRPr>
             </a:lvl9pPr>
           </a:lstStyle>
-          <a:p/>
+          <a:p>
+            <a:endParaRPr/>
+          </a:p>
         </p:txBody>
       </p:sp>
       <p:sp>
         <p:nvSpPr>
           <p:cNvPr id="45" name="Google Shape;45;p9"/>
-          <p:cNvSpPr txBox="1"/>
+          <p:cNvSpPr txBox="1">
+            <a:spLocks noGrp="1"/>
+          </p:cNvSpPr>
           <p:nvPr>
-            <p:ph idx="12" type="sldNum"/>
+            <p:ph type="sldNum" idx="12"/>
           </p:nvPr>
         </p:nvSpPr>
         <p:spPr>
@@ -5952,7 +6137,7 @@
           </a:prstGeom>
         </p:spPr>
         <p:txBody>
-          <a:bodyPr anchorCtr="0" anchor="ctr" bIns="91425" lIns="91425" spcFirstLastPara="1" rIns="91425" wrap="square" tIns="91425">
+          <a:bodyPr spcFirstLastPara="1" wrap="square" lIns="91425" tIns="91425" rIns="91425" bIns="91425" anchor="ctr" anchorCtr="0">
             <a:noAutofit/>
           </a:bodyPr>
           <a:lstStyle>
@@ -6030,7 +6215,7 @@
             </a:lvl9pPr>
           </a:lstStyle>
           <a:p>
-            <a:pPr indent="0" lvl="0" marL="0" rtl="0" algn="r">
+            <a:pPr marL="0" lvl="0" indent="0" algn="r" rtl="0">
               <a:spcBef>
                 <a:spcPts val="0"/>
               </a:spcBef>
@@ -6056,11 +6241,11 @@
 </file>
 
 <file path=ppt/slideLayouts/slideLayout9.xml><?xml version="1.0" encoding="utf-8"?>
-<p:sldLayout xmlns:a="http://schemas.openxmlformats.org/drawingml/2006/main" xmlns:r="http://schemas.openxmlformats.org/officeDocument/2006/relationships" xmlns:mc="http://schemas.openxmlformats.org/markup-compatibility/2006" xmlns:mv="urn:schemas-microsoft-com:mac:vml" xmlns:p="http://schemas.openxmlformats.org/presentationml/2006/main" xmlns:c="http://schemas.openxmlformats.org/drawingml/2006/chart" xmlns:dgm="http://schemas.openxmlformats.org/drawingml/2006/diagram" xmlns:o="urn:schemas-microsoft-com:office:office" xmlns:v="urn:schemas-microsoft-com:vml" xmlns:pvml="urn:schemas-microsoft-com:office:powerpoint" xmlns:com="http://schemas.openxmlformats.org/drawingml/2006/compatibility" xmlns:p14="http://schemas.microsoft.com/office/powerpoint/2010/main" xmlns:p15="http://schemas.microsoft.com/office/powerpoint/2012/main" matchingName="Caption">
+<p:sldLayout xmlns:a="http://schemas.openxmlformats.org/drawingml/2006/main" xmlns:r="http://schemas.openxmlformats.org/officeDocument/2006/relationships" xmlns:p="http://schemas.openxmlformats.org/presentationml/2006/main" matchingName="Caption">
   <p:cSld name="CAPTION_ONLY">
     <p:spTree>
       <p:nvGrpSpPr>
-        <p:cNvPr id="46" name="Shape 46"/>
+        <p:cNvPr id="1" name="Shape 46"/>
         <p:cNvGrpSpPr/>
         <p:nvPr/>
       </p:nvGrpSpPr>
@@ -6075,9 +6260,11 @@
       <p:sp>
         <p:nvSpPr>
           <p:cNvPr id="47" name="Google Shape;47;p10"/>
-          <p:cNvSpPr txBox="1"/>
+          <p:cNvSpPr txBox="1">
+            <a:spLocks noGrp="1"/>
+          </p:cNvSpPr>
           <p:nvPr>
-            <p:ph idx="1" type="body"/>
+            <p:ph type="body" idx="1"/>
           </p:nvPr>
         </p:nvSpPr>
         <p:spPr>
@@ -6090,11 +6277,11 @@
           </a:prstGeom>
         </p:spPr>
         <p:txBody>
-          <a:bodyPr anchorCtr="0" anchor="ctr" bIns="91425" lIns="91425" spcFirstLastPara="1" rIns="91425" wrap="square" tIns="91425">
+          <a:bodyPr spcFirstLastPara="1" wrap="square" lIns="91425" tIns="91425" rIns="91425" bIns="91425" anchor="ctr" anchorCtr="0">
             <a:noAutofit/>
           </a:bodyPr>
           <a:lstStyle>
-            <a:lvl1pPr indent="-228600" lvl="0" marL="457200">
+            <a:lvl1pPr marL="457200" lvl="0" indent="-228600">
               <a:lnSpc>
                 <a:spcPct val="100000"/>
               </a:lnSpc>
@@ -6121,15 +6308,19 @@
               </a:defRPr>
             </a:lvl1pPr>
           </a:lstStyle>
-          <a:p/>
+          <a:p>
+            <a:endParaRPr/>
+          </a:p>
         </p:txBody>
       </p:sp>
       <p:sp>
         <p:nvSpPr>
           <p:cNvPr id="48" name="Google Shape;48;p10"/>
-          <p:cNvSpPr txBox="1"/>
+          <p:cNvSpPr txBox="1">
+            <a:spLocks noGrp="1"/>
+          </p:cNvSpPr>
           <p:nvPr>
-            <p:ph idx="12" type="sldNum"/>
+            <p:ph type="sldNum" idx="12"/>
           </p:nvPr>
         </p:nvSpPr>
         <p:spPr>
@@ -6142,7 +6333,7 @@
           </a:prstGeom>
         </p:spPr>
         <p:txBody>
-          <a:bodyPr anchorCtr="0" anchor="ctr" bIns="91425" lIns="91425" spcFirstLastPara="1" rIns="91425" wrap="square" tIns="91425">
+          <a:bodyPr spcFirstLastPara="1" wrap="square" lIns="91425" tIns="91425" rIns="91425" bIns="91425" anchor="ctr" anchorCtr="0">
             <a:noAutofit/>
           </a:bodyPr>
           <a:lstStyle>
@@ -6184,7 +6375,7 @@
             </a:lvl9pPr>
           </a:lstStyle>
           <a:p>
-            <a:pPr indent="0" lvl="0" marL="0" rtl="0" algn="r">
+            <a:pPr marL="0" lvl="0" indent="0" algn="r" rtl="0">
               <a:spcBef>
                 <a:spcPts val="0"/>
               </a:spcBef>
@@ -6210,18 +6401,19 @@
 </file>
 
 <file path=ppt/slideMasters/slideMaster1.xml><?xml version="1.0" encoding="utf-8"?>
-<p:sldMaster xmlns:a="http://schemas.openxmlformats.org/drawingml/2006/main" xmlns:r="http://schemas.openxmlformats.org/officeDocument/2006/relationships" xmlns:mc="http://schemas.openxmlformats.org/markup-compatibility/2006" xmlns:mv="urn:schemas-microsoft-com:mac:vml" xmlns:p="http://schemas.openxmlformats.org/presentationml/2006/main" xmlns:c="http://schemas.openxmlformats.org/drawingml/2006/chart" xmlns:dgm="http://schemas.openxmlformats.org/drawingml/2006/diagram" xmlns:o="urn:schemas-microsoft-com:office:office" xmlns:v="urn:schemas-microsoft-com:vml" xmlns:pvml="urn:schemas-microsoft-com:office:powerpoint" xmlns:com="http://schemas.openxmlformats.org/drawingml/2006/compatibility" xmlns:p14="http://schemas.microsoft.com/office/powerpoint/2010/main" xmlns:p15="http://schemas.microsoft.com/office/powerpoint/2012/main">
+<p:sldMaster xmlns:a="http://schemas.openxmlformats.org/drawingml/2006/main" xmlns:r="http://schemas.openxmlformats.org/officeDocument/2006/relationships" xmlns:p="http://schemas.openxmlformats.org/presentationml/2006/main">
   <p:cSld name="slate">
     <p:bg>
       <p:bgPr>
         <a:solidFill>
           <a:schemeClr val="lt1"/>
         </a:solidFill>
+        <a:effectLst/>
       </p:bgPr>
     </p:bg>
     <p:spTree>
       <p:nvGrpSpPr>
-        <p:cNvPr id="5" name="Shape 5"/>
+        <p:cNvPr id="1" name="Shape 5"/>
         <p:cNvGrpSpPr/>
         <p:nvPr/>
       </p:nvGrpSpPr>
@@ -6236,7 +6428,9 @@
       <p:sp>
         <p:nvSpPr>
           <p:cNvPr id="6" name="Google Shape;6;p1"/>
-          <p:cNvSpPr txBox="1"/>
+          <p:cNvSpPr txBox="1">
+            <a:spLocks noGrp="1"/>
+          </p:cNvSpPr>
           <p:nvPr>
             <p:ph type="title"/>
           </p:nvPr>
@@ -6255,7 +6449,7 @@
           </a:ln>
         </p:spPr>
         <p:txBody>
-          <a:bodyPr anchorCtr="0" anchor="t" bIns="91425" lIns="91425" spcFirstLastPara="1" rIns="91425" wrap="square" tIns="91425">
+          <a:bodyPr spcFirstLastPara="1" wrap="square" lIns="91425" tIns="91425" rIns="91425" bIns="91425" anchor="t" anchorCtr="0">
             <a:noAutofit/>
           </a:bodyPr>
           <a:lstStyle>
@@ -6467,15 +6661,19 @@
               </a:defRPr>
             </a:lvl9pPr>
           </a:lstStyle>
-          <a:p/>
+          <a:p>
+            <a:endParaRPr/>
+          </a:p>
         </p:txBody>
       </p:sp>
       <p:sp>
         <p:nvSpPr>
           <p:cNvPr id="7" name="Google Shape;7;p1"/>
-          <p:cNvSpPr txBox="1"/>
+          <p:cNvSpPr txBox="1">
+            <a:spLocks noGrp="1"/>
+          </p:cNvSpPr>
           <p:nvPr>
-            <p:ph idx="1" type="body"/>
+            <p:ph type="body" idx="1"/>
           </p:nvPr>
         </p:nvSpPr>
         <p:spPr>
@@ -6492,11 +6690,11 @@
           </a:ln>
         </p:spPr>
         <p:txBody>
-          <a:bodyPr anchorCtr="0" anchor="t" bIns="91425" lIns="91425" spcFirstLastPara="1" rIns="91425" wrap="square" tIns="91425">
+          <a:bodyPr spcFirstLastPara="1" wrap="square" lIns="91425" tIns="91425" rIns="91425" bIns="91425" anchor="t" anchorCtr="0">
             <a:noAutofit/>
           </a:bodyPr>
           <a:lstStyle>
-            <a:lvl1pPr indent="-342900" lvl="0" marL="457200">
+            <a:lvl1pPr marL="457200" lvl="0" indent="-342900">
               <a:lnSpc>
                 <a:spcPct val="115000"/>
               </a:lnSpc>
@@ -6522,7 +6720,7 @@
                 <a:sym typeface="Average"/>
               </a:defRPr>
             </a:lvl1pPr>
-            <a:lvl2pPr indent="-317500" lvl="1" marL="914400">
+            <a:lvl2pPr marL="914400" lvl="1" indent="-317500">
               <a:lnSpc>
                 <a:spcPct val="115000"/>
               </a:lnSpc>
@@ -6548,7 +6746,7 @@
                 <a:sym typeface="Average"/>
               </a:defRPr>
             </a:lvl2pPr>
-            <a:lvl3pPr indent="-317500" lvl="2" marL="1371600">
+            <a:lvl3pPr marL="1371600" lvl="2" indent="-317500">
               <a:lnSpc>
                 <a:spcPct val="115000"/>
               </a:lnSpc>
@@ -6574,7 +6772,7 @@
                 <a:sym typeface="Average"/>
               </a:defRPr>
             </a:lvl3pPr>
-            <a:lvl4pPr indent="-317500" lvl="3" marL="1828800">
+            <a:lvl4pPr marL="1828800" lvl="3" indent="-317500">
               <a:lnSpc>
                 <a:spcPct val="115000"/>
               </a:lnSpc>
@@ -6600,7 +6798,7 @@
                 <a:sym typeface="Average"/>
               </a:defRPr>
             </a:lvl4pPr>
-            <a:lvl5pPr indent="-317500" lvl="4" marL="2286000">
+            <a:lvl5pPr marL="2286000" lvl="4" indent="-317500">
               <a:lnSpc>
                 <a:spcPct val="115000"/>
               </a:lnSpc>
@@ -6626,7 +6824,7 @@
                 <a:sym typeface="Average"/>
               </a:defRPr>
             </a:lvl5pPr>
-            <a:lvl6pPr indent="-317500" lvl="5" marL="2743200">
+            <a:lvl6pPr marL="2743200" lvl="5" indent="-317500">
               <a:lnSpc>
                 <a:spcPct val="115000"/>
               </a:lnSpc>
@@ -6652,7 +6850,7 @@
                 <a:sym typeface="Average"/>
               </a:defRPr>
             </a:lvl6pPr>
-            <a:lvl7pPr indent="-317500" lvl="6" marL="3200400">
+            <a:lvl7pPr marL="3200400" lvl="6" indent="-317500">
               <a:lnSpc>
                 <a:spcPct val="115000"/>
               </a:lnSpc>
@@ -6678,7 +6876,7 @@
                 <a:sym typeface="Average"/>
               </a:defRPr>
             </a:lvl7pPr>
-            <a:lvl8pPr indent="-317500" lvl="7" marL="3657600">
+            <a:lvl8pPr marL="3657600" lvl="7" indent="-317500">
               <a:lnSpc>
                 <a:spcPct val="115000"/>
               </a:lnSpc>
@@ -6704,7 +6902,7 @@
                 <a:sym typeface="Average"/>
               </a:defRPr>
             </a:lvl8pPr>
-            <a:lvl9pPr indent="-317500" lvl="8" marL="4114800">
+            <a:lvl9pPr marL="4114800" lvl="8" indent="-317500">
               <a:lnSpc>
                 <a:spcPct val="115000"/>
               </a:lnSpc>
@@ -6731,15 +6929,19 @@
               </a:defRPr>
             </a:lvl9pPr>
           </a:lstStyle>
-          <a:p/>
+          <a:p>
+            <a:endParaRPr/>
+          </a:p>
         </p:txBody>
       </p:sp>
       <p:sp>
         <p:nvSpPr>
           <p:cNvPr id="8" name="Google Shape;8;p1"/>
-          <p:cNvSpPr txBox="1"/>
+          <p:cNvSpPr txBox="1">
+            <a:spLocks noGrp="1"/>
+          </p:cNvSpPr>
           <p:nvPr>
-            <p:ph idx="12" type="sldNum"/>
+            <p:ph type="sldNum" idx="12"/>
           </p:nvPr>
         </p:nvSpPr>
         <p:spPr>
@@ -6756,7 +6958,7 @@
           </a:ln>
         </p:spPr>
         <p:txBody>
-          <a:bodyPr anchorCtr="0" anchor="ctr" bIns="91425" lIns="91425" spcFirstLastPara="1" rIns="91425" wrap="square" tIns="91425">
+          <a:bodyPr spcFirstLastPara="1" wrap="square" lIns="91425" tIns="91425" rIns="91425" bIns="91425" anchor="ctr" anchorCtr="0">
             <a:noAutofit/>
           </a:bodyPr>
           <a:lstStyle>
@@ -6870,7 +7072,7 @@
             </a:lvl9pPr>
           </a:lstStyle>
           <a:p>
-            <a:pPr indent="0" lvl="0" marL="0" rtl="0" algn="r">
+            <a:pPr marL="0" lvl="0" indent="0" algn="r" rtl="0">
               <a:spcBef>
                 <a:spcPts val="0"/>
               </a:spcBef>
@@ -6889,7 +7091,7 @@
       </p:sp>
     </p:spTree>
   </p:cSld>
-  <p:clrMap accent1="accent1" accent2="accent2" accent3="accent3" accent4="accent4" accent5="accent5" accent6="accent6" bg1="lt1" bg2="dk2" tx1="dk1" tx2="lt2" folHlink="folHlink" hlink="hlink"/>
+  <p:clrMap bg1="lt1" tx1="dk1" bg2="dk2" tx2="lt2" accent1="accent1" accent2="accent2" accent3="accent3" accent4="accent4" accent5="accent5" accent6="accent6" hlink="hlink" folHlink="folHlink"/>
   <p:sldLayoutIdLst>
     <p:sldLayoutId id="2147483648" r:id="rId1"/>
     <p:sldLayoutId id="2147483649" r:id="rId2"/>
@@ -6903,10 +7105,10 @@
     <p:sldLayoutId id="2147483657" r:id="rId10"/>
     <p:sldLayoutId id="2147483658" r:id="rId11"/>
   </p:sldLayoutIdLst>
-  <p:hf dt="0" ftr="0" hdr="0" sldNum="0"/>
+  <p:hf sldNum="0" hdr="0" ftr="0" dt="0"/>
   <p:txStyles>
     <p:titleStyle>
-      <a:defPPr lvl="0" marR="0" rtl="0" algn="l">
+      <a:defPPr marR="0" lvl="0" algn="l" rtl="0">
         <a:lnSpc>
           <a:spcPct val="100000"/>
         </a:lnSpc>
@@ -6917,7 +7119,7 @@
           <a:spcPts val="0"/>
         </a:spcAft>
       </a:defPPr>
-      <a:lvl1pPr lvl="0" marR="0" rtl="0" algn="l">
+      <a:lvl1pPr marR="0" lvl="0" algn="l" rtl="0">
         <a:lnSpc>
           <a:spcPct val="100000"/>
         </a:lnSpc>
@@ -6931,7 +7133,7 @@
           <a:srgbClr val="000000"/>
         </a:buClr>
         <a:buFont typeface="Arial"/>
-        <a:defRPr b="0" i="0" sz="1400" u="none" cap="none" strike="noStrike">
+        <a:defRPr sz="1400" b="0" i="0" u="none" strike="noStrike" cap="none">
           <a:solidFill>
             <a:srgbClr val="000000"/>
           </a:solidFill>
@@ -6941,7 +7143,7 @@
           <a:sym typeface="Arial"/>
         </a:defRPr>
       </a:lvl1pPr>
-      <a:lvl2pPr lvl="1" marR="0" rtl="0" algn="l">
+      <a:lvl2pPr marR="0" lvl="1" algn="l" rtl="0">
         <a:lnSpc>
           <a:spcPct val="100000"/>
         </a:lnSpc>
@@ -6955,7 +7157,7 @@
           <a:srgbClr val="000000"/>
         </a:buClr>
         <a:buFont typeface="Arial"/>
-        <a:defRPr b="0" i="0" sz="1400" u="none" cap="none" strike="noStrike">
+        <a:defRPr sz="1400" b="0" i="0" u="none" strike="noStrike" cap="none">
           <a:solidFill>
             <a:srgbClr val="000000"/>
           </a:solidFill>
@@ -6965,7 +7167,7 @@
           <a:sym typeface="Arial"/>
         </a:defRPr>
       </a:lvl2pPr>
-      <a:lvl3pPr lvl="2" marR="0" rtl="0" algn="l">
+      <a:lvl3pPr marR="0" lvl="2" algn="l" rtl="0">
         <a:lnSpc>
           <a:spcPct val="100000"/>
         </a:lnSpc>
@@ -6979,7 +7181,7 @@
           <a:srgbClr val="000000"/>
         </a:buClr>
         <a:buFont typeface="Arial"/>
-        <a:defRPr b="0" i="0" sz="1400" u="none" cap="none" strike="noStrike">
+        <a:defRPr sz="1400" b="0" i="0" u="none" strike="noStrike" cap="none">
           <a:solidFill>
             <a:srgbClr val="000000"/>
           </a:solidFill>
@@ -6989,7 +7191,7 @@
           <a:sym typeface="Arial"/>
         </a:defRPr>
       </a:lvl3pPr>
-      <a:lvl4pPr lvl="3" marR="0" rtl="0" algn="l">
+      <a:lvl4pPr marR="0" lvl="3" algn="l" rtl="0">
         <a:lnSpc>
           <a:spcPct val="100000"/>
         </a:lnSpc>
@@ -7003,7 +7205,7 @@
           <a:srgbClr val="000000"/>
         </a:buClr>
         <a:buFont typeface="Arial"/>
-        <a:defRPr b="0" i="0" sz="1400" u="none" cap="none" strike="noStrike">
+        <a:defRPr sz="1400" b="0" i="0" u="none" strike="noStrike" cap="none">
           <a:solidFill>
             <a:srgbClr val="000000"/>
           </a:solidFill>
@@ -7013,7 +7215,7 @@
           <a:sym typeface="Arial"/>
         </a:defRPr>
       </a:lvl4pPr>
-      <a:lvl5pPr lvl="4" marR="0" rtl="0" algn="l">
+      <a:lvl5pPr marR="0" lvl="4" algn="l" rtl="0">
         <a:lnSpc>
           <a:spcPct val="100000"/>
         </a:lnSpc>
@@ -7027,7 +7229,7 @@
           <a:srgbClr val="000000"/>
         </a:buClr>
         <a:buFont typeface="Arial"/>
-        <a:defRPr b="0" i="0" sz="1400" u="none" cap="none" strike="noStrike">
+        <a:defRPr sz="1400" b="0" i="0" u="none" strike="noStrike" cap="none">
           <a:solidFill>
             <a:srgbClr val="000000"/>
           </a:solidFill>
@@ -7037,7 +7239,7 @@
           <a:sym typeface="Arial"/>
         </a:defRPr>
       </a:lvl5pPr>
-      <a:lvl6pPr lvl="5" marR="0" rtl="0" algn="l">
+      <a:lvl6pPr marR="0" lvl="5" algn="l" rtl="0">
         <a:lnSpc>
           <a:spcPct val="100000"/>
         </a:lnSpc>
@@ -7051,7 +7253,7 @@
           <a:srgbClr val="000000"/>
         </a:buClr>
         <a:buFont typeface="Arial"/>
-        <a:defRPr b="0" i="0" sz="1400" u="none" cap="none" strike="noStrike">
+        <a:defRPr sz="1400" b="0" i="0" u="none" strike="noStrike" cap="none">
           <a:solidFill>
             <a:srgbClr val="000000"/>
           </a:solidFill>
@@ -7061,7 +7263,7 @@
           <a:sym typeface="Arial"/>
         </a:defRPr>
       </a:lvl6pPr>
-      <a:lvl7pPr lvl="6" marR="0" rtl="0" algn="l">
+      <a:lvl7pPr marR="0" lvl="6" algn="l" rtl="0">
         <a:lnSpc>
           <a:spcPct val="100000"/>
         </a:lnSpc>
@@ -7075,7 +7277,7 @@
           <a:srgbClr val="000000"/>
         </a:buClr>
         <a:buFont typeface="Arial"/>
-        <a:defRPr b="0" i="0" sz="1400" u="none" cap="none" strike="noStrike">
+        <a:defRPr sz="1400" b="0" i="0" u="none" strike="noStrike" cap="none">
           <a:solidFill>
             <a:srgbClr val="000000"/>
           </a:solidFill>
@@ -7085,7 +7287,7 @@
           <a:sym typeface="Arial"/>
         </a:defRPr>
       </a:lvl7pPr>
-      <a:lvl8pPr lvl="7" marR="0" rtl="0" algn="l">
+      <a:lvl8pPr marR="0" lvl="7" algn="l" rtl="0">
         <a:lnSpc>
           <a:spcPct val="100000"/>
         </a:lnSpc>
@@ -7099,7 +7301,7 @@
           <a:srgbClr val="000000"/>
         </a:buClr>
         <a:buFont typeface="Arial"/>
-        <a:defRPr b="0" i="0" sz="1400" u="none" cap="none" strike="noStrike">
+        <a:defRPr sz="1400" b="0" i="0" u="none" strike="noStrike" cap="none">
           <a:solidFill>
             <a:srgbClr val="000000"/>
           </a:solidFill>
@@ -7109,7 +7311,7 @@
           <a:sym typeface="Arial"/>
         </a:defRPr>
       </a:lvl8pPr>
-      <a:lvl9pPr lvl="8" marR="0" rtl="0" algn="l">
+      <a:lvl9pPr marR="0" lvl="8" algn="l" rtl="0">
         <a:lnSpc>
           <a:spcPct val="100000"/>
         </a:lnSpc>
@@ -7123,7 +7325,7 @@
           <a:srgbClr val="000000"/>
         </a:buClr>
         <a:buFont typeface="Arial"/>
-        <a:defRPr b="0" i="0" sz="1400" u="none" cap="none" strike="noStrike">
+        <a:defRPr sz="1400" b="0" i="0" u="none" strike="noStrike" cap="none">
           <a:solidFill>
             <a:srgbClr val="000000"/>
           </a:solidFill>
@@ -7135,7 +7337,7 @@
       </a:lvl9pPr>
     </p:titleStyle>
     <p:bodyStyle>
-      <a:defPPr lvl="0" marR="0" rtl="0" algn="l">
+      <a:defPPr marR="0" lvl="0" algn="l" rtl="0">
         <a:lnSpc>
           <a:spcPct val="100000"/>
         </a:lnSpc>
@@ -7146,7 +7348,7 @@
           <a:spcPts val="0"/>
         </a:spcAft>
       </a:defPPr>
-      <a:lvl1pPr lvl="0" marR="0" rtl="0" algn="l">
+      <a:lvl1pPr marR="0" lvl="0" algn="l" rtl="0">
         <a:lnSpc>
           <a:spcPct val="100000"/>
         </a:lnSpc>
@@ -7160,7 +7362,7 @@
           <a:srgbClr val="000000"/>
         </a:buClr>
         <a:buFont typeface="Arial"/>
-        <a:defRPr b="0" i="0" sz="1400" u="none" cap="none" strike="noStrike">
+        <a:defRPr sz="1400" b="0" i="0" u="none" strike="noStrike" cap="none">
           <a:solidFill>
             <a:srgbClr val="000000"/>
           </a:solidFill>
@@ -7170,7 +7372,7 @@
           <a:sym typeface="Arial"/>
         </a:defRPr>
       </a:lvl1pPr>
-      <a:lvl2pPr lvl="1" marR="0" rtl="0" algn="l">
+      <a:lvl2pPr marR="0" lvl="1" algn="l" rtl="0">
         <a:lnSpc>
           <a:spcPct val="100000"/>
         </a:lnSpc>
@@ -7184,7 +7386,7 @@
           <a:srgbClr val="000000"/>
         </a:buClr>
         <a:buFont typeface="Arial"/>
-        <a:defRPr b="0" i="0" sz="1400" u="none" cap="none" strike="noStrike">
+        <a:defRPr sz="1400" b="0" i="0" u="none" strike="noStrike" cap="none">
           <a:solidFill>
             <a:srgbClr val="000000"/>
           </a:solidFill>
@@ -7194,7 +7396,7 @@
           <a:sym typeface="Arial"/>
         </a:defRPr>
       </a:lvl2pPr>
-      <a:lvl3pPr lvl="2" marR="0" rtl="0" algn="l">
+      <a:lvl3pPr marR="0" lvl="2" algn="l" rtl="0">
         <a:lnSpc>
           <a:spcPct val="100000"/>
         </a:lnSpc>
@@ -7208,7 +7410,7 @@
           <a:srgbClr val="000000"/>
         </a:buClr>
         <a:buFont typeface="Arial"/>
-        <a:defRPr b="0" i="0" sz="1400" u="none" cap="none" strike="noStrike">
+        <a:defRPr sz="1400" b="0" i="0" u="none" strike="noStrike" cap="none">
           <a:solidFill>
             <a:srgbClr val="000000"/>
           </a:solidFill>
@@ -7218,7 +7420,7 @@
           <a:sym typeface="Arial"/>
         </a:defRPr>
       </a:lvl3pPr>
-      <a:lvl4pPr lvl="3" marR="0" rtl="0" algn="l">
+      <a:lvl4pPr marR="0" lvl="3" algn="l" rtl="0">
         <a:lnSpc>
           <a:spcPct val="100000"/>
         </a:lnSpc>
@@ -7232,7 +7434,7 @@
           <a:srgbClr val="000000"/>
         </a:buClr>
         <a:buFont typeface="Arial"/>
-        <a:defRPr b="0" i="0" sz="1400" u="none" cap="none" strike="noStrike">
+        <a:defRPr sz="1400" b="0" i="0" u="none" strike="noStrike" cap="none">
           <a:solidFill>
             <a:srgbClr val="000000"/>
           </a:solidFill>
@@ -7242,7 +7444,7 @@
           <a:sym typeface="Arial"/>
         </a:defRPr>
       </a:lvl4pPr>
-      <a:lvl5pPr lvl="4" marR="0" rtl="0" algn="l">
+      <a:lvl5pPr marR="0" lvl="4" algn="l" rtl="0">
         <a:lnSpc>
           <a:spcPct val="100000"/>
         </a:lnSpc>
@@ -7256,7 +7458,7 @@
           <a:srgbClr val="000000"/>
         </a:buClr>
         <a:buFont typeface="Arial"/>
-        <a:defRPr b="0" i="0" sz="1400" u="none" cap="none" strike="noStrike">
+        <a:defRPr sz="1400" b="0" i="0" u="none" strike="noStrike" cap="none">
           <a:solidFill>
             <a:srgbClr val="000000"/>
           </a:solidFill>
@@ -7266,7 +7468,7 @@
           <a:sym typeface="Arial"/>
         </a:defRPr>
       </a:lvl5pPr>
-      <a:lvl6pPr lvl="5" marR="0" rtl="0" algn="l">
+      <a:lvl6pPr marR="0" lvl="5" algn="l" rtl="0">
         <a:lnSpc>
           <a:spcPct val="100000"/>
         </a:lnSpc>
@@ -7280,7 +7482,7 @@
           <a:srgbClr val="000000"/>
         </a:buClr>
         <a:buFont typeface="Arial"/>
-        <a:defRPr b="0" i="0" sz="1400" u="none" cap="none" strike="noStrike">
+        <a:defRPr sz="1400" b="0" i="0" u="none" strike="noStrike" cap="none">
           <a:solidFill>
             <a:srgbClr val="000000"/>
           </a:solidFill>
@@ -7290,7 +7492,7 @@
           <a:sym typeface="Arial"/>
         </a:defRPr>
       </a:lvl6pPr>
-      <a:lvl7pPr lvl="6" marR="0" rtl="0" algn="l">
+      <a:lvl7pPr marR="0" lvl="6" algn="l" rtl="0">
         <a:lnSpc>
           <a:spcPct val="100000"/>
         </a:lnSpc>
@@ -7304,7 +7506,7 @@
           <a:srgbClr val="000000"/>
         </a:buClr>
         <a:buFont typeface="Arial"/>
-        <a:defRPr b="0" i="0" sz="1400" u="none" cap="none" strike="noStrike">
+        <a:defRPr sz="1400" b="0" i="0" u="none" strike="noStrike" cap="none">
           <a:solidFill>
             <a:srgbClr val="000000"/>
           </a:solidFill>
@@ -7314,7 +7516,7 @@
           <a:sym typeface="Arial"/>
         </a:defRPr>
       </a:lvl7pPr>
-      <a:lvl8pPr lvl="7" marR="0" rtl="0" algn="l">
+      <a:lvl8pPr marR="0" lvl="7" algn="l" rtl="0">
         <a:lnSpc>
           <a:spcPct val="100000"/>
         </a:lnSpc>
@@ -7328,7 +7530,7 @@
           <a:srgbClr val="000000"/>
         </a:buClr>
         <a:buFont typeface="Arial"/>
-        <a:defRPr b="0" i="0" sz="1400" u="none" cap="none" strike="noStrike">
+        <a:defRPr sz="1400" b="0" i="0" u="none" strike="noStrike" cap="none">
           <a:solidFill>
             <a:srgbClr val="000000"/>
           </a:solidFill>
@@ -7338,7 +7540,7 @@
           <a:sym typeface="Arial"/>
         </a:defRPr>
       </a:lvl8pPr>
-      <a:lvl9pPr lvl="8" marR="0" rtl="0" algn="l">
+      <a:lvl9pPr marR="0" lvl="8" algn="l" rtl="0">
         <a:lnSpc>
           <a:spcPct val="100000"/>
         </a:lnSpc>
@@ -7352,7 +7554,7 @@
           <a:srgbClr val="000000"/>
         </a:buClr>
         <a:buFont typeface="Arial"/>
-        <a:defRPr b="0" i="0" sz="1400" u="none" cap="none" strike="noStrike">
+        <a:defRPr sz="1400" b="0" i="0" u="none" strike="noStrike" cap="none">
           <a:solidFill>
             <a:srgbClr val="000000"/>
           </a:solidFill>
@@ -7364,7 +7566,7 @@
       </a:lvl9pPr>
     </p:bodyStyle>
     <p:otherStyle>
-      <a:defPPr lvl="0" marR="0" rtl="0" algn="l">
+      <a:defPPr marR="0" lvl="0" algn="l" rtl="0">
         <a:lnSpc>
           <a:spcPct val="100000"/>
         </a:lnSpc>
@@ -7375,7 +7577,7 @@
           <a:spcPts val="0"/>
         </a:spcAft>
       </a:defPPr>
-      <a:lvl1pPr lvl="0" marR="0" rtl="0" algn="l">
+      <a:lvl1pPr marR="0" lvl="0" algn="l" rtl="0">
         <a:lnSpc>
           <a:spcPct val="100000"/>
         </a:lnSpc>
@@ -7389,7 +7591,7 @@
           <a:srgbClr val="000000"/>
         </a:buClr>
         <a:buFont typeface="Arial"/>
-        <a:defRPr b="0" i="0" sz="1400" u="none" cap="none" strike="noStrike">
+        <a:defRPr sz="1400" b="0" i="0" u="none" strike="noStrike" cap="none">
           <a:solidFill>
             <a:srgbClr val="000000"/>
           </a:solidFill>
@@ -7399,7 +7601,7 @@
           <a:sym typeface="Arial"/>
         </a:defRPr>
       </a:lvl1pPr>
-      <a:lvl2pPr lvl="1" marR="0" rtl="0" algn="l">
+      <a:lvl2pPr marR="0" lvl="1" algn="l" rtl="0">
         <a:lnSpc>
           <a:spcPct val="100000"/>
         </a:lnSpc>
@@ -7413,7 +7615,7 @@
           <a:srgbClr val="000000"/>
         </a:buClr>
         <a:buFont typeface="Arial"/>
-        <a:defRPr b="0" i="0" sz="1400" u="none" cap="none" strike="noStrike">
+        <a:defRPr sz="1400" b="0" i="0" u="none" strike="noStrike" cap="none">
           <a:solidFill>
             <a:srgbClr val="000000"/>
           </a:solidFill>
@@ -7423,7 +7625,7 @@
           <a:sym typeface="Arial"/>
         </a:defRPr>
       </a:lvl2pPr>
-      <a:lvl3pPr lvl="2" marR="0" rtl="0" algn="l">
+      <a:lvl3pPr marR="0" lvl="2" algn="l" rtl="0">
         <a:lnSpc>
           <a:spcPct val="100000"/>
         </a:lnSpc>
@@ -7437,7 +7639,7 @@
           <a:srgbClr val="000000"/>
         </a:buClr>
         <a:buFont typeface="Arial"/>
-        <a:defRPr b="0" i="0" sz="1400" u="none" cap="none" strike="noStrike">
+        <a:defRPr sz="1400" b="0" i="0" u="none" strike="noStrike" cap="none">
           <a:solidFill>
             <a:srgbClr val="000000"/>
           </a:solidFill>
@@ -7447,7 +7649,7 @@
           <a:sym typeface="Arial"/>
         </a:defRPr>
       </a:lvl3pPr>
-      <a:lvl4pPr lvl="3" marR="0" rtl="0" algn="l">
+      <a:lvl4pPr marR="0" lvl="3" algn="l" rtl="0">
         <a:lnSpc>
           <a:spcPct val="100000"/>
         </a:lnSpc>
@@ -7461,7 +7663,7 @@
           <a:srgbClr val="000000"/>
         </a:buClr>
         <a:buFont typeface="Arial"/>
-        <a:defRPr b="0" i="0" sz="1400" u="none" cap="none" strike="noStrike">
+        <a:defRPr sz="1400" b="0" i="0" u="none" strike="noStrike" cap="none">
           <a:solidFill>
             <a:srgbClr val="000000"/>
           </a:solidFill>
@@ -7471,7 +7673,7 @@
           <a:sym typeface="Arial"/>
         </a:defRPr>
       </a:lvl4pPr>
-      <a:lvl5pPr lvl="4" marR="0" rtl="0" algn="l">
+      <a:lvl5pPr marR="0" lvl="4" algn="l" rtl="0">
         <a:lnSpc>
           <a:spcPct val="100000"/>
         </a:lnSpc>
@@ -7485,7 +7687,7 @@
           <a:srgbClr val="000000"/>
         </a:buClr>
         <a:buFont typeface="Arial"/>
-        <a:defRPr b="0" i="0" sz="1400" u="none" cap="none" strike="noStrike">
+        <a:defRPr sz="1400" b="0" i="0" u="none" strike="noStrike" cap="none">
           <a:solidFill>
             <a:srgbClr val="000000"/>
           </a:solidFill>
@@ -7495,7 +7697,7 @@
           <a:sym typeface="Arial"/>
         </a:defRPr>
       </a:lvl5pPr>
-      <a:lvl6pPr lvl="5" marR="0" rtl="0" algn="l">
+      <a:lvl6pPr marR="0" lvl="5" algn="l" rtl="0">
         <a:lnSpc>
           <a:spcPct val="100000"/>
         </a:lnSpc>
@@ -7509,7 +7711,7 @@
           <a:srgbClr val="000000"/>
         </a:buClr>
         <a:buFont typeface="Arial"/>
-        <a:defRPr b="0" i="0" sz="1400" u="none" cap="none" strike="noStrike">
+        <a:defRPr sz="1400" b="0" i="0" u="none" strike="noStrike" cap="none">
           <a:solidFill>
             <a:srgbClr val="000000"/>
           </a:solidFill>
@@ -7519,7 +7721,7 @@
           <a:sym typeface="Arial"/>
         </a:defRPr>
       </a:lvl6pPr>
-      <a:lvl7pPr lvl="6" marR="0" rtl="0" algn="l">
+      <a:lvl7pPr marR="0" lvl="6" algn="l" rtl="0">
         <a:lnSpc>
           <a:spcPct val="100000"/>
         </a:lnSpc>
@@ -7533,7 +7735,7 @@
           <a:srgbClr val="000000"/>
         </a:buClr>
         <a:buFont typeface="Arial"/>
-        <a:defRPr b="0" i="0" sz="1400" u="none" cap="none" strike="noStrike">
+        <a:defRPr sz="1400" b="0" i="0" u="none" strike="noStrike" cap="none">
           <a:solidFill>
             <a:srgbClr val="000000"/>
           </a:solidFill>
@@ -7543,7 +7745,7 @@
           <a:sym typeface="Arial"/>
         </a:defRPr>
       </a:lvl7pPr>
-      <a:lvl8pPr lvl="7" marR="0" rtl="0" algn="l">
+      <a:lvl8pPr marR="0" lvl="7" algn="l" rtl="0">
         <a:lnSpc>
           <a:spcPct val="100000"/>
         </a:lnSpc>
@@ -7557,7 +7759,7 @@
           <a:srgbClr val="000000"/>
         </a:buClr>
         <a:buFont typeface="Arial"/>
-        <a:defRPr b="0" i="0" sz="1400" u="none" cap="none" strike="noStrike">
+        <a:defRPr sz="1400" b="0" i="0" u="none" strike="noStrike" cap="none">
           <a:solidFill>
             <a:srgbClr val="000000"/>
           </a:solidFill>
@@ -7567,7 +7769,7 @@
           <a:sym typeface="Arial"/>
         </a:defRPr>
       </a:lvl8pPr>
-      <a:lvl9pPr lvl="8" marR="0" rtl="0" algn="l">
+      <a:lvl9pPr marR="0" lvl="8" algn="l" rtl="0">
         <a:lnSpc>
           <a:spcPct val="100000"/>
         </a:lnSpc>
@@ -7581,7 +7783,7 @@
           <a:srgbClr val="000000"/>
         </a:buClr>
         <a:buFont typeface="Arial"/>
-        <a:defRPr b="0" i="0" sz="1400" u="none" cap="none" strike="noStrike">
+        <a:defRPr sz="1400" b="0" i="0" u="none" strike="noStrike" cap="none">
           <a:solidFill>
             <a:srgbClr val="000000"/>
           </a:solidFill>
@@ -7597,11 +7799,11 @@
 </file>
 
 <file path=ppt/slides/slide1.xml><?xml version="1.0" encoding="utf-8"?>
-<p:sld xmlns:a="http://schemas.openxmlformats.org/drawingml/2006/main" xmlns:r="http://schemas.openxmlformats.org/officeDocument/2006/relationships" xmlns:mc="http://schemas.openxmlformats.org/markup-compatibility/2006" xmlns:mv="urn:schemas-microsoft-com:mac:vml" xmlns:p="http://schemas.openxmlformats.org/presentationml/2006/main" xmlns:c="http://schemas.openxmlformats.org/drawingml/2006/chart" xmlns:dgm="http://schemas.openxmlformats.org/drawingml/2006/diagram" xmlns:o="urn:schemas-microsoft-com:office:office" xmlns:v="urn:schemas-microsoft-com:vml" xmlns:pvml="urn:schemas-microsoft-com:office:powerpoint" xmlns:com="http://schemas.openxmlformats.org/drawingml/2006/compatibility" xmlns:p14="http://schemas.microsoft.com/office/powerpoint/2010/main" xmlns:p15="http://schemas.microsoft.com/office/powerpoint/2012/main">
+<p:sld xmlns:a="http://schemas.openxmlformats.org/drawingml/2006/main" xmlns:r="http://schemas.openxmlformats.org/officeDocument/2006/relationships" xmlns:p="http://schemas.openxmlformats.org/presentationml/2006/main">
   <p:cSld>
     <p:spTree>
       <p:nvGrpSpPr>
-        <p:cNvPr id="58" name="Shape 58"/>
+        <p:cNvPr id="1" name="Shape 58"/>
         <p:cNvGrpSpPr/>
         <p:nvPr/>
       </p:nvGrpSpPr>
@@ -7616,7 +7818,9 @@
       <p:sp>
         <p:nvSpPr>
           <p:cNvPr id="59" name="Google Shape;59;p13"/>
-          <p:cNvSpPr txBox="1"/>
+          <p:cNvSpPr txBox="1">
+            <a:spLocks noGrp="1"/>
+          </p:cNvSpPr>
           <p:nvPr>
             <p:ph type="ctrTitle"/>
           </p:nvPr>
@@ -7631,12 +7835,12 @@
           </a:prstGeom>
         </p:spPr>
         <p:txBody>
-          <a:bodyPr anchorCtr="0" anchor="b" bIns="91425" lIns="91425" spcFirstLastPara="1" rIns="91425" wrap="square" tIns="91425">
+          <a:bodyPr spcFirstLastPara="1" wrap="square" lIns="91425" tIns="91425" rIns="91425" bIns="91425" anchor="b" anchorCtr="0">
             <a:noAutofit/>
           </a:bodyPr>
           <a:lstStyle/>
           <a:p>
-            <a:pPr indent="0" lvl="0" marL="0" rtl="0" algn="ctr">
+            <a:pPr marL="0" lvl="0" indent="0" algn="ctr" rtl="0">
               <a:spcBef>
                 <a:spcPts val="0"/>
               </a:spcBef>
@@ -7656,9 +7860,11 @@
       <p:sp>
         <p:nvSpPr>
           <p:cNvPr id="60" name="Google Shape;60;p13"/>
-          <p:cNvSpPr txBox="1"/>
+          <p:cNvSpPr txBox="1">
+            <a:spLocks noGrp="1"/>
+          </p:cNvSpPr>
           <p:nvPr>
-            <p:ph idx="1" type="subTitle"/>
+            <p:ph type="subTitle" idx="1"/>
           </p:nvPr>
         </p:nvSpPr>
         <p:spPr>
@@ -7671,12 +7877,12 @@
           </a:prstGeom>
         </p:spPr>
         <p:txBody>
-          <a:bodyPr anchorCtr="0" anchor="t" bIns="91425" lIns="91425" spcFirstLastPara="1" rIns="91425" wrap="square" tIns="91425">
+          <a:bodyPr spcFirstLastPara="1" wrap="square" lIns="91425" tIns="91425" rIns="91425" bIns="91425" anchor="t" anchorCtr="0">
             <a:noAutofit/>
           </a:bodyPr>
           <a:lstStyle/>
           <a:p>
-            <a:pPr indent="0" lvl="0" marL="0" rtl="0" algn="ctr">
+            <a:pPr marL="0" lvl="0" indent="0" algn="ctr" rtl="0">
               <a:spcBef>
                 <a:spcPts val="0"/>
               </a:spcBef>
@@ -7702,11 +7908,11 @@
 </file>
 
 <file path=ppt/slides/slide10.xml><?xml version="1.0" encoding="utf-8"?>
-<p:sld xmlns:a="http://schemas.openxmlformats.org/drawingml/2006/main" xmlns:r="http://schemas.openxmlformats.org/officeDocument/2006/relationships" xmlns:mc="http://schemas.openxmlformats.org/markup-compatibility/2006" xmlns:mv="urn:schemas-microsoft-com:mac:vml" xmlns:p="http://schemas.openxmlformats.org/presentationml/2006/main" xmlns:c="http://schemas.openxmlformats.org/drawingml/2006/chart" xmlns:dgm="http://schemas.openxmlformats.org/drawingml/2006/diagram" xmlns:o="urn:schemas-microsoft-com:office:office" xmlns:v="urn:schemas-microsoft-com:vml" xmlns:pvml="urn:schemas-microsoft-com:office:powerpoint" xmlns:com="http://schemas.openxmlformats.org/drawingml/2006/compatibility" xmlns:p14="http://schemas.microsoft.com/office/powerpoint/2010/main" xmlns:p15="http://schemas.microsoft.com/office/powerpoint/2012/main">
+<p:sld xmlns:a="http://schemas.openxmlformats.org/drawingml/2006/main" xmlns:r="http://schemas.openxmlformats.org/officeDocument/2006/relationships" xmlns:p="http://schemas.openxmlformats.org/presentationml/2006/main">
   <p:cSld>
     <p:spTree>
       <p:nvGrpSpPr>
-        <p:cNvPr id="121" name="Shape 121"/>
+        <p:cNvPr id="1" name="Shape 121"/>
         <p:cNvGrpSpPr/>
         <p:nvPr/>
       </p:nvGrpSpPr>
@@ -7721,7 +7927,9 @@
       <p:sp>
         <p:nvSpPr>
           <p:cNvPr id="122" name="Google Shape;122;p22"/>
-          <p:cNvSpPr txBox="1"/>
+          <p:cNvSpPr txBox="1">
+            <a:spLocks noGrp="1"/>
+          </p:cNvSpPr>
           <p:nvPr>
             <p:ph type="title"/>
           </p:nvPr>
@@ -7736,12 +7944,12 @@
           </a:prstGeom>
         </p:spPr>
         <p:txBody>
-          <a:bodyPr anchorCtr="0" anchor="t" bIns="91425" lIns="91425" spcFirstLastPara="1" rIns="91425" wrap="square" tIns="91425">
+          <a:bodyPr spcFirstLastPara="1" wrap="square" lIns="91425" tIns="91425" rIns="91425" bIns="91425" anchor="t" anchorCtr="0">
             <a:noAutofit/>
           </a:bodyPr>
           <a:lstStyle/>
           <a:p>
-            <a:pPr indent="0" lvl="0" marL="0" rtl="0" algn="l">
+            <a:pPr marL="0" lvl="0" indent="0" algn="l" rtl="0">
               <a:spcBef>
                 <a:spcPts val="0"/>
               </a:spcBef>
@@ -7761,9 +7969,11 @@
       <p:sp>
         <p:nvSpPr>
           <p:cNvPr id="123" name="Google Shape;123;p22"/>
-          <p:cNvSpPr txBox="1"/>
+          <p:cNvSpPr txBox="1">
+            <a:spLocks noGrp="1"/>
+          </p:cNvSpPr>
           <p:nvPr>
-            <p:ph idx="1" type="body"/>
+            <p:ph type="body" idx="1"/>
           </p:nvPr>
         </p:nvSpPr>
         <p:spPr>
@@ -7776,12 +7986,12 @@
           </a:prstGeom>
         </p:spPr>
         <p:txBody>
-          <a:bodyPr anchorCtr="0" anchor="t" bIns="91425" lIns="91425" spcFirstLastPara="1" rIns="91425" wrap="square" tIns="91425">
+          <a:bodyPr spcFirstLastPara="1" wrap="square" lIns="91425" tIns="91425" rIns="91425" bIns="91425" anchor="t" anchorCtr="0">
             <a:noAutofit/>
           </a:bodyPr>
           <a:lstStyle/>
           <a:p>
-            <a:pPr indent="-342900" lvl="0" marL="457200" rtl="0" algn="l">
+            <a:pPr marL="457200" lvl="0" indent="-342900" algn="l" rtl="0">
               <a:spcBef>
                 <a:spcPts val="0"/>
               </a:spcBef>
@@ -7798,7 +8008,7 @@
             <a:endParaRPr/>
           </a:p>
           <a:p>
-            <a:pPr indent="-342900" lvl="0" marL="457200" rtl="0" algn="l">
+            <a:pPr marL="457200" lvl="0" indent="-342900" algn="l" rtl="0">
               <a:spcBef>
                 <a:spcPts val="0"/>
               </a:spcBef>
@@ -7815,7 +8025,7 @@
             <a:endParaRPr/>
           </a:p>
           <a:p>
-            <a:pPr indent="-342900" lvl="0" marL="457200" rtl="0" algn="l">
+            <a:pPr marL="457200" lvl="0" indent="-342900" algn="l" rtl="0">
               <a:spcBef>
                 <a:spcPts val="0"/>
               </a:spcBef>
@@ -7842,11 +8052,11 @@
 </file>
 
 <file path=ppt/slides/slide11.xml><?xml version="1.0" encoding="utf-8"?>
-<p:sld xmlns:a="http://schemas.openxmlformats.org/drawingml/2006/main" xmlns:r="http://schemas.openxmlformats.org/officeDocument/2006/relationships" xmlns:mc="http://schemas.openxmlformats.org/markup-compatibility/2006" xmlns:mv="urn:schemas-microsoft-com:mac:vml" xmlns:p="http://schemas.openxmlformats.org/presentationml/2006/main" xmlns:c="http://schemas.openxmlformats.org/drawingml/2006/chart" xmlns:dgm="http://schemas.openxmlformats.org/drawingml/2006/diagram" xmlns:o="urn:schemas-microsoft-com:office:office" xmlns:v="urn:schemas-microsoft-com:vml" xmlns:pvml="urn:schemas-microsoft-com:office:powerpoint" xmlns:com="http://schemas.openxmlformats.org/drawingml/2006/compatibility" xmlns:p14="http://schemas.microsoft.com/office/powerpoint/2010/main" xmlns:p15="http://schemas.microsoft.com/office/powerpoint/2012/main">
+<p:sld xmlns:a="http://schemas.openxmlformats.org/drawingml/2006/main" xmlns:r="http://schemas.openxmlformats.org/officeDocument/2006/relationships" xmlns:p="http://schemas.openxmlformats.org/presentationml/2006/main">
   <p:cSld>
     <p:spTree>
       <p:nvGrpSpPr>
-        <p:cNvPr id="127" name="Shape 127"/>
+        <p:cNvPr id="1" name="Shape 127"/>
         <p:cNvGrpSpPr/>
         <p:nvPr/>
       </p:nvGrpSpPr>
@@ -7861,7 +8071,9 @@
       <p:sp>
         <p:nvSpPr>
           <p:cNvPr id="128" name="Google Shape;128;p23"/>
-          <p:cNvSpPr txBox="1"/>
+          <p:cNvSpPr txBox="1">
+            <a:spLocks noGrp="1"/>
+          </p:cNvSpPr>
           <p:nvPr>
             <p:ph type="title"/>
           </p:nvPr>
@@ -7876,12 +8088,12 @@
           </a:prstGeom>
         </p:spPr>
         <p:txBody>
-          <a:bodyPr anchorCtr="0" anchor="t" bIns="91425" lIns="91425" spcFirstLastPara="1" rIns="91425" wrap="square" tIns="91425">
+          <a:bodyPr spcFirstLastPara="1" wrap="square" lIns="91425" tIns="91425" rIns="91425" bIns="91425" anchor="t" anchorCtr="0">
             <a:noAutofit/>
           </a:bodyPr>
           <a:lstStyle/>
           <a:p>
-            <a:pPr indent="0" lvl="0" marL="0" rtl="0" algn="l">
+            <a:pPr marL="0" lvl="0" indent="0" algn="l" rtl="0">
               <a:spcBef>
                 <a:spcPts val="0"/>
               </a:spcBef>
@@ -7901,9 +8113,11 @@
       <p:sp>
         <p:nvSpPr>
           <p:cNvPr id="129" name="Google Shape;129;p23"/>
-          <p:cNvSpPr txBox="1"/>
+          <p:cNvSpPr txBox="1">
+            <a:spLocks noGrp="1"/>
+          </p:cNvSpPr>
           <p:nvPr>
-            <p:ph idx="1" type="body"/>
+            <p:ph type="body" idx="1"/>
           </p:nvPr>
         </p:nvSpPr>
         <p:spPr>
@@ -7916,12 +8130,12 @@
           </a:prstGeom>
         </p:spPr>
         <p:txBody>
-          <a:bodyPr anchorCtr="0" anchor="t" bIns="91425" lIns="91425" spcFirstLastPara="1" rIns="91425" wrap="square" tIns="91425">
+          <a:bodyPr spcFirstLastPara="1" wrap="square" lIns="91425" tIns="91425" rIns="91425" bIns="91425" anchor="t" anchorCtr="0">
             <a:noAutofit/>
           </a:bodyPr>
           <a:lstStyle/>
           <a:p>
-            <a:pPr indent="-342900" lvl="0" marL="457200" rtl="0" algn="l">
+            <a:pPr marL="457200" lvl="0" indent="-342900" algn="l" rtl="0">
               <a:spcBef>
                 <a:spcPts val="0"/>
               </a:spcBef>
@@ -7938,7 +8152,7 @@
             <a:endParaRPr/>
           </a:p>
           <a:p>
-            <a:pPr indent="-317500" lvl="1" marL="914400" rtl="0" algn="l">
+            <a:pPr marL="914400" lvl="1" indent="-317500" algn="l" rtl="0">
               <a:spcBef>
                 <a:spcPts val="0"/>
               </a:spcBef>
@@ -7955,7 +8169,7 @@
             <a:endParaRPr/>
           </a:p>
           <a:p>
-            <a:pPr indent="-342900" lvl="0" marL="457200" rtl="0" algn="l">
+            <a:pPr marL="457200" lvl="0" indent="-342900" algn="l" rtl="0">
               <a:spcBef>
                 <a:spcPts val="0"/>
               </a:spcBef>
@@ -7972,7 +8186,7 @@
             <a:endParaRPr/>
           </a:p>
           <a:p>
-            <a:pPr indent="-342900" lvl="0" marL="457200" rtl="0" algn="l">
+            <a:pPr marL="457200" lvl="0" indent="-342900" algn="l" rtl="0">
               <a:spcBef>
                 <a:spcPts val="0"/>
               </a:spcBef>
@@ -7989,7 +8203,7 @@
             <a:endParaRPr/>
           </a:p>
           <a:p>
-            <a:pPr indent="-342900" lvl="0" marL="457200" rtl="0" algn="l">
+            <a:pPr marL="457200" lvl="0" indent="-342900" algn="l" rtl="0">
               <a:spcBef>
                 <a:spcPts val="0"/>
               </a:spcBef>
@@ -8017,7 +8231,7 @@
           <a:blip r:embed="rId3">
             <a:alphaModFix/>
           </a:blip>
-          <a:srcRect b="0" l="0" r="0" t="1370"/>
+          <a:srcRect t="1370"/>
           <a:stretch/>
         </p:blipFill>
         <p:spPr>
@@ -8043,11 +8257,11 @@
 </file>
 
 <file path=ppt/slides/slide12.xml><?xml version="1.0" encoding="utf-8"?>
-<p:sld xmlns:a="http://schemas.openxmlformats.org/drawingml/2006/main" xmlns:r="http://schemas.openxmlformats.org/officeDocument/2006/relationships" xmlns:mc="http://schemas.openxmlformats.org/markup-compatibility/2006" xmlns:mv="urn:schemas-microsoft-com:mac:vml" xmlns:p="http://schemas.openxmlformats.org/presentationml/2006/main" xmlns:c="http://schemas.openxmlformats.org/drawingml/2006/chart" xmlns:dgm="http://schemas.openxmlformats.org/drawingml/2006/diagram" xmlns:o="urn:schemas-microsoft-com:office:office" xmlns:v="urn:schemas-microsoft-com:vml" xmlns:pvml="urn:schemas-microsoft-com:office:powerpoint" xmlns:com="http://schemas.openxmlformats.org/drawingml/2006/compatibility" xmlns:p14="http://schemas.microsoft.com/office/powerpoint/2010/main" xmlns:p15="http://schemas.microsoft.com/office/powerpoint/2012/main">
+<p:sld xmlns:a="http://schemas.openxmlformats.org/drawingml/2006/main" xmlns:r="http://schemas.openxmlformats.org/officeDocument/2006/relationships" xmlns:p="http://schemas.openxmlformats.org/presentationml/2006/main">
   <p:cSld>
     <p:spTree>
       <p:nvGrpSpPr>
-        <p:cNvPr id="134" name="Shape 134"/>
+        <p:cNvPr id="1" name="Shape 134"/>
         <p:cNvGrpSpPr/>
         <p:nvPr/>
       </p:nvGrpSpPr>
@@ -8062,7 +8276,9 @@
       <p:sp>
         <p:nvSpPr>
           <p:cNvPr id="135" name="Google Shape;135;p24"/>
-          <p:cNvSpPr txBox="1"/>
+          <p:cNvSpPr txBox="1">
+            <a:spLocks noGrp="1"/>
+          </p:cNvSpPr>
           <p:nvPr>
             <p:ph type="title"/>
           </p:nvPr>
@@ -8077,12 +8293,12 @@
           </a:prstGeom>
         </p:spPr>
         <p:txBody>
-          <a:bodyPr anchorCtr="0" anchor="t" bIns="91425" lIns="91425" spcFirstLastPara="1" rIns="91425" wrap="square" tIns="91425">
+          <a:bodyPr spcFirstLastPara="1" wrap="square" lIns="91425" tIns="91425" rIns="91425" bIns="91425" anchor="t" anchorCtr="0">
             <a:noAutofit/>
           </a:bodyPr>
           <a:lstStyle/>
           <a:p>
-            <a:pPr indent="0" lvl="0" marL="0" rtl="0" algn="l">
+            <a:pPr marL="0" lvl="0" indent="0" algn="l" rtl="0">
               <a:spcBef>
                 <a:spcPts val="0"/>
               </a:spcBef>
@@ -8102,9 +8318,11 @@
       <p:sp>
         <p:nvSpPr>
           <p:cNvPr id="136" name="Google Shape;136;p24"/>
-          <p:cNvSpPr txBox="1"/>
+          <p:cNvSpPr txBox="1">
+            <a:spLocks noGrp="1"/>
+          </p:cNvSpPr>
           <p:nvPr>
-            <p:ph idx="1" type="body"/>
+            <p:ph type="body" idx="1"/>
           </p:nvPr>
         </p:nvSpPr>
         <p:spPr>
@@ -8117,12 +8335,12 @@
           </a:prstGeom>
         </p:spPr>
         <p:txBody>
-          <a:bodyPr anchorCtr="0" anchor="t" bIns="91425" lIns="91425" spcFirstLastPara="1" rIns="91425" wrap="square" tIns="91425">
+          <a:bodyPr spcFirstLastPara="1" wrap="square" lIns="91425" tIns="91425" rIns="91425" bIns="91425" anchor="t" anchorCtr="0">
             <a:noAutofit/>
           </a:bodyPr>
           <a:lstStyle/>
           <a:p>
-            <a:pPr indent="-342900" lvl="0" marL="457200" rtl="0" algn="l">
+            <a:pPr marL="457200" lvl="0" indent="-342900" algn="l" rtl="0">
               <a:spcBef>
                 <a:spcPts val="0"/>
               </a:spcBef>
@@ -8139,7 +8357,7 @@
             <a:endParaRPr/>
           </a:p>
           <a:p>
-            <a:pPr indent="-342900" lvl="0" marL="457200" rtl="0" algn="l">
+            <a:pPr marL="457200" lvl="0" indent="-342900" algn="l" rtl="0">
               <a:spcBef>
                 <a:spcPts val="0"/>
               </a:spcBef>
@@ -8166,11 +8384,11 @@
 </file>
 
 <file path=ppt/slides/slide13.xml><?xml version="1.0" encoding="utf-8"?>
-<p:sld xmlns:a="http://schemas.openxmlformats.org/drawingml/2006/main" xmlns:r="http://schemas.openxmlformats.org/officeDocument/2006/relationships" xmlns:mc="http://schemas.openxmlformats.org/markup-compatibility/2006" xmlns:mv="urn:schemas-microsoft-com:mac:vml" xmlns:p="http://schemas.openxmlformats.org/presentationml/2006/main" xmlns:c="http://schemas.openxmlformats.org/drawingml/2006/chart" xmlns:dgm="http://schemas.openxmlformats.org/drawingml/2006/diagram" xmlns:o="urn:schemas-microsoft-com:office:office" xmlns:v="urn:schemas-microsoft-com:vml" xmlns:pvml="urn:schemas-microsoft-com:office:powerpoint" xmlns:com="http://schemas.openxmlformats.org/drawingml/2006/compatibility" xmlns:p14="http://schemas.microsoft.com/office/powerpoint/2010/main" xmlns:p15="http://schemas.microsoft.com/office/powerpoint/2012/main">
+<p:sld xmlns:a="http://schemas.openxmlformats.org/drawingml/2006/main" xmlns:r="http://schemas.openxmlformats.org/officeDocument/2006/relationships" xmlns:p="http://schemas.openxmlformats.org/presentationml/2006/main">
   <p:cSld>
     <p:spTree>
       <p:nvGrpSpPr>
-        <p:cNvPr id="140" name="Shape 140"/>
+        <p:cNvPr id="1" name="Shape 140"/>
         <p:cNvGrpSpPr/>
         <p:nvPr/>
       </p:nvGrpSpPr>
@@ -8185,7 +8403,9 @@
       <p:sp>
         <p:nvSpPr>
           <p:cNvPr id="141" name="Google Shape;141;p25"/>
-          <p:cNvSpPr txBox="1"/>
+          <p:cNvSpPr txBox="1">
+            <a:spLocks noGrp="1"/>
+          </p:cNvSpPr>
           <p:nvPr>
             <p:ph type="title"/>
           </p:nvPr>
@@ -8200,12 +8420,12 @@
           </a:prstGeom>
         </p:spPr>
         <p:txBody>
-          <a:bodyPr anchorCtr="0" anchor="t" bIns="91425" lIns="91425" spcFirstLastPara="1" rIns="91425" wrap="square" tIns="91425">
+          <a:bodyPr spcFirstLastPara="1" wrap="square" lIns="91425" tIns="91425" rIns="91425" bIns="91425" anchor="t" anchorCtr="0">
             <a:noAutofit/>
           </a:bodyPr>
           <a:lstStyle/>
           <a:p>
-            <a:pPr indent="0" lvl="0" marL="0" rtl="0" algn="l">
+            <a:pPr marL="0" lvl="0" indent="0" algn="l" rtl="0">
               <a:spcBef>
                 <a:spcPts val="0"/>
               </a:spcBef>
@@ -8216,11 +8436,7 @@
             </a:pPr>
             <a:r>
               <a:rPr lang="en"/>
-              <a:t>Reinforcement</a:t>
-            </a:r>
-            <a:r>
-              <a:rPr lang="en"/>
-              <a:t> Learning</a:t>
+              <a:t>Reinforcement Learning</a:t>
             </a:r>
             <a:endParaRPr/>
           </a:p>
@@ -8229,9 +8445,11 @@
       <p:sp>
         <p:nvSpPr>
           <p:cNvPr id="142" name="Google Shape;142;p25"/>
-          <p:cNvSpPr txBox="1"/>
+          <p:cNvSpPr txBox="1">
+            <a:spLocks noGrp="1"/>
+          </p:cNvSpPr>
           <p:nvPr>
-            <p:ph idx="1" type="body"/>
+            <p:ph type="body" idx="1"/>
           </p:nvPr>
         </p:nvSpPr>
         <p:spPr>
@@ -8244,12 +8462,12 @@
           </a:prstGeom>
         </p:spPr>
         <p:txBody>
-          <a:bodyPr anchorCtr="0" anchor="t" bIns="91425" lIns="91425" spcFirstLastPara="1" rIns="91425" wrap="square" tIns="91425">
+          <a:bodyPr spcFirstLastPara="1" wrap="square" lIns="91425" tIns="91425" rIns="91425" bIns="91425" anchor="t" anchorCtr="0">
             <a:noAutofit/>
           </a:bodyPr>
           <a:lstStyle/>
           <a:p>
-            <a:pPr indent="-342900" lvl="0" marL="457200" rtl="0" algn="l">
+            <a:pPr marL="457200" lvl="0" indent="-342900" algn="l" rtl="0">
               <a:spcBef>
                 <a:spcPts val="0"/>
               </a:spcBef>
@@ -8266,7 +8484,7 @@
             <a:endParaRPr/>
           </a:p>
           <a:p>
-            <a:pPr indent="-317500" lvl="1" marL="914400" rtl="0" algn="l">
+            <a:pPr marL="914400" lvl="1" indent="-317500" algn="l" rtl="0">
               <a:spcBef>
                 <a:spcPts val="0"/>
               </a:spcBef>
@@ -8283,7 +8501,7 @@
             <a:endParaRPr/>
           </a:p>
           <a:p>
-            <a:pPr indent="-342900" lvl="0" marL="457200" rtl="0" algn="l">
+            <a:pPr marL="457200" lvl="0" indent="-342900" algn="l" rtl="0">
               <a:spcBef>
                 <a:spcPts val="0"/>
               </a:spcBef>
@@ -8300,7 +8518,7 @@
             <a:endParaRPr/>
           </a:p>
           <a:p>
-            <a:pPr indent="-342900" lvl="0" marL="457200" rtl="0" algn="l">
+            <a:pPr marL="457200" lvl="0" indent="-342900" algn="l" rtl="0">
               <a:spcBef>
                 <a:spcPts val="0"/>
               </a:spcBef>
@@ -8317,7 +8535,7 @@
             <a:endParaRPr/>
           </a:p>
           <a:p>
-            <a:pPr indent="-342900" lvl="0" marL="457200" rtl="0" algn="l">
+            <a:pPr marL="457200" lvl="0" indent="-342900" algn="l" rtl="0">
               <a:spcBef>
                 <a:spcPts val="0"/>
               </a:spcBef>
@@ -8372,11 +8590,11 @@
 </file>
 
 <file path=ppt/slides/slide14.xml><?xml version="1.0" encoding="utf-8"?>
-<p:sld xmlns:a="http://schemas.openxmlformats.org/drawingml/2006/main" xmlns:r="http://schemas.openxmlformats.org/officeDocument/2006/relationships" xmlns:mc="http://schemas.openxmlformats.org/markup-compatibility/2006" xmlns:mv="urn:schemas-microsoft-com:mac:vml" xmlns:p="http://schemas.openxmlformats.org/presentationml/2006/main" xmlns:c="http://schemas.openxmlformats.org/drawingml/2006/chart" xmlns:dgm="http://schemas.openxmlformats.org/drawingml/2006/diagram" xmlns:o="urn:schemas-microsoft-com:office:office" xmlns:v="urn:schemas-microsoft-com:vml" xmlns:pvml="urn:schemas-microsoft-com:office:powerpoint" xmlns:com="http://schemas.openxmlformats.org/drawingml/2006/compatibility" xmlns:p14="http://schemas.microsoft.com/office/powerpoint/2010/main" xmlns:p15="http://schemas.microsoft.com/office/powerpoint/2012/main">
+<p:sld xmlns:a="http://schemas.openxmlformats.org/drawingml/2006/main" xmlns:r="http://schemas.openxmlformats.org/officeDocument/2006/relationships" xmlns:p="http://schemas.openxmlformats.org/presentationml/2006/main">
   <p:cSld>
     <p:spTree>
       <p:nvGrpSpPr>
-        <p:cNvPr id="147" name="Shape 147"/>
+        <p:cNvPr id="1" name="Shape 147"/>
         <p:cNvGrpSpPr/>
         <p:nvPr/>
       </p:nvGrpSpPr>
@@ -8391,7 +8609,9 @@
       <p:sp>
         <p:nvSpPr>
           <p:cNvPr id="148" name="Google Shape;148;p26"/>
-          <p:cNvSpPr txBox="1"/>
+          <p:cNvSpPr txBox="1">
+            <a:spLocks noGrp="1"/>
+          </p:cNvSpPr>
           <p:nvPr>
             <p:ph type="title"/>
           </p:nvPr>
@@ -8406,12 +8626,12 @@
           </a:prstGeom>
         </p:spPr>
         <p:txBody>
-          <a:bodyPr anchorCtr="0" anchor="t" bIns="91425" lIns="91425" spcFirstLastPara="1" rIns="91425" wrap="square" tIns="91425">
+          <a:bodyPr spcFirstLastPara="1" wrap="square" lIns="91425" tIns="91425" rIns="91425" bIns="91425" anchor="t" anchorCtr="0">
             <a:noAutofit/>
           </a:bodyPr>
           <a:lstStyle/>
           <a:p>
-            <a:pPr indent="0" lvl="0" marL="0" rtl="0" algn="l">
+            <a:pPr marL="0" lvl="0" indent="0" algn="l" rtl="0">
               <a:spcBef>
                 <a:spcPts val="0"/>
               </a:spcBef>
@@ -8422,11 +8642,7 @@
             </a:pPr>
             <a:r>
               <a:rPr lang="en"/>
-              <a:t>Lessons</a:t>
-            </a:r>
-            <a:r>
-              <a:rPr lang="en"/>
-              <a:t> Learned</a:t>
+              <a:t>Lessons Learned</a:t>
             </a:r>
             <a:endParaRPr/>
           </a:p>
@@ -8435,9 +8651,11 @@
       <p:sp>
         <p:nvSpPr>
           <p:cNvPr id="149" name="Google Shape;149;p26"/>
-          <p:cNvSpPr txBox="1"/>
+          <p:cNvSpPr txBox="1">
+            <a:spLocks noGrp="1"/>
+          </p:cNvSpPr>
           <p:nvPr>
-            <p:ph idx="1" type="body"/>
+            <p:ph type="body" idx="1"/>
           </p:nvPr>
         </p:nvSpPr>
         <p:spPr>
@@ -8450,12 +8668,12 @@
           </a:prstGeom>
         </p:spPr>
         <p:txBody>
-          <a:bodyPr anchorCtr="0" anchor="t" bIns="91425" lIns="91425" spcFirstLastPara="1" rIns="91425" wrap="square" tIns="91425">
+          <a:bodyPr spcFirstLastPara="1" wrap="square" lIns="91425" tIns="91425" rIns="91425" bIns="91425" anchor="t" anchorCtr="0">
             <a:noAutofit/>
           </a:bodyPr>
           <a:lstStyle/>
           <a:p>
-            <a:pPr indent="-342900" lvl="0" marL="457200" rtl="0" algn="l">
+            <a:pPr marL="457200" lvl="0" indent="-342900" algn="l" rtl="0">
               <a:spcBef>
                 <a:spcPts val="0"/>
               </a:spcBef>
@@ -8472,7 +8690,7 @@
             <a:endParaRPr/>
           </a:p>
           <a:p>
-            <a:pPr indent="-342900" lvl="0" marL="457200" rtl="0" algn="l">
+            <a:pPr marL="457200" lvl="0" indent="-342900" algn="l" rtl="0">
               <a:spcBef>
                 <a:spcPts val="0"/>
               </a:spcBef>
@@ -8489,7 +8707,7 @@
             <a:endParaRPr/>
           </a:p>
           <a:p>
-            <a:pPr indent="-342900" lvl="0" marL="457200" rtl="0" algn="l">
+            <a:pPr marL="457200" lvl="0" indent="-342900" algn="l" rtl="0">
               <a:spcBef>
                 <a:spcPts val="0"/>
               </a:spcBef>
@@ -8516,11 +8734,11 @@
 </file>
 
 <file path=ppt/slides/slide15.xml><?xml version="1.0" encoding="utf-8"?>
-<p:sld xmlns:a="http://schemas.openxmlformats.org/drawingml/2006/main" xmlns:r="http://schemas.openxmlformats.org/officeDocument/2006/relationships" xmlns:mc="http://schemas.openxmlformats.org/markup-compatibility/2006" xmlns:mv="urn:schemas-microsoft-com:mac:vml" xmlns:p="http://schemas.openxmlformats.org/presentationml/2006/main" xmlns:c="http://schemas.openxmlformats.org/drawingml/2006/chart" xmlns:dgm="http://schemas.openxmlformats.org/drawingml/2006/diagram" xmlns:o="urn:schemas-microsoft-com:office:office" xmlns:v="urn:schemas-microsoft-com:vml" xmlns:pvml="urn:schemas-microsoft-com:office:powerpoint" xmlns:com="http://schemas.openxmlformats.org/drawingml/2006/compatibility" xmlns:p14="http://schemas.microsoft.com/office/powerpoint/2010/main" xmlns:p15="http://schemas.microsoft.com/office/powerpoint/2012/main">
+<p:sld xmlns:a="http://schemas.openxmlformats.org/drawingml/2006/main" xmlns:r="http://schemas.openxmlformats.org/officeDocument/2006/relationships" xmlns:p="http://schemas.openxmlformats.org/presentationml/2006/main">
   <p:cSld>
     <p:spTree>
       <p:nvGrpSpPr>
-        <p:cNvPr id="153" name="Shape 153"/>
+        <p:cNvPr id="1" name="Shape 153"/>
         <p:cNvGrpSpPr/>
         <p:nvPr/>
       </p:nvGrpSpPr>
@@ -8535,7 +8753,9 @@
       <p:sp>
         <p:nvSpPr>
           <p:cNvPr id="154" name="Google Shape;154;p27"/>
-          <p:cNvSpPr txBox="1"/>
+          <p:cNvSpPr txBox="1">
+            <a:spLocks noGrp="1"/>
+          </p:cNvSpPr>
           <p:nvPr>
             <p:ph type="title"/>
           </p:nvPr>
@@ -8550,12 +8770,12 @@
           </a:prstGeom>
         </p:spPr>
         <p:txBody>
-          <a:bodyPr anchorCtr="0" anchor="t" bIns="91425" lIns="91425" spcFirstLastPara="1" rIns="91425" wrap="square" tIns="91425">
+          <a:bodyPr spcFirstLastPara="1" wrap="square" lIns="91425" tIns="91425" rIns="91425" bIns="91425" anchor="t" anchorCtr="0">
             <a:noAutofit/>
           </a:bodyPr>
           <a:lstStyle/>
           <a:p>
-            <a:pPr indent="0" lvl="0" marL="0" rtl="0" algn="l">
+            <a:pPr marL="0" lvl="0" indent="0" algn="l" rtl="0">
               <a:spcBef>
                 <a:spcPts val="0"/>
               </a:spcBef>
@@ -8575,9 +8795,11 @@
       <p:sp>
         <p:nvSpPr>
           <p:cNvPr id="155" name="Google Shape;155;p27"/>
-          <p:cNvSpPr txBox="1"/>
+          <p:cNvSpPr txBox="1">
+            <a:spLocks noGrp="1"/>
+          </p:cNvSpPr>
           <p:nvPr>
-            <p:ph idx="1" type="body"/>
+            <p:ph type="body" idx="1"/>
           </p:nvPr>
         </p:nvSpPr>
         <p:spPr>
@@ -8590,12 +8812,12 @@
           </a:prstGeom>
         </p:spPr>
         <p:txBody>
-          <a:bodyPr anchorCtr="0" anchor="t" bIns="91425" lIns="91425" spcFirstLastPara="1" rIns="91425" wrap="square" tIns="91425">
+          <a:bodyPr spcFirstLastPara="1" wrap="square" lIns="91425" tIns="91425" rIns="91425" bIns="91425" anchor="t" anchorCtr="0">
             <a:noAutofit/>
           </a:bodyPr>
           <a:lstStyle/>
           <a:p>
-            <a:pPr indent="-342900" lvl="0" marL="457200" rtl="0" algn="l">
+            <a:pPr marL="457200" lvl="0" indent="-342900" algn="l" rtl="0">
               <a:spcBef>
                 <a:spcPts val="0"/>
               </a:spcBef>
@@ -8607,16 +8829,12 @@
             </a:pPr>
             <a:r>
               <a:rPr lang="en"/>
-              <a:t>Computer</a:t>
+              <a:t>Computer Vision and object detection</a:t>
             </a:r>
-            <a:r>
-              <a:rPr lang="en"/>
-              <a:t> Vision and object detection</a:t>
-            </a:r>
-            <a:endParaRPr/>
-          </a:p>
-          <a:p>
-            <a:pPr indent="-317500" lvl="1" marL="914400" rtl="0" algn="l">
+            <a:endParaRPr/>
+          </a:p>
+          <a:p>
+            <a:pPr marL="914400" lvl="1" indent="-317500" algn="l" rtl="0">
               <a:spcBef>
                 <a:spcPts val="0"/>
               </a:spcBef>
@@ -8633,7 +8851,7 @@
             <a:endParaRPr/>
           </a:p>
           <a:p>
-            <a:pPr indent="-317500" lvl="1" marL="914400" rtl="0" algn="l">
+            <a:pPr marL="914400" lvl="1" indent="-317500" algn="l" rtl="0">
               <a:spcBef>
                 <a:spcPts val="0"/>
               </a:spcBef>
@@ -8660,11 +8878,11 @@
 </file>
 
 <file path=ppt/slides/slide16.xml><?xml version="1.0" encoding="utf-8"?>
-<p:sld xmlns:a="http://schemas.openxmlformats.org/drawingml/2006/main" xmlns:r="http://schemas.openxmlformats.org/officeDocument/2006/relationships" xmlns:mc="http://schemas.openxmlformats.org/markup-compatibility/2006" xmlns:mv="urn:schemas-microsoft-com:mac:vml" xmlns:p="http://schemas.openxmlformats.org/presentationml/2006/main" xmlns:c="http://schemas.openxmlformats.org/drawingml/2006/chart" xmlns:dgm="http://schemas.openxmlformats.org/drawingml/2006/diagram" xmlns:o="urn:schemas-microsoft-com:office:office" xmlns:v="urn:schemas-microsoft-com:vml" xmlns:pvml="urn:schemas-microsoft-com:office:powerpoint" xmlns:com="http://schemas.openxmlformats.org/drawingml/2006/compatibility" xmlns:p14="http://schemas.microsoft.com/office/powerpoint/2010/main" xmlns:p15="http://schemas.microsoft.com/office/powerpoint/2012/main">
+<p:sld xmlns:a="http://schemas.openxmlformats.org/drawingml/2006/main" xmlns:r="http://schemas.openxmlformats.org/officeDocument/2006/relationships" xmlns:p="http://schemas.openxmlformats.org/presentationml/2006/main">
   <p:cSld>
     <p:spTree>
       <p:nvGrpSpPr>
-        <p:cNvPr id="159" name="Shape 159"/>
+        <p:cNvPr id="1" name="Shape 159"/>
         <p:cNvGrpSpPr/>
         <p:nvPr/>
       </p:nvGrpSpPr>
@@ -8679,7 +8897,9 @@
       <p:sp>
         <p:nvSpPr>
           <p:cNvPr id="160" name="Google Shape;160;p28"/>
-          <p:cNvSpPr txBox="1"/>
+          <p:cNvSpPr txBox="1">
+            <a:spLocks noGrp="1"/>
+          </p:cNvSpPr>
           <p:nvPr>
             <p:ph type="title"/>
           </p:nvPr>
@@ -8694,12 +8914,12 @@
           </a:prstGeom>
         </p:spPr>
         <p:txBody>
-          <a:bodyPr anchorCtr="0" anchor="t" bIns="91425" lIns="91425" spcFirstLastPara="1" rIns="91425" wrap="square" tIns="91425">
+          <a:bodyPr spcFirstLastPara="1" wrap="square" lIns="91425" tIns="91425" rIns="91425" bIns="91425" anchor="t" anchorCtr="0">
             <a:noAutofit/>
           </a:bodyPr>
           <a:lstStyle/>
           <a:p>
-            <a:pPr indent="0" lvl="0" marL="0" rtl="0" algn="l">
+            <a:pPr marL="0" lvl="0" indent="0" algn="l" rtl="0">
               <a:spcBef>
                 <a:spcPts val="0"/>
               </a:spcBef>
@@ -8719,9 +8939,11 @@
       <p:sp>
         <p:nvSpPr>
           <p:cNvPr id="161" name="Google Shape;161;p28"/>
-          <p:cNvSpPr txBox="1"/>
+          <p:cNvSpPr txBox="1">
+            <a:spLocks noGrp="1"/>
+          </p:cNvSpPr>
           <p:nvPr>
-            <p:ph idx="1" type="body"/>
+            <p:ph type="body" idx="1"/>
           </p:nvPr>
         </p:nvSpPr>
         <p:spPr>
@@ -8734,27 +8956,24 @@
           </a:prstGeom>
         </p:spPr>
         <p:txBody>
-          <a:bodyPr anchorCtr="0" anchor="t" bIns="91425" lIns="91425" spcFirstLastPara="1" rIns="91425" wrap="square" tIns="91425">
+          <a:bodyPr spcFirstLastPara="1" wrap="square" lIns="91425" tIns="91425" rIns="91425" bIns="91425" anchor="t" anchorCtr="0">
             <a:noAutofit/>
           </a:bodyPr>
           <a:lstStyle/>
           <a:p>
-            <a:pPr indent="0" lvl="0" marL="0" rtl="0" algn="l">
-              <a:spcBef>
-                <a:spcPts val="0"/>
-              </a:spcBef>
-              <a:spcAft>
-                <a:spcPts val="0"/>
-              </a:spcAft>
-              <a:buNone/>
-            </a:pPr>
-            <a:r>
-              <a:t/>
-            </a:r>
-            <a:endParaRPr/>
-          </a:p>
-          <a:p>
-            <a:pPr indent="0" lvl="0" marL="0" rtl="0" algn="l">
+            <a:pPr marL="0" lvl="0" indent="0" algn="l" rtl="0">
+              <a:spcBef>
+                <a:spcPts val="0"/>
+              </a:spcBef>
+              <a:spcAft>
+                <a:spcPts val="0"/>
+              </a:spcAft>
+              <a:buNone/>
+            </a:pPr>
+            <a:endParaRPr/>
+          </a:p>
+          <a:p>
+            <a:pPr marL="0" lvl="0" indent="0" algn="l" rtl="0">
               <a:spcBef>
                 <a:spcPts val="1600"/>
               </a:spcBef>
@@ -8763,13 +8982,10 @@
               </a:spcAft>
               <a:buNone/>
             </a:pPr>
-            <a:r>
-              <a:t/>
-            </a:r>
-            <a:endParaRPr/>
-          </a:p>
-          <a:p>
-            <a:pPr indent="0" lvl="0" marL="0" rtl="0" algn="l">
+            <a:endParaRPr/>
+          </a:p>
+          <a:p>
+            <a:pPr marL="0" lvl="0" indent="0" algn="l" rtl="0">
               <a:spcBef>
                 <a:spcPts val="1600"/>
               </a:spcBef>
@@ -8778,13 +8994,10 @@
               </a:spcAft>
               <a:buNone/>
             </a:pPr>
-            <a:r>
-              <a:t/>
-            </a:r>
-            <a:endParaRPr/>
-          </a:p>
-          <a:p>
-            <a:pPr indent="0" lvl="0" marL="0" rtl="0" algn="l">
+            <a:endParaRPr/>
+          </a:p>
+          <a:p>
+            <a:pPr marL="0" lvl="0" indent="0" algn="l" rtl="0">
               <a:spcBef>
                 <a:spcPts val="1600"/>
               </a:spcBef>
@@ -8793,13 +9006,10 @@
               </a:spcAft>
               <a:buNone/>
             </a:pPr>
-            <a:r>
-              <a:t/>
-            </a:r>
-            <a:endParaRPr/>
-          </a:p>
-          <a:p>
-            <a:pPr indent="0" lvl="0" marL="0" rtl="0" algn="l">
+            <a:endParaRPr/>
+          </a:p>
+          <a:p>
+            <a:pPr marL="0" lvl="0" indent="0" algn="l" rtl="0">
               <a:spcBef>
                 <a:spcPts val="1600"/>
               </a:spcBef>
@@ -8808,13 +9018,10 @@
               </a:spcAft>
               <a:buNone/>
             </a:pPr>
-            <a:r>
-              <a:t/>
-            </a:r>
-            <a:endParaRPr/>
-          </a:p>
-          <a:p>
-            <a:pPr indent="0" lvl="0" marL="0" rtl="0" algn="l">
+            <a:endParaRPr/>
+          </a:p>
+          <a:p>
+            <a:pPr marL="0" lvl="0" indent="0" algn="l" rtl="0">
               <a:spcBef>
                 <a:spcPts val="1600"/>
               </a:spcBef>
@@ -8823,13 +9030,10 @@
               </a:spcAft>
               <a:buNone/>
             </a:pPr>
-            <a:r>
-              <a:t/>
-            </a:r>
-            <a:endParaRPr/>
-          </a:p>
-          <a:p>
-            <a:pPr indent="0" lvl="0" marL="0" rtl="0" algn="l">
+            <a:endParaRPr/>
+          </a:p>
+          <a:p>
+            <a:pPr marL="0" lvl="0" indent="0" algn="l" rtl="0">
               <a:spcBef>
                 <a:spcPts val="1600"/>
               </a:spcBef>
@@ -8856,7 +9060,7 @@
       </p:sp>
       <p:pic>
         <p:nvPicPr>
-          <p:cNvPr descr="Image result for create your own neural network" id="162" name="Google Shape;162;p28"/>
+          <p:cNvPr id="162" name="Google Shape;162;p28" descr="Image result for create your own neural network"/>
           <p:cNvPicPr preferRelativeResize="0"/>
           <p:nvPr/>
         </p:nvPicPr>
@@ -8891,11 +9095,11 @@
 </file>
 
 <file path=ppt/slides/slide2.xml><?xml version="1.0" encoding="utf-8"?>
-<p:sld xmlns:a="http://schemas.openxmlformats.org/drawingml/2006/main" xmlns:r="http://schemas.openxmlformats.org/officeDocument/2006/relationships" xmlns:mc="http://schemas.openxmlformats.org/markup-compatibility/2006" xmlns:mv="urn:schemas-microsoft-com:mac:vml" xmlns:p="http://schemas.openxmlformats.org/presentationml/2006/main" xmlns:c="http://schemas.openxmlformats.org/drawingml/2006/chart" xmlns:dgm="http://schemas.openxmlformats.org/drawingml/2006/diagram" xmlns:o="urn:schemas-microsoft-com:office:office" xmlns:v="urn:schemas-microsoft-com:vml" xmlns:pvml="urn:schemas-microsoft-com:office:powerpoint" xmlns:com="http://schemas.openxmlformats.org/drawingml/2006/compatibility" xmlns:p14="http://schemas.microsoft.com/office/powerpoint/2010/main" xmlns:p15="http://schemas.microsoft.com/office/powerpoint/2012/main">
+<p:sld xmlns:a="http://schemas.openxmlformats.org/drawingml/2006/main" xmlns:r="http://schemas.openxmlformats.org/officeDocument/2006/relationships" xmlns:p="http://schemas.openxmlformats.org/presentationml/2006/main">
   <p:cSld>
     <p:spTree>
       <p:nvGrpSpPr>
-        <p:cNvPr id="64" name="Shape 64"/>
+        <p:cNvPr id="1" name="Shape 64"/>
         <p:cNvGrpSpPr/>
         <p:nvPr/>
       </p:nvGrpSpPr>
@@ -8910,7 +9114,9 @@
       <p:sp>
         <p:nvSpPr>
           <p:cNvPr id="65" name="Google Shape;65;p14"/>
-          <p:cNvSpPr txBox="1"/>
+          <p:cNvSpPr txBox="1">
+            <a:spLocks noGrp="1"/>
+          </p:cNvSpPr>
           <p:nvPr>
             <p:ph type="title"/>
           </p:nvPr>
@@ -8925,12 +9131,12 @@
           </a:prstGeom>
         </p:spPr>
         <p:txBody>
-          <a:bodyPr anchorCtr="0" anchor="t" bIns="91425" lIns="91425" spcFirstLastPara="1" rIns="91425" wrap="square" tIns="91425">
+          <a:bodyPr spcFirstLastPara="1" wrap="square" lIns="91425" tIns="91425" rIns="91425" bIns="91425" anchor="t" anchorCtr="0">
             <a:noAutofit/>
           </a:bodyPr>
           <a:lstStyle/>
           <a:p>
-            <a:pPr indent="0" lvl="0" marL="0" rtl="0" algn="l">
+            <a:pPr marL="0" lvl="0" indent="0" algn="l" rtl="0">
               <a:spcBef>
                 <a:spcPts val="0"/>
               </a:spcBef>
@@ -8995,12 +9201,12 @@
           </a:ln>
         </p:spPr>
         <p:txBody>
-          <a:bodyPr anchorCtr="0" anchor="t" bIns="91425" lIns="91425" spcFirstLastPara="1" rIns="91425" wrap="square" tIns="91425">
+          <a:bodyPr spcFirstLastPara="1" wrap="square" lIns="91425" tIns="91425" rIns="91425" bIns="91425" anchor="t" anchorCtr="0">
             <a:noAutofit/>
           </a:bodyPr>
           <a:lstStyle/>
           <a:p>
-            <a:pPr indent="-342900" lvl="0" marL="457200" rtl="0" algn="l">
+            <a:pPr marL="457200" lvl="0" indent="-342900" algn="l" rtl="0">
               <a:spcBef>
                 <a:spcPts val="0"/>
               </a:spcBef>
@@ -9037,7 +9243,7 @@
             </a:endParaRPr>
           </a:p>
           <a:p>
-            <a:pPr indent="-342900" lvl="0" marL="457200" rtl="0" algn="l">
+            <a:pPr marL="457200" lvl="0" indent="-342900" algn="l" rtl="0">
               <a:spcBef>
                 <a:spcPts val="0"/>
               </a:spcBef>
@@ -9074,18 +9280,15 @@
             </a:endParaRPr>
           </a:p>
           <a:p>
-            <a:pPr indent="0" lvl="0" marL="0" rtl="0" algn="l">
-              <a:spcBef>
-                <a:spcPts val="0"/>
-              </a:spcBef>
-              <a:spcAft>
-                <a:spcPts val="0"/>
-              </a:spcAft>
-              <a:buNone/>
-            </a:pPr>
-            <a:r>
-              <a:t/>
-            </a:r>
+            <a:pPr marL="0" lvl="0" indent="0" algn="l" rtl="0">
+              <a:spcBef>
+                <a:spcPts val="0"/>
+              </a:spcBef>
+              <a:spcAft>
+                <a:spcPts val="0"/>
+              </a:spcAft>
+              <a:buNone/>
+            </a:pPr>
             <a:endParaRPr sz="1800">
               <a:solidFill>
                 <a:schemeClr val="lt2"/>
@@ -9097,18 +9300,15 @@
             </a:endParaRPr>
           </a:p>
           <a:p>
-            <a:pPr indent="0" lvl="0" marL="0" rtl="0" algn="l">
-              <a:spcBef>
-                <a:spcPts val="0"/>
-              </a:spcBef>
-              <a:spcAft>
-                <a:spcPts val="0"/>
-              </a:spcAft>
-              <a:buNone/>
-            </a:pPr>
-            <a:r>
-              <a:t/>
-            </a:r>
+            <a:pPr marL="0" lvl="0" indent="0" algn="l" rtl="0">
+              <a:spcBef>
+                <a:spcPts val="0"/>
+              </a:spcBef>
+              <a:spcAft>
+                <a:spcPts val="0"/>
+              </a:spcAft>
+              <a:buNone/>
+            </a:pPr>
             <a:endParaRPr sz="1800">
               <a:solidFill>
                 <a:schemeClr val="lt2"/>
@@ -9120,7 +9320,7 @@
             </a:endParaRPr>
           </a:p>
           <a:p>
-            <a:pPr indent="-342900" lvl="0" marL="457200" rtl="0" algn="l">
+            <a:pPr marL="457200" lvl="0" indent="-342900" algn="l" rtl="0">
               <a:spcBef>
                 <a:spcPts val="0"/>
               </a:spcBef>
@@ -9167,11 +9367,11 @@
 </file>
 
 <file path=ppt/slides/slide3.xml><?xml version="1.0" encoding="utf-8"?>
-<p:sld xmlns:a="http://schemas.openxmlformats.org/drawingml/2006/main" xmlns:r="http://schemas.openxmlformats.org/officeDocument/2006/relationships" xmlns:mc="http://schemas.openxmlformats.org/markup-compatibility/2006" xmlns:mv="urn:schemas-microsoft-com:mac:vml" xmlns:p="http://schemas.openxmlformats.org/presentationml/2006/main" xmlns:c="http://schemas.openxmlformats.org/drawingml/2006/chart" xmlns:dgm="http://schemas.openxmlformats.org/drawingml/2006/diagram" xmlns:o="urn:schemas-microsoft-com:office:office" xmlns:v="urn:schemas-microsoft-com:vml" xmlns:pvml="urn:schemas-microsoft-com:office:powerpoint" xmlns:com="http://schemas.openxmlformats.org/drawingml/2006/compatibility" xmlns:p14="http://schemas.microsoft.com/office/powerpoint/2010/main" xmlns:p15="http://schemas.microsoft.com/office/powerpoint/2012/main">
+<p:sld xmlns:a="http://schemas.openxmlformats.org/drawingml/2006/main" xmlns:r="http://schemas.openxmlformats.org/officeDocument/2006/relationships" xmlns:p="http://schemas.openxmlformats.org/presentationml/2006/main">
   <p:cSld>
     <p:spTree>
       <p:nvGrpSpPr>
-        <p:cNvPr id="71" name="Shape 71"/>
+        <p:cNvPr id="1" name="Shape 71"/>
         <p:cNvGrpSpPr/>
         <p:nvPr/>
       </p:nvGrpSpPr>
@@ -9186,7 +9386,9 @@
       <p:sp>
         <p:nvSpPr>
           <p:cNvPr id="72" name="Google Shape;72;p15"/>
-          <p:cNvSpPr txBox="1"/>
+          <p:cNvSpPr txBox="1">
+            <a:spLocks noGrp="1"/>
+          </p:cNvSpPr>
           <p:nvPr>
             <p:ph type="title"/>
           </p:nvPr>
@@ -9201,12 +9403,12 @@
           </a:prstGeom>
         </p:spPr>
         <p:txBody>
-          <a:bodyPr anchorCtr="0" anchor="t" bIns="91425" lIns="91425" spcFirstLastPara="1" rIns="91425" wrap="square" tIns="91425">
+          <a:bodyPr spcFirstLastPara="1" wrap="square" lIns="91425" tIns="91425" rIns="91425" bIns="91425" anchor="t" anchorCtr="0">
             <a:noAutofit/>
           </a:bodyPr>
           <a:lstStyle/>
           <a:p>
-            <a:pPr indent="0" lvl="0" marL="0" rtl="0" algn="l">
+            <a:pPr marL="0" lvl="0" indent="0" algn="l" rtl="0">
               <a:spcBef>
                 <a:spcPts val="0"/>
               </a:spcBef>
@@ -9226,9 +9428,11 @@
       <p:sp>
         <p:nvSpPr>
           <p:cNvPr id="73" name="Google Shape;73;p15"/>
-          <p:cNvSpPr txBox="1"/>
+          <p:cNvSpPr txBox="1">
+            <a:spLocks noGrp="1"/>
+          </p:cNvSpPr>
           <p:nvPr>
-            <p:ph idx="1" type="body"/>
+            <p:ph type="body" idx="1"/>
           </p:nvPr>
         </p:nvSpPr>
         <p:spPr>
@@ -9241,12 +9445,12 @@
           </a:prstGeom>
         </p:spPr>
         <p:txBody>
-          <a:bodyPr anchorCtr="0" anchor="t" bIns="91425" lIns="91425" spcFirstLastPara="1" rIns="91425" wrap="square" tIns="91425">
+          <a:bodyPr spcFirstLastPara="1" wrap="square" lIns="91425" tIns="91425" rIns="91425" bIns="91425" anchor="t" anchorCtr="0">
             <a:noAutofit/>
           </a:bodyPr>
           <a:lstStyle/>
           <a:p>
-            <a:pPr indent="0" lvl="0" marL="0" rtl="0" algn="l">
+            <a:pPr marL="0" lvl="0" indent="0" algn="l" rtl="0">
               <a:spcBef>
                 <a:spcPts val="0"/>
               </a:spcBef>
@@ -9257,12 +9461,12 @@
             </a:pPr>
             <a:r>
               <a:rPr lang="en"/>
-              <a:t>Sigmoid					  TanH						Relu	</a:t>
+              <a:t>Sigm				TanH				Relu	</a:t>
             </a:r>
-            <a:endParaRPr/>
-          </a:p>
-          <a:p>
-            <a:pPr indent="0" lvl="0" marL="0" rtl="0" algn="l">
+            <a:endParaRPr dirty="0"/>
+          </a:p>
+          <a:p>
+            <a:pPr marL="0" lvl="0" indent="0" algn="l" rtl="0">
               <a:spcBef>
                 <a:spcPts val="1600"/>
               </a:spcBef>
@@ -9271,10 +9475,7 @@
               </a:spcAft>
               <a:buNone/>
             </a:pPr>
-            <a:r>
-              <a:t/>
-            </a:r>
-            <a:endParaRPr/>
+            <a:endParaRPr dirty="0"/>
           </a:p>
         </p:txBody>
       </p:sp>
@@ -9371,11 +9572,11 @@
 </file>
 
 <file path=ppt/slides/slide4.xml><?xml version="1.0" encoding="utf-8"?>
-<p:sld xmlns:a="http://schemas.openxmlformats.org/drawingml/2006/main" xmlns:r="http://schemas.openxmlformats.org/officeDocument/2006/relationships" xmlns:mc="http://schemas.openxmlformats.org/markup-compatibility/2006" xmlns:mv="urn:schemas-microsoft-com:mac:vml" xmlns:p="http://schemas.openxmlformats.org/presentationml/2006/main" xmlns:c="http://schemas.openxmlformats.org/drawingml/2006/chart" xmlns:dgm="http://schemas.openxmlformats.org/drawingml/2006/diagram" xmlns:o="urn:schemas-microsoft-com:office:office" xmlns:v="urn:schemas-microsoft-com:vml" xmlns:pvml="urn:schemas-microsoft-com:office:powerpoint" xmlns:com="http://schemas.openxmlformats.org/drawingml/2006/compatibility" xmlns:p14="http://schemas.microsoft.com/office/powerpoint/2010/main" xmlns:p15="http://schemas.microsoft.com/office/powerpoint/2012/main">
+<p:sld xmlns:a="http://schemas.openxmlformats.org/drawingml/2006/main" xmlns:r="http://schemas.openxmlformats.org/officeDocument/2006/relationships" xmlns:p="http://schemas.openxmlformats.org/presentationml/2006/main">
   <p:cSld>
     <p:spTree>
       <p:nvGrpSpPr>
-        <p:cNvPr id="80" name="Shape 80"/>
+        <p:cNvPr id="1" name="Shape 80"/>
         <p:cNvGrpSpPr/>
         <p:nvPr/>
       </p:nvGrpSpPr>
@@ -9390,7 +9591,9 @@
       <p:sp>
         <p:nvSpPr>
           <p:cNvPr id="81" name="Google Shape;81;p16"/>
-          <p:cNvSpPr txBox="1"/>
+          <p:cNvSpPr txBox="1">
+            <a:spLocks noGrp="1"/>
+          </p:cNvSpPr>
           <p:nvPr>
             <p:ph type="title"/>
           </p:nvPr>
@@ -9405,12 +9608,12 @@
           </a:prstGeom>
         </p:spPr>
         <p:txBody>
-          <a:bodyPr anchorCtr="0" anchor="t" bIns="91425" lIns="91425" spcFirstLastPara="1" rIns="91425" wrap="square" tIns="91425">
+          <a:bodyPr spcFirstLastPara="1" wrap="square" lIns="91425" tIns="91425" rIns="91425" bIns="91425" anchor="t" anchorCtr="0">
             <a:noAutofit/>
           </a:bodyPr>
           <a:lstStyle/>
           <a:p>
-            <a:pPr indent="0" lvl="0" marL="0" rtl="0" algn="l">
+            <a:pPr marL="0" lvl="0" indent="0" algn="l" rtl="0">
               <a:spcBef>
                 <a:spcPts val="0"/>
               </a:spcBef>
@@ -9430,9 +9633,11 @@
       <p:sp>
         <p:nvSpPr>
           <p:cNvPr id="82" name="Google Shape;82;p16"/>
-          <p:cNvSpPr txBox="1"/>
+          <p:cNvSpPr txBox="1">
+            <a:spLocks noGrp="1"/>
+          </p:cNvSpPr>
           <p:nvPr>
-            <p:ph idx="1" type="body"/>
+            <p:ph type="body" idx="1"/>
           </p:nvPr>
         </p:nvSpPr>
         <p:spPr>
@@ -9445,12 +9650,12 @@
           </a:prstGeom>
         </p:spPr>
         <p:txBody>
-          <a:bodyPr anchorCtr="0" anchor="t" bIns="91425" lIns="91425" spcFirstLastPara="1" rIns="91425" wrap="square" tIns="91425">
+          <a:bodyPr spcFirstLastPara="1" wrap="square" lIns="91425" tIns="91425" rIns="91425" bIns="91425" anchor="t" anchorCtr="0">
             <a:noAutofit/>
           </a:bodyPr>
           <a:lstStyle/>
           <a:p>
-            <a:pPr indent="-342900" lvl="0" marL="457200" rtl="0" algn="l">
+            <a:pPr marL="457200" lvl="0" indent="-342900" algn="l" rtl="0">
               <a:spcBef>
                 <a:spcPts val="0"/>
               </a:spcBef>
@@ -9467,7 +9672,7 @@
             <a:endParaRPr/>
           </a:p>
           <a:p>
-            <a:pPr indent="0" lvl="0" marL="0" rtl="0" algn="l">
+            <a:pPr marL="0" lvl="0" indent="0" algn="l" rtl="0">
               <a:spcBef>
                 <a:spcPts val="1600"/>
               </a:spcBef>
@@ -9476,13 +9681,10 @@
               </a:spcAft>
               <a:buNone/>
             </a:pPr>
-            <a:r>
-              <a:t/>
-            </a:r>
-            <a:endParaRPr/>
-          </a:p>
-          <a:p>
-            <a:pPr indent="-342900" lvl="0" marL="457200" rtl="0" algn="l">
+            <a:endParaRPr/>
+          </a:p>
+          <a:p>
+            <a:pPr marL="457200" lvl="0" indent="-342900" algn="l" rtl="0">
               <a:spcBef>
                 <a:spcPts val="1600"/>
               </a:spcBef>
@@ -9499,7 +9701,7 @@
             <a:endParaRPr/>
           </a:p>
           <a:p>
-            <a:pPr indent="-317500" lvl="1" marL="914400" rtl="0" algn="l">
+            <a:pPr marL="914400" lvl="1" indent="-317500" algn="l" rtl="0">
               <a:spcBef>
                 <a:spcPts val="0"/>
               </a:spcBef>
@@ -9516,7 +9718,7 @@
             <a:endParaRPr/>
           </a:p>
           <a:p>
-            <a:pPr indent="-317500" lvl="1" marL="914400" rtl="0" algn="l">
+            <a:pPr marL="914400" lvl="1" indent="-317500" algn="l" rtl="0">
               <a:spcBef>
                 <a:spcPts val="0"/>
               </a:spcBef>
@@ -9543,11 +9745,11 @@
 </file>
 
 <file path=ppt/slides/slide5.xml><?xml version="1.0" encoding="utf-8"?>
-<p:sld xmlns:a="http://schemas.openxmlformats.org/drawingml/2006/main" xmlns:r="http://schemas.openxmlformats.org/officeDocument/2006/relationships" xmlns:mc="http://schemas.openxmlformats.org/markup-compatibility/2006" xmlns:mv="urn:schemas-microsoft-com:mac:vml" xmlns:p="http://schemas.openxmlformats.org/presentationml/2006/main" xmlns:c="http://schemas.openxmlformats.org/drawingml/2006/chart" xmlns:dgm="http://schemas.openxmlformats.org/drawingml/2006/diagram" xmlns:o="urn:schemas-microsoft-com:office:office" xmlns:v="urn:schemas-microsoft-com:vml" xmlns:pvml="urn:schemas-microsoft-com:office:powerpoint" xmlns:com="http://schemas.openxmlformats.org/drawingml/2006/compatibility" xmlns:p14="http://schemas.microsoft.com/office/powerpoint/2010/main" xmlns:p15="http://schemas.microsoft.com/office/powerpoint/2012/main">
+<p:sld xmlns:a="http://schemas.openxmlformats.org/drawingml/2006/main" xmlns:r="http://schemas.openxmlformats.org/officeDocument/2006/relationships" xmlns:p="http://schemas.openxmlformats.org/presentationml/2006/main">
   <p:cSld>
     <p:spTree>
       <p:nvGrpSpPr>
-        <p:cNvPr id="86" name="Shape 86"/>
+        <p:cNvPr id="1" name="Shape 86"/>
         <p:cNvGrpSpPr/>
         <p:nvPr/>
       </p:nvGrpSpPr>
@@ -9562,7 +9764,9 @@
       <p:sp>
         <p:nvSpPr>
           <p:cNvPr id="87" name="Google Shape;87;p17"/>
-          <p:cNvSpPr txBox="1"/>
+          <p:cNvSpPr txBox="1">
+            <a:spLocks noGrp="1"/>
+          </p:cNvSpPr>
           <p:nvPr>
             <p:ph type="title"/>
           </p:nvPr>
@@ -9577,12 +9781,12 @@
           </a:prstGeom>
         </p:spPr>
         <p:txBody>
-          <a:bodyPr anchorCtr="0" anchor="t" bIns="91425" lIns="91425" spcFirstLastPara="1" rIns="91425" wrap="square" tIns="91425">
+          <a:bodyPr spcFirstLastPara="1" wrap="square" lIns="91425" tIns="91425" rIns="91425" bIns="91425" anchor="t" anchorCtr="0">
             <a:noAutofit/>
           </a:bodyPr>
           <a:lstStyle/>
           <a:p>
-            <a:pPr indent="0" lvl="0" marL="0" rtl="0" algn="l">
+            <a:pPr marL="0" lvl="0" indent="0" algn="l" rtl="0">
               <a:spcBef>
                 <a:spcPts val="0"/>
               </a:spcBef>
@@ -9602,9 +9806,11 @@
       <p:sp>
         <p:nvSpPr>
           <p:cNvPr id="88" name="Google Shape;88;p17"/>
-          <p:cNvSpPr txBox="1"/>
+          <p:cNvSpPr txBox="1">
+            <a:spLocks noGrp="1"/>
+          </p:cNvSpPr>
           <p:nvPr>
-            <p:ph idx="1" type="body"/>
+            <p:ph type="body" idx="1"/>
           </p:nvPr>
         </p:nvSpPr>
         <p:spPr>
@@ -9617,12 +9823,12 @@
           </a:prstGeom>
         </p:spPr>
         <p:txBody>
-          <a:bodyPr anchorCtr="0" anchor="t" bIns="91425" lIns="91425" spcFirstLastPara="1" rIns="91425" wrap="square" tIns="91425">
+          <a:bodyPr spcFirstLastPara="1" wrap="square" lIns="91425" tIns="91425" rIns="91425" bIns="91425" anchor="t" anchorCtr="0">
             <a:noAutofit/>
           </a:bodyPr>
           <a:lstStyle/>
           <a:p>
-            <a:pPr indent="-342900" lvl="0" marL="457200" rtl="0" algn="l">
+            <a:pPr marL="457200" lvl="0" indent="-342900" algn="l" rtl="0">
               <a:spcBef>
                 <a:spcPts val="0"/>
               </a:spcBef>
@@ -9639,7 +9845,7 @@
             <a:endParaRPr/>
           </a:p>
           <a:p>
-            <a:pPr indent="0" lvl="0" marL="0" rtl="0" algn="l">
+            <a:pPr marL="0" lvl="0" indent="0" algn="l" rtl="0">
               <a:spcBef>
                 <a:spcPts val="1600"/>
               </a:spcBef>
@@ -9648,13 +9854,10 @@
               </a:spcAft>
               <a:buNone/>
             </a:pPr>
-            <a:r>
-              <a:t/>
-            </a:r>
-            <a:endParaRPr/>
-          </a:p>
-          <a:p>
-            <a:pPr indent="0" lvl="0" marL="0" rtl="0" algn="l">
+            <a:endParaRPr/>
+          </a:p>
+          <a:p>
+            <a:pPr marL="0" lvl="0" indent="0" algn="l" rtl="0">
               <a:spcBef>
                 <a:spcPts val="1600"/>
               </a:spcBef>
@@ -9663,13 +9866,10 @@
               </a:spcAft>
               <a:buNone/>
             </a:pPr>
-            <a:r>
-              <a:t/>
-            </a:r>
-            <a:endParaRPr/>
-          </a:p>
-          <a:p>
-            <a:pPr indent="0" lvl="0" marL="0" rtl="0" algn="l">
+            <a:endParaRPr/>
+          </a:p>
+          <a:p>
+            <a:pPr marL="0" lvl="0" indent="0" algn="l" rtl="0">
               <a:spcBef>
                 <a:spcPts val="1600"/>
               </a:spcBef>
@@ -9678,13 +9878,10 @@
               </a:spcAft>
               <a:buNone/>
             </a:pPr>
-            <a:r>
-              <a:t/>
-            </a:r>
-            <a:endParaRPr/>
-          </a:p>
-          <a:p>
-            <a:pPr indent="-342900" lvl="0" marL="457200" rtl="0" algn="l">
+            <a:endParaRPr/>
+          </a:p>
+          <a:p>
+            <a:pPr marL="457200" lvl="0" indent="-342900" algn="l" rtl="0">
               <a:spcBef>
                 <a:spcPts val="1600"/>
               </a:spcBef>
@@ -9701,7 +9898,7 @@
             <a:endParaRPr/>
           </a:p>
           <a:p>
-            <a:pPr indent="0" lvl="0" marL="0" rtl="0" algn="l">
+            <a:pPr marL="0" lvl="0" indent="0" algn="l" rtl="0">
               <a:spcBef>
                 <a:spcPts val="1600"/>
               </a:spcBef>
@@ -9710,9 +9907,6 @@
               </a:spcAft>
               <a:buNone/>
             </a:pPr>
-            <a:r>
-              <a:t/>
-            </a:r>
             <a:endParaRPr/>
           </a:p>
         </p:txBody>
@@ -9782,11 +9976,11 @@
 </file>
 
 <file path=ppt/slides/slide6.xml><?xml version="1.0" encoding="utf-8"?>
-<p:sld xmlns:a="http://schemas.openxmlformats.org/drawingml/2006/main" xmlns:r="http://schemas.openxmlformats.org/officeDocument/2006/relationships" xmlns:mc="http://schemas.openxmlformats.org/markup-compatibility/2006" xmlns:mv="urn:schemas-microsoft-com:mac:vml" xmlns:p="http://schemas.openxmlformats.org/presentationml/2006/main" xmlns:c="http://schemas.openxmlformats.org/drawingml/2006/chart" xmlns:dgm="http://schemas.openxmlformats.org/drawingml/2006/diagram" xmlns:o="urn:schemas-microsoft-com:office:office" xmlns:v="urn:schemas-microsoft-com:vml" xmlns:pvml="urn:schemas-microsoft-com:office:powerpoint" xmlns:com="http://schemas.openxmlformats.org/drawingml/2006/compatibility" xmlns:p14="http://schemas.microsoft.com/office/powerpoint/2010/main" xmlns:p15="http://schemas.microsoft.com/office/powerpoint/2012/main">
+<p:sld xmlns:a="http://schemas.openxmlformats.org/drawingml/2006/main" xmlns:r="http://schemas.openxmlformats.org/officeDocument/2006/relationships" xmlns:p="http://schemas.openxmlformats.org/presentationml/2006/main">
   <p:cSld>
     <p:spTree>
       <p:nvGrpSpPr>
-        <p:cNvPr id="94" name="Shape 94"/>
+        <p:cNvPr id="1" name="Shape 94"/>
         <p:cNvGrpSpPr/>
         <p:nvPr/>
       </p:nvGrpSpPr>
@@ -9801,7 +9995,9 @@
       <p:sp>
         <p:nvSpPr>
           <p:cNvPr id="95" name="Google Shape;95;p18"/>
-          <p:cNvSpPr txBox="1"/>
+          <p:cNvSpPr txBox="1">
+            <a:spLocks noGrp="1"/>
+          </p:cNvSpPr>
           <p:nvPr>
             <p:ph type="title"/>
           </p:nvPr>
@@ -9816,12 +10012,12 @@
           </a:prstGeom>
         </p:spPr>
         <p:txBody>
-          <a:bodyPr anchorCtr="0" anchor="t" bIns="91425" lIns="91425" spcFirstLastPara="1" rIns="91425" wrap="square" tIns="91425">
+          <a:bodyPr spcFirstLastPara="1" wrap="square" lIns="91425" tIns="91425" rIns="91425" bIns="91425" anchor="t" anchorCtr="0">
             <a:noAutofit/>
           </a:bodyPr>
           <a:lstStyle/>
           <a:p>
-            <a:pPr indent="0" lvl="0" marL="0" rtl="0" algn="l">
+            <a:pPr marL="0" lvl="0" indent="0" algn="l" rtl="0">
               <a:spcBef>
                 <a:spcPts val="0"/>
               </a:spcBef>
@@ -9841,9 +10037,11 @@
       <p:sp>
         <p:nvSpPr>
           <p:cNvPr id="96" name="Google Shape;96;p18"/>
-          <p:cNvSpPr txBox="1"/>
+          <p:cNvSpPr txBox="1">
+            <a:spLocks noGrp="1"/>
+          </p:cNvSpPr>
           <p:nvPr>
-            <p:ph idx="1" type="body"/>
+            <p:ph type="body" idx="1"/>
           </p:nvPr>
         </p:nvSpPr>
         <p:spPr>
@@ -9856,12 +10054,12 @@
           </a:prstGeom>
         </p:spPr>
         <p:txBody>
-          <a:bodyPr anchorCtr="0" anchor="t" bIns="91425" lIns="91425" spcFirstLastPara="1" rIns="91425" wrap="square" tIns="91425">
+          <a:bodyPr spcFirstLastPara="1" wrap="square" lIns="91425" tIns="91425" rIns="91425" bIns="91425" anchor="t" anchorCtr="0">
             <a:noAutofit/>
           </a:bodyPr>
           <a:lstStyle/>
           <a:p>
-            <a:pPr indent="-342900" lvl="0" marL="457200" rtl="0" algn="l">
+            <a:pPr marL="457200" lvl="0" indent="-342900" algn="l" rtl="0">
               <a:spcBef>
                 <a:spcPts val="0"/>
               </a:spcBef>
@@ -9878,7 +10076,7 @@
             <a:endParaRPr/>
           </a:p>
           <a:p>
-            <a:pPr indent="-342900" lvl="0" marL="457200" rtl="0" algn="l">
+            <a:pPr marL="457200" lvl="0" indent="-342900" algn="l" rtl="0">
               <a:spcBef>
                 <a:spcPts val="0"/>
               </a:spcBef>
@@ -9906,7 +10104,7 @@
           <a:blip r:embed="rId3">
             <a:alphaModFix/>
           </a:blip>
-          <a:srcRect b="0" l="0" r="50765" t="0"/>
+          <a:srcRect r="50765"/>
           <a:stretch/>
         </p:blipFill>
         <p:spPr>
@@ -9932,11 +10130,11 @@
 </file>
 
 <file path=ppt/slides/slide7.xml><?xml version="1.0" encoding="utf-8"?>
-<p:sld xmlns:a="http://schemas.openxmlformats.org/drawingml/2006/main" xmlns:r="http://schemas.openxmlformats.org/officeDocument/2006/relationships" xmlns:mc="http://schemas.openxmlformats.org/markup-compatibility/2006" xmlns:mv="urn:schemas-microsoft-com:mac:vml" xmlns:p="http://schemas.openxmlformats.org/presentationml/2006/main" xmlns:c="http://schemas.openxmlformats.org/drawingml/2006/chart" xmlns:dgm="http://schemas.openxmlformats.org/drawingml/2006/diagram" xmlns:o="urn:schemas-microsoft-com:office:office" xmlns:v="urn:schemas-microsoft-com:vml" xmlns:pvml="urn:schemas-microsoft-com:office:powerpoint" xmlns:com="http://schemas.openxmlformats.org/drawingml/2006/compatibility" xmlns:p14="http://schemas.microsoft.com/office/powerpoint/2010/main" xmlns:p15="http://schemas.microsoft.com/office/powerpoint/2012/main">
+<p:sld xmlns:a="http://schemas.openxmlformats.org/drawingml/2006/main" xmlns:r="http://schemas.openxmlformats.org/officeDocument/2006/relationships" xmlns:p="http://schemas.openxmlformats.org/presentationml/2006/main">
   <p:cSld>
     <p:spTree>
       <p:nvGrpSpPr>
-        <p:cNvPr id="101" name="Shape 101"/>
+        <p:cNvPr id="1" name="Shape 101"/>
         <p:cNvGrpSpPr/>
         <p:nvPr/>
       </p:nvGrpSpPr>
@@ -9951,7 +10149,9 @@
       <p:sp>
         <p:nvSpPr>
           <p:cNvPr id="102" name="Google Shape;102;p19"/>
-          <p:cNvSpPr txBox="1"/>
+          <p:cNvSpPr txBox="1">
+            <a:spLocks noGrp="1"/>
+          </p:cNvSpPr>
           <p:nvPr>
             <p:ph type="title"/>
           </p:nvPr>
@@ -9966,12 +10166,12 @@
           </a:prstGeom>
         </p:spPr>
         <p:txBody>
-          <a:bodyPr anchorCtr="0" anchor="t" bIns="91425" lIns="91425" spcFirstLastPara="1" rIns="91425" wrap="square" tIns="91425">
+          <a:bodyPr spcFirstLastPara="1" wrap="square" lIns="91425" tIns="91425" rIns="91425" bIns="91425" anchor="t" anchorCtr="0">
             <a:noAutofit/>
           </a:bodyPr>
           <a:lstStyle/>
           <a:p>
-            <a:pPr indent="0" lvl="0" marL="0" rtl="0" algn="l">
+            <a:pPr marL="0" lvl="0" indent="0" algn="l" rtl="0">
               <a:spcBef>
                 <a:spcPts val="0"/>
               </a:spcBef>
@@ -9991,9 +10191,11 @@
       <p:sp>
         <p:nvSpPr>
           <p:cNvPr id="103" name="Google Shape;103;p19"/>
-          <p:cNvSpPr txBox="1"/>
+          <p:cNvSpPr txBox="1">
+            <a:spLocks noGrp="1"/>
+          </p:cNvSpPr>
           <p:nvPr>
-            <p:ph idx="1" type="body"/>
+            <p:ph type="body" idx="1"/>
           </p:nvPr>
         </p:nvSpPr>
         <p:spPr>
@@ -10006,12 +10208,12 @@
           </a:prstGeom>
         </p:spPr>
         <p:txBody>
-          <a:bodyPr anchorCtr="0" anchor="t" bIns="91425" lIns="91425" spcFirstLastPara="1" rIns="91425" wrap="square" tIns="91425">
+          <a:bodyPr spcFirstLastPara="1" wrap="square" lIns="91425" tIns="91425" rIns="91425" bIns="91425" anchor="t" anchorCtr="0">
             <a:noAutofit/>
           </a:bodyPr>
           <a:lstStyle/>
           <a:p>
-            <a:pPr indent="-342900" lvl="0" marL="457200" rtl="0" algn="l">
+            <a:pPr marL="457200" lvl="0" indent="-342900" algn="l" rtl="0">
               <a:spcBef>
                 <a:spcPts val="0"/>
               </a:spcBef>
@@ -10028,7 +10230,7 @@
             <a:endParaRPr/>
           </a:p>
           <a:p>
-            <a:pPr indent="-317500" lvl="1" marL="914400" rtl="0" algn="l">
+            <a:pPr marL="914400" lvl="1" indent="-317500" algn="l" rtl="0">
               <a:spcBef>
                 <a:spcPts val="0"/>
               </a:spcBef>
@@ -10045,7 +10247,7 @@
             <a:endParaRPr/>
           </a:p>
           <a:p>
-            <a:pPr indent="-342900" lvl="0" marL="457200" rtl="0" algn="l">
+            <a:pPr marL="457200" lvl="0" indent="-342900" algn="l" rtl="0">
               <a:spcBef>
                 <a:spcPts val="0"/>
               </a:spcBef>
@@ -10062,7 +10264,7 @@
             <a:endParaRPr/>
           </a:p>
           <a:p>
-            <a:pPr indent="-342900" lvl="0" marL="914400" rtl="0" algn="l">
+            <a:pPr marL="914400" lvl="0" indent="-342900" algn="l" rtl="0">
               <a:spcBef>
                 <a:spcPts val="0"/>
               </a:spcBef>
@@ -10079,7 +10281,7 @@
             <a:endParaRPr/>
           </a:p>
           <a:p>
-            <a:pPr indent="-342900" lvl="0" marL="914400" rtl="0" algn="l">
+            <a:pPr marL="914400" lvl="0" indent="-342900" algn="l" rtl="0">
               <a:spcBef>
                 <a:spcPts val="0"/>
               </a:spcBef>
@@ -10096,7 +10298,7 @@
             <a:endParaRPr/>
           </a:p>
           <a:p>
-            <a:pPr indent="-342900" lvl="0" marL="914400" rtl="0" algn="l">
+            <a:pPr marL="914400" lvl="0" indent="-342900" algn="l" rtl="0">
               <a:spcBef>
                 <a:spcPts val="0"/>
               </a:spcBef>
@@ -10113,7 +10315,7 @@
             <a:endParaRPr/>
           </a:p>
           <a:p>
-            <a:pPr indent="-342900" lvl="0" marL="914400" rtl="0" algn="l">
+            <a:pPr marL="914400" lvl="0" indent="-342900" algn="l" rtl="0">
               <a:spcBef>
                 <a:spcPts val="0"/>
               </a:spcBef>
@@ -10125,16 +10327,12 @@
             </a:pPr>
             <a:r>
               <a:rPr lang="en"/>
-              <a:t>whether</a:t>
+              <a:t>whether or not a video has over 1,000,000 views  (response)</a:t>
             </a:r>
-            <a:r>
-              <a:rPr lang="en"/>
-              <a:t> or not a video has over 1,000,000 views  (response)</a:t>
-            </a:r>
-            <a:endParaRPr/>
-          </a:p>
-          <a:p>
-            <a:pPr indent="-342900" lvl="0" marL="457200" rtl="0" algn="l">
+            <a:endParaRPr/>
+          </a:p>
+          <a:p>
+            <a:pPr marL="457200" lvl="0" indent="-342900" algn="l" rtl="0">
               <a:spcBef>
                 <a:spcPts val="0"/>
               </a:spcBef>
@@ -10154,7 +10352,7 @@
       </p:sp>
       <p:pic>
         <p:nvPicPr>
-          <p:cNvPr descr="Image result for youtube logo" id="104" name="Google Shape;104;p19"/>
+          <p:cNvPr id="104" name="Google Shape;104;p19" descr="Image result for youtube logo"/>
           <p:cNvPicPr preferRelativeResize="0"/>
           <p:nvPr/>
         </p:nvPicPr>
@@ -10189,11 +10387,11 @@
 </file>
 
 <file path=ppt/slides/slide8.xml><?xml version="1.0" encoding="utf-8"?>
-<p:sld xmlns:a="http://schemas.openxmlformats.org/drawingml/2006/main" xmlns:r="http://schemas.openxmlformats.org/officeDocument/2006/relationships" xmlns:mc="http://schemas.openxmlformats.org/markup-compatibility/2006" xmlns:mv="urn:schemas-microsoft-com:mac:vml" xmlns:p="http://schemas.openxmlformats.org/presentationml/2006/main" xmlns:c="http://schemas.openxmlformats.org/drawingml/2006/chart" xmlns:dgm="http://schemas.openxmlformats.org/drawingml/2006/diagram" xmlns:o="urn:schemas-microsoft-com:office:office" xmlns:v="urn:schemas-microsoft-com:vml" xmlns:pvml="urn:schemas-microsoft-com:office:powerpoint" xmlns:com="http://schemas.openxmlformats.org/drawingml/2006/compatibility" xmlns:p14="http://schemas.microsoft.com/office/powerpoint/2010/main" xmlns:p15="http://schemas.microsoft.com/office/powerpoint/2012/main">
+<p:sld xmlns:a="http://schemas.openxmlformats.org/drawingml/2006/main" xmlns:r="http://schemas.openxmlformats.org/officeDocument/2006/relationships" xmlns:p="http://schemas.openxmlformats.org/presentationml/2006/main">
   <p:cSld>
     <p:spTree>
       <p:nvGrpSpPr>
-        <p:cNvPr id="108" name="Shape 108"/>
+        <p:cNvPr id="1" name="Shape 108"/>
         <p:cNvGrpSpPr/>
         <p:nvPr/>
       </p:nvGrpSpPr>
@@ -10208,7 +10406,9 @@
       <p:sp>
         <p:nvSpPr>
           <p:cNvPr id="109" name="Google Shape;109;p20"/>
-          <p:cNvSpPr txBox="1"/>
+          <p:cNvSpPr txBox="1">
+            <a:spLocks noGrp="1"/>
+          </p:cNvSpPr>
           <p:nvPr>
             <p:ph type="title"/>
           </p:nvPr>
@@ -10223,12 +10423,12 @@
           </a:prstGeom>
         </p:spPr>
         <p:txBody>
-          <a:bodyPr anchorCtr="0" anchor="t" bIns="91425" lIns="91425" spcFirstLastPara="1" rIns="91425" wrap="square" tIns="91425">
+          <a:bodyPr spcFirstLastPara="1" wrap="square" lIns="91425" tIns="91425" rIns="91425" bIns="91425" anchor="t" anchorCtr="0">
             <a:noAutofit/>
           </a:bodyPr>
           <a:lstStyle/>
           <a:p>
-            <a:pPr indent="0" lvl="0" marL="0" rtl="0" algn="l">
+            <a:pPr marL="0" lvl="0" indent="0" algn="l" rtl="0">
               <a:spcBef>
                 <a:spcPts val="0"/>
               </a:spcBef>
@@ -10248,9 +10448,11 @@
       <p:sp>
         <p:nvSpPr>
           <p:cNvPr id="110" name="Google Shape;110;p20"/>
-          <p:cNvSpPr txBox="1"/>
+          <p:cNvSpPr txBox="1">
+            <a:spLocks noGrp="1"/>
+          </p:cNvSpPr>
           <p:nvPr>
-            <p:ph idx="1" type="body"/>
+            <p:ph type="body" idx="1"/>
           </p:nvPr>
         </p:nvSpPr>
         <p:spPr>
@@ -10263,12 +10465,12 @@
           </a:prstGeom>
         </p:spPr>
         <p:txBody>
-          <a:bodyPr anchorCtr="0" anchor="t" bIns="91425" lIns="91425" spcFirstLastPara="1" rIns="91425" wrap="square" tIns="91425">
+          <a:bodyPr spcFirstLastPara="1" wrap="square" lIns="91425" tIns="91425" rIns="91425" bIns="91425" anchor="t" anchorCtr="0">
             <a:noAutofit/>
           </a:bodyPr>
           <a:lstStyle/>
           <a:p>
-            <a:pPr indent="-342900" lvl="0" marL="457200" rtl="0" algn="l">
+            <a:pPr marL="457200" lvl="0" indent="-342900" algn="l" rtl="0">
               <a:spcBef>
                 <a:spcPts val="0"/>
               </a:spcBef>
@@ -10285,7 +10487,7 @@
             <a:endParaRPr/>
           </a:p>
           <a:p>
-            <a:pPr indent="-317500" lvl="1" marL="914400" rtl="0" algn="l">
+            <a:pPr marL="914400" lvl="1" indent="-317500" algn="l" rtl="0">
               <a:spcBef>
                 <a:spcPts val="0"/>
               </a:spcBef>
@@ -10302,7 +10504,7 @@
             <a:endParaRPr/>
           </a:p>
           <a:p>
-            <a:pPr indent="-317500" lvl="1" marL="914400" rtl="0" algn="l">
+            <a:pPr marL="914400" lvl="1" indent="-317500" algn="l" rtl="0">
               <a:spcBef>
                 <a:spcPts val="0"/>
               </a:spcBef>
@@ -10319,7 +10521,7 @@
             <a:endParaRPr/>
           </a:p>
           <a:p>
-            <a:pPr indent="-317500" lvl="1" marL="914400" rtl="0" algn="l">
+            <a:pPr marL="914400" lvl="1" indent="-317500" algn="l" rtl="0">
               <a:spcBef>
                 <a:spcPts val="0"/>
               </a:spcBef>
@@ -10336,7 +10538,7 @@
             <a:endParaRPr/>
           </a:p>
           <a:p>
-            <a:pPr indent="-342900" lvl="0" marL="457200" rtl="0" algn="l">
+            <a:pPr marL="457200" lvl="0" indent="-342900" algn="l" rtl="0">
               <a:spcBef>
                 <a:spcPts val="0"/>
               </a:spcBef>
@@ -10353,7 +10555,7 @@
             <a:endParaRPr/>
           </a:p>
           <a:p>
-            <a:pPr indent="-342900" lvl="0" marL="457200" rtl="0" algn="l">
+            <a:pPr marL="457200" lvl="0" indent="-342900" algn="l" rtl="0">
               <a:spcBef>
                 <a:spcPts val="0"/>
               </a:spcBef>
@@ -10380,11 +10582,11 @@
 </file>
 
 <file path=ppt/slides/slide9.xml><?xml version="1.0" encoding="utf-8"?>
-<p:sld xmlns:a="http://schemas.openxmlformats.org/drawingml/2006/main" xmlns:r="http://schemas.openxmlformats.org/officeDocument/2006/relationships" xmlns:mc="http://schemas.openxmlformats.org/markup-compatibility/2006" xmlns:mv="urn:schemas-microsoft-com:mac:vml" xmlns:p="http://schemas.openxmlformats.org/presentationml/2006/main" xmlns:c="http://schemas.openxmlformats.org/drawingml/2006/chart" xmlns:dgm="http://schemas.openxmlformats.org/drawingml/2006/diagram" xmlns:o="urn:schemas-microsoft-com:office:office" xmlns:v="urn:schemas-microsoft-com:vml" xmlns:pvml="urn:schemas-microsoft-com:office:powerpoint" xmlns:com="http://schemas.openxmlformats.org/drawingml/2006/compatibility" xmlns:p14="http://schemas.microsoft.com/office/powerpoint/2010/main" xmlns:p15="http://schemas.microsoft.com/office/powerpoint/2012/main">
+<p:sld xmlns:a="http://schemas.openxmlformats.org/drawingml/2006/main" xmlns:r="http://schemas.openxmlformats.org/officeDocument/2006/relationships" xmlns:p="http://schemas.openxmlformats.org/presentationml/2006/main">
   <p:cSld>
     <p:spTree>
       <p:nvGrpSpPr>
-        <p:cNvPr id="114" name="Shape 114"/>
+        <p:cNvPr id="1" name="Shape 114"/>
         <p:cNvGrpSpPr/>
         <p:nvPr/>
       </p:nvGrpSpPr>
@@ -10399,7 +10601,9 @@
       <p:sp>
         <p:nvSpPr>
           <p:cNvPr id="115" name="Google Shape;115;p21"/>
-          <p:cNvSpPr txBox="1"/>
+          <p:cNvSpPr txBox="1">
+            <a:spLocks noGrp="1"/>
+          </p:cNvSpPr>
           <p:nvPr>
             <p:ph type="title"/>
           </p:nvPr>
@@ -10414,12 +10618,12 @@
           </a:prstGeom>
         </p:spPr>
         <p:txBody>
-          <a:bodyPr anchorCtr="0" anchor="t" bIns="91425" lIns="91425" spcFirstLastPara="1" rIns="91425" wrap="square" tIns="91425">
+          <a:bodyPr spcFirstLastPara="1" wrap="square" lIns="91425" tIns="91425" rIns="91425" bIns="91425" anchor="t" anchorCtr="0">
             <a:noAutofit/>
           </a:bodyPr>
           <a:lstStyle/>
           <a:p>
-            <a:pPr indent="0" lvl="0" marL="0" rtl="0" algn="l">
+            <a:pPr marL="0" lvl="0" indent="0" algn="l" rtl="0">
               <a:spcBef>
                 <a:spcPts val="0"/>
               </a:spcBef>
@@ -10439,9 +10643,11 @@
       <p:sp>
         <p:nvSpPr>
           <p:cNvPr id="116" name="Google Shape;116;p21"/>
-          <p:cNvSpPr txBox="1"/>
+          <p:cNvSpPr txBox="1">
+            <a:spLocks noGrp="1"/>
+          </p:cNvSpPr>
           <p:nvPr>
-            <p:ph idx="1" type="body"/>
+            <p:ph type="body" idx="1"/>
           </p:nvPr>
         </p:nvSpPr>
         <p:spPr>
@@ -10454,12 +10660,12 @@
           </a:prstGeom>
         </p:spPr>
         <p:txBody>
-          <a:bodyPr anchorCtr="0" anchor="t" bIns="91425" lIns="91425" spcFirstLastPara="1" rIns="91425" wrap="square" tIns="91425">
+          <a:bodyPr spcFirstLastPara="1" wrap="square" lIns="91425" tIns="91425" rIns="91425" bIns="91425" anchor="t" anchorCtr="0">
             <a:noAutofit/>
           </a:bodyPr>
           <a:lstStyle/>
           <a:p>
-            <a:pPr indent="-342900" lvl="0" marL="457200" rtl="0" algn="l">
+            <a:pPr marL="457200" lvl="0" indent="-342900" algn="l" rtl="0">
               <a:spcBef>
                 <a:spcPts val="0"/>
               </a:spcBef>
@@ -10476,7 +10682,7 @@
             <a:endParaRPr/>
           </a:p>
           <a:p>
-            <a:pPr indent="-342900" lvl="0" marL="457200" rtl="0" algn="l">
+            <a:pPr marL="457200" lvl="0" indent="-342900" algn="l" rtl="0">
               <a:spcBef>
                 <a:spcPts val="0"/>
               </a:spcBef>
@@ -10493,7 +10699,7 @@
             <a:endParaRPr/>
           </a:p>
           <a:p>
-            <a:pPr indent="-342900" lvl="0" marL="457200" rtl="0" algn="l">
+            <a:pPr marL="457200" lvl="0" indent="-342900" algn="l" rtl="0">
               <a:spcBef>
                 <a:spcPts val="0"/>
               </a:spcBef>
@@ -10510,7 +10716,7 @@
             <a:endParaRPr/>
           </a:p>
           <a:p>
-            <a:pPr indent="-317500" lvl="1" marL="914400" rtl="0" algn="l">
+            <a:pPr marL="914400" lvl="1" indent="-317500" algn="l" rtl="0">
               <a:spcBef>
                 <a:spcPts val="0"/>
               </a:spcBef>
@@ -10527,7 +10733,7 @@
             <a:endParaRPr/>
           </a:p>
           <a:p>
-            <a:pPr indent="-342900" lvl="0" marL="457200" rtl="0" algn="l">
+            <a:pPr marL="457200" lvl="0" indent="-342900" algn="l" rtl="0">
               <a:spcBef>
                 <a:spcPts val="0"/>
               </a:spcBef>
@@ -10544,7 +10750,7 @@
             <a:endParaRPr/>
           </a:p>
           <a:p>
-            <a:pPr indent="-317500" lvl="1" marL="914400" rtl="0" algn="l">
+            <a:pPr marL="914400" lvl="1" indent="-317500" algn="l" rtl="0">
               <a:spcBef>
                 <a:spcPts val="0"/>
               </a:spcBef>
@@ -10561,7 +10767,7 @@
             <a:endParaRPr/>
           </a:p>
           <a:p>
-            <a:pPr indent="-342900" lvl="0" marL="457200" rtl="0" algn="l">
+            <a:pPr marL="457200" lvl="0" indent="-342900" algn="l" rtl="0">
               <a:spcBef>
                 <a:spcPts val="0"/>
               </a:spcBef>
@@ -10616,7 +10822,288 @@
 </file>
 
 <file path=ppt/theme/theme1.xml><?xml version="1.0" encoding="utf-8"?>
-<a:theme xmlns:a="http://schemas.openxmlformats.org/drawingml/2006/main" xmlns:r="http://schemas.openxmlformats.org/officeDocument/2006/relationships">
+<a:theme xmlns:a="http://schemas.openxmlformats.org/drawingml/2006/main" name="Slate">
+  <a:themeElements>
+    <a:clrScheme name="Slate">
+      <a:dk1>
+        <a:srgbClr val="FFFFFF"/>
+      </a:dk1>
+      <a:lt1>
+        <a:srgbClr val="37474F"/>
+      </a:lt1>
+      <a:dk2>
+        <a:srgbClr val="9E9E9E"/>
+      </a:dk2>
+      <a:lt2>
+        <a:srgbClr val="E0E0E0"/>
+      </a:lt2>
+      <a:accent1>
+        <a:srgbClr val="616161"/>
+      </a:accent1>
+      <a:accent2>
+        <a:srgbClr val="78909C"/>
+      </a:accent2>
+      <a:accent3>
+        <a:srgbClr val="CACACA"/>
+      </a:accent3>
+      <a:accent4>
+        <a:srgbClr val="64FFDA"/>
+      </a:accent4>
+      <a:accent5>
+        <a:srgbClr val="FFD966"/>
+      </a:accent5>
+      <a:accent6>
+        <a:srgbClr val="F5F5F5"/>
+      </a:accent6>
+      <a:hlink>
+        <a:srgbClr val="FFD966"/>
+      </a:hlink>
+      <a:folHlink>
+        <a:srgbClr val="FFD966"/>
+      </a:folHlink>
+    </a:clrScheme>
+    <a:fontScheme name="Office">
+      <a:majorFont>
+        <a:latin typeface="Arial"/>
+        <a:ea typeface=""/>
+        <a:cs typeface=""/>
+        <a:font script="Jpan" typeface="ＭＳ Ｐゴシック"/>
+        <a:font script="Hang" typeface="맑은 고딕"/>
+        <a:font script="Hans" typeface="宋体"/>
+        <a:font script="Hant" typeface="新細明體"/>
+        <a:font script="Arab" typeface="Times New Roman"/>
+        <a:font script="Hebr" typeface="Times New Roman"/>
+        <a:font script="Thai" typeface="Angsana New"/>
+        <a:font script="Ethi" typeface="Nyala"/>
+        <a:font script="Beng" typeface="Vrinda"/>
+        <a:font script="Gujr" typeface="Shruti"/>
+        <a:font script="Khmr" typeface="MoolBoran"/>
+        <a:font script="Knda" typeface="Tunga"/>
+        <a:font script="Guru" typeface="Raavi"/>
+        <a:font script="Cans" typeface="Euphemia"/>
+        <a:font script="Cher" typeface="Plantagenet Cherokee"/>
+        <a:font script="Yiii" typeface="Microsoft Yi Baiti"/>
+        <a:font script="Tibt" typeface="Microsoft Himalaya"/>
+        <a:font script="Thaa" typeface="MV Boli"/>
+        <a:font script="Deva" typeface="Mangal"/>
+        <a:font script="Telu" typeface="Gautami"/>
+        <a:font script="Taml" typeface="Latha"/>
+        <a:font script="Syrc" typeface="Estrangelo Edessa"/>
+        <a:font script="Orya" typeface="Kalinga"/>
+        <a:font script="Mlym" typeface="Kartika"/>
+        <a:font script="Laoo" typeface="DokChampa"/>
+        <a:font script="Sinh" typeface="Iskoola Pota"/>
+        <a:font script="Mong" typeface="Mongolian Baiti"/>
+        <a:font script="Viet" typeface="Times New Roman"/>
+        <a:font script="Uigh" typeface="Microsoft Uighur"/>
+        <a:font script="Geor" typeface="Sylfaen"/>
+      </a:majorFont>
+      <a:minorFont>
+        <a:latin typeface="Arial"/>
+        <a:ea typeface=""/>
+        <a:cs typeface=""/>
+        <a:font script="Jpan" typeface="ＭＳ Ｐゴシック"/>
+        <a:font script="Hang" typeface="맑은 고딕"/>
+        <a:font script="Hans" typeface="宋体"/>
+        <a:font script="Hant" typeface="新細明體"/>
+        <a:font script="Arab" typeface="Arial"/>
+        <a:font script="Hebr" typeface="Arial"/>
+        <a:font script="Thai" typeface="Cordia New"/>
+        <a:font script="Ethi" typeface="Nyala"/>
+        <a:font script="Beng" typeface="Vrinda"/>
+        <a:font script="Gujr" typeface="Shruti"/>
+        <a:font script="Khmr" typeface="DaunPenh"/>
+        <a:font script="Knda" typeface="Tunga"/>
+        <a:font script="Guru" typeface="Raavi"/>
+        <a:font script="Cans" typeface="Euphemia"/>
+        <a:font script="Cher" typeface="Plantagenet Cherokee"/>
+        <a:font script="Yiii" typeface="Microsoft Yi Baiti"/>
+        <a:font script="Tibt" typeface="Microsoft Himalaya"/>
+        <a:font script="Thaa" typeface="MV Boli"/>
+        <a:font script="Deva" typeface="Mangal"/>
+        <a:font script="Telu" typeface="Gautami"/>
+        <a:font script="Taml" typeface="Latha"/>
+        <a:font script="Syrc" typeface="Estrangelo Edessa"/>
+        <a:font script="Orya" typeface="Kalinga"/>
+        <a:font script="Mlym" typeface="Kartika"/>
+        <a:font script="Laoo" typeface="DokChampa"/>
+        <a:font script="Sinh" typeface="Iskoola Pota"/>
+        <a:font script="Mong" typeface="Mongolian Baiti"/>
+        <a:font script="Viet" typeface="Arial"/>
+        <a:font script="Uigh" typeface="Microsoft Uighur"/>
+        <a:font script="Geor" typeface="Sylfaen"/>
+      </a:minorFont>
+    </a:fontScheme>
+    <a:fmtScheme name="Office">
+      <a:fillStyleLst>
+        <a:solidFill>
+          <a:schemeClr val="phClr"/>
+        </a:solidFill>
+        <a:gradFill rotWithShape="1">
+          <a:gsLst>
+            <a:gs pos="0">
+              <a:schemeClr val="phClr">
+                <a:tint val="50000"/>
+                <a:satMod val="300000"/>
+              </a:schemeClr>
+            </a:gs>
+            <a:gs pos="35000">
+              <a:schemeClr val="phClr">
+                <a:tint val="37000"/>
+                <a:satMod val="300000"/>
+              </a:schemeClr>
+            </a:gs>
+            <a:gs pos="100000">
+              <a:schemeClr val="phClr">
+                <a:tint val="15000"/>
+                <a:satMod val="350000"/>
+              </a:schemeClr>
+            </a:gs>
+          </a:gsLst>
+          <a:lin ang="16200000" scaled="1"/>
+        </a:gradFill>
+        <a:gradFill rotWithShape="1">
+          <a:gsLst>
+            <a:gs pos="0">
+              <a:schemeClr val="phClr">
+                <a:tint val="100000"/>
+                <a:shade val="100000"/>
+                <a:satMod val="130000"/>
+              </a:schemeClr>
+            </a:gs>
+            <a:gs pos="100000">
+              <a:schemeClr val="phClr">
+                <a:tint val="50000"/>
+                <a:shade val="100000"/>
+                <a:satMod val="350000"/>
+              </a:schemeClr>
+            </a:gs>
+          </a:gsLst>
+          <a:lin ang="16200000" scaled="0"/>
+        </a:gradFill>
+      </a:fillStyleLst>
+      <a:lnStyleLst>
+        <a:ln w="9525" cap="flat" cmpd="sng" algn="ctr">
+          <a:solidFill>
+            <a:schemeClr val="phClr">
+              <a:shade val="95000"/>
+              <a:satMod val="105000"/>
+            </a:schemeClr>
+          </a:solidFill>
+          <a:prstDash val="solid"/>
+        </a:ln>
+        <a:ln w="25400" cap="flat" cmpd="sng" algn="ctr">
+          <a:solidFill>
+            <a:schemeClr val="phClr"/>
+          </a:solidFill>
+          <a:prstDash val="solid"/>
+        </a:ln>
+        <a:ln w="38100" cap="flat" cmpd="sng" algn="ctr">
+          <a:solidFill>
+            <a:schemeClr val="phClr"/>
+          </a:solidFill>
+          <a:prstDash val="solid"/>
+        </a:ln>
+      </a:lnStyleLst>
+      <a:effectStyleLst>
+        <a:effectStyle>
+          <a:effectLst>
+            <a:outerShdw blurRad="40000" dist="20000" dir="5400000" rotWithShape="0">
+              <a:srgbClr val="000000">
+                <a:alpha val="38000"/>
+              </a:srgbClr>
+            </a:outerShdw>
+          </a:effectLst>
+        </a:effectStyle>
+        <a:effectStyle>
+          <a:effectLst>
+            <a:outerShdw blurRad="40000" dist="23000" dir="5400000" rotWithShape="0">
+              <a:srgbClr val="000000">
+                <a:alpha val="35000"/>
+              </a:srgbClr>
+            </a:outerShdw>
+          </a:effectLst>
+        </a:effectStyle>
+        <a:effectStyle>
+          <a:effectLst>
+            <a:outerShdw blurRad="40000" dist="23000" dir="5400000" rotWithShape="0">
+              <a:srgbClr val="000000">
+                <a:alpha val="35000"/>
+              </a:srgbClr>
+            </a:outerShdw>
+          </a:effectLst>
+          <a:scene3d>
+            <a:camera prst="orthographicFront">
+              <a:rot lat="0" lon="0" rev="0"/>
+            </a:camera>
+            <a:lightRig rig="threePt" dir="t">
+              <a:rot lat="0" lon="0" rev="1200000"/>
+            </a:lightRig>
+          </a:scene3d>
+          <a:sp3d>
+            <a:bevelT w="63500" h="25400"/>
+          </a:sp3d>
+        </a:effectStyle>
+      </a:effectStyleLst>
+      <a:bgFillStyleLst>
+        <a:solidFill>
+          <a:schemeClr val="phClr"/>
+        </a:solidFill>
+        <a:gradFill rotWithShape="1">
+          <a:gsLst>
+            <a:gs pos="0">
+              <a:schemeClr val="phClr">
+                <a:tint val="40000"/>
+                <a:satMod val="350000"/>
+              </a:schemeClr>
+            </a:gs>
+            <a:gs pos="40000">
+              <a:schemeClr val="phClr">
+                <a:tint val="45000"/>
+                <a:shade val="99000"/>
+                <a:satMod val="350000"/>
+              </a:schemeClr>
+            </a:gs>
+            <a:gs pos="100000">
+              <a:schemeClr val="phClr">
+                <a:shade val="20000"/>
+                <a:satMod val="255000"/>
+              </a:schemeClr>
+            </a:gs>
+          </a:gsLst>
+          <a:path path="circle">
+            <a:fillToRect l="50000" t="-80000" r="50000" b="180000"/>
+          </a:path>
+        </a:gradFill>
+        <a:gradFill rotWithShape="1">
+          <a:gsLst>
+            <a:gs pos="0">
+              <a:schemeClr val="phClr">
+                <a:tint val="80000"/>
+                <a:satMod val="300000"/>
+              </a:schemeClr>
+            </a:gs>
+            <a:gs pos="100000">
+              <a:schemeClr val="phClr">
+                <a:shade val="30000"/>
+                <a:satMod val="200000"/>
+              </a:schemeClr>
+            </a:gs>
+          </a:gsLst>
+          <a:path path="circle">
+            <a:fillToRect l="50000" t="50000" r="50000" b="50000"/>
+          </a:path>
+        </a:gradFill>
+      </a:bgFillStyleLst>
+    </a:fmtScheme>
+  </a:themeElements>
+  <a:objectDefaults/>
+  <a:extraClrSchemeLst/>
+</a:theme>
+</file>
+
+<file path=ppt/theme/theme2.xml><?xml version="1.0" encoding="utf-8"?>
+<a:theme xmlns:a="http://schemas.openxmlformats.org/drawingml/2006/main">
   <a:themeElements>
     <a:clrScheme name="Default">
       <a:dk1>
@@ -10891,284 +11378,7 @@
       </a:bgFillStyleLst>
     </a:fmtScheme>
   </a:themeElements>
-</a:theme>
-</file>
-
-<file path=ppt/theme/theme2.xml><?xml version="1.0" encoding="utf-8"?>
-<a:theme xmlns:a="http://schemas.openxmlformats.org/drawingml/2006/main" xmlns:r="http://schemas.openxmlformats.org/officeDocument/2006/relationships" name="Slate">
-  <a:themeElements>
-    <a:clrScheme name="Slate">
-      <a:dk1>
-        <a:srgbClr val="FFFFFF"/>
-      </a:dk1>
-      <a:lt1>
-        <a:srgbClr val="37474F"/>
-      </a:lt1>
-      <a:dk2>
-        <a:srgbClr val="9E9E9E"/>
-      </a:dk2>
-      <a:lt2>
-        <a:srgbClr val="E0E0E0"/>
-      </a:lt2>
-      <a:accent1>
-        <a:srgbClr val="616161"/>
-      </a:accent1>
-      <a:accent2>
-        <a:srgbClr val="78909C"/>
-      </a:accent2>
-      <a:accent3>
-        <a:srgbClr val="CACACA"/>
-      </a:accent3>
-      <a:accent4>
-        <a:srgbClr val="64FFDA"/>
-      </a:accent4>
-      <a:accent5>
-        <a:srgbClr val="FFD966"/>
-      </a:accent5>
-      <a:accent6>
-        <a:srgbClr val="F5F5F5"/>
-      </a:accent6>
-      <a:hlink>
-        <a:srgbClr val="FFD966"/>
-      </a:hlink>
-      <a:folHlink>
-        <a:srgbClr val="FFD966"/>
-      </a:folHlink>
-    </a:clrScheme>
-    <a:fontScheme name="Office">
-      <a:majorFont>
-        <a:latin typeface="Arial"/>
-        <a:ea typeface=""/>
-        <a:cs typeface=""/>
-        <a:font script="Jpan" typeface="ＭＳ Ｐゴシック"/>
-        <a:font script="Hang" typeface="맑은 고딕"/>
-        <a:font script="Hans" typeface="宋体"/>
-        <a:font script="Hant" typeface="新細明體"/>
-        <a:font script="Arab" typeface="Times New Roman"/>
-        <a:font script="Hebr" typeface="Times New Roman"/>
-        <a:font script="Thai" typeface="Angsana New"/>
-        <a:font script="Ethi" typeface="Nyala"/>
-        <a:font script="Beng" typeface="Vrinda"/>
-        <a:font script="Gujr" typeface="Shruti"/>
-        <a:font script="Khmr" typeface="MoolBoran"/>
-        <a:font script="Knda" typeface="Tunga"/>
-        <a:font script="Guru" typeface="Raavi"/>
-        <a:font script="Cans" typeface="Euphemia"/>
-        <a:font script="Cher" typeface="Plantagenet Cherokee"/>
-        <a:font script="Yiii" typeface="Microsoft Yi Baiti"/>
-        <a:font script="Tibt" typeface="Microsoft Himalaya"/>
-        <a:font script="Thaa" typeface="MV Boli"/>
-        <a:font script="Deva" typeface="Mangal"/>
-        <a:font script="Telu" typeface="Gautami"/>
-        <a:font script="Taml" typeface="Latha"/>
-        <a:font script="Syrc" typeface="Estrangelo Edessa"/>
-        <a:font script="Orya" typeface="Kalinga"/>
-        <a:font script="Mlym" typeface="Kartika"/>
-        <a:font script="Laoo" typeface="DokChampa"/>
-        <a:font script="Sinh" typeface="Iskoola Pota"/>
-        <a:font script="Mong" typeface="Mongolian Baiti"/>
-        <a:font script="Viet" typeface="Times New Roman"/>
-        <a:font script="Uigh" typeface="Microsoft Uighur"/>
-        <a:font script="Geor" typeface="Sylfaen"/>
-      </a:majorFont>
-      <a:minorFont>
-        <a:latin typeface="Arial"/>
-        <a:ea typeface=""/>
-        <a:cs typeface=""/>
-        <a:font script="Jpan" typeface="ＭＳ Ｐゴシック"/>
-        <a:font script="Hang" typeface="맑은 고딕"/>
-        <a:font script="Hans" typeface="宋体"/>
-        <a:font script="Hant" typeface="新細明體"/>
-        <a:font script="Arab" typeface="Arial"/>
-        <a:font script="Hebr" typeface="Arial"/>
-        <a:font script="Thai" typeface="Cordia New"/>
-        <a:font script="Ethi" typeface="Nyala"/>
-        <a:font script="Beng" typeface="Vrinda"/>
-        <a:font script="Gujr" typeface="Shruti"/>
-        <a:font script="Khmr" typeface="DaunPenh"/>
-        <a:font script="Knda" typeface="Tunga"/>
-        <a:font script="Guru" typeface="Raavi"/>
-        <a:font script="Cans" typeface="Euphemia"/>
-        <a:font script="Cher" typeface="Plantagenet Cherokee"/>
-        <a:font script="Yiii" typeface="Microsoft Yi Baiti"/>
-        <a:font script="Tibt" typeface="Microsoft Himalaya"/>
-        <a:font script="Thaa" typeface="MV Boli"/>
-        <a:font script="Deva" typeface="Mangal"/>
-        <a:font script="Telu" typeface="Gautami"/>
-        <a:font script="Taml" typeface="Latha"/>
-        <a:font script="Syrc" typeface="Estrangelo Edessa"/>
-        <a:font script="Orya" typeface="Kalinga"/>
-        <a:font script="Mlym" typeface="Kartika"/>
-        <a:font script="Laoo" typeface="DokChampa"/>
-        <a:font script="Sinh" typeface="Iskoola Pota"/>
-        <a:font script="Mong" typeface="Mongolian Baiti"/>
-        <a:font script="Viet" typeface="Arial"/>
-        <a:font script="Uigh" typeface="Microsoft Uighur"/>
-        <a:font script="Geor" typeface="Sylfaen"/>
-      </a:minorFont>
-    </a:fontScheme>
-    <a:fmtScheme name="Office">
-      <a:fillStyleLst>
-        <a:solidFill>
-          <a:schemeClr val="phClr"/>
-        </a:solidFill>
-        <a:gradFill rotWithShape="1">
-          <a:gsLst>
-            <a:gs pos="0">
-              <a:schemeClr val="phClr">
-                <a:tint val="50000"/>
-                <a:satMod val="300000"/>
-              </a:schemeClr>
-            </a:gs>
-            <a:gs pos="35000">
-              <a:schemeClr val="phClr">
-                <a:tint val="37000"/>
-                <a:satMod val="300000"/>
-              </a:schemeClr>
-            </a:gs>
-            <a:gs pos="100000">
-              <a:schemeClr val="phClr">
-                <a:tint val="15000"/>
-                <a:satMod val="350000"/>
-              </a:schemeClr>
-            </a:gs>
-          </a:gsLst>
-          <a:lin ang="16200000" scaled="1"/>
-        </a:gradFill>
-        <a:gradFill rotWithShape="1">
-          <a:gsLst>
-            <a:gs pos="0">
-              <a:schemeClr val="phClr">
-                <a:tint val="100000"/>
-                <a:shade val="100000"/>
-                <a:satMod val="130000"/>
-              </a:schemeClr>
-            </a:gs>
-            <a:gs pos="100000">
-              <a:schemeClr val="phClr">
-                <a:tint val="50000"/>
-                <a:shade val="100000"/>
-                <a:satMod val="350000"/>
-              </a:schemeClr>
-            </a:gs>
-          </a:gsLst>
-          <a:lin ang="16200000" scaled="0"/>
-        </a:gradFill>
-      </a:fillStyleLst>
-      <a:lnStyleLst>
-        <a:ln w="9525" cap="flat" cmpd="sng" algn="ctr">
-          <a:solidFill>
-            <a:schemeClr val="phClr">
-              <a:shade val="95000"/>
-              <a:satMod val="105000"/>
-            </a:schemeClr>
-          </a:solidFill>
-          <a:prstDash val="solid"/>
-        </a:ln>
-        <a:ln w="25400" cap="flat" cmpd="sng" algn="ctr">
-          <a:solidFill>
-            <a:schemeClr val="phClr"/>
-          </a:solidFill>
-          <a:prstDash val="solid"/>
-        </a:ln>
-        <a:ln w="38100" cap="flat" cmpd="sng" algn="ctr">
-          <a:solidFill>
-            <a:schemeClr val="phClr"/>
-          </a:solidFill>
-          <a:prstDash val="solid"/>
-        </a:ln>
-      </a:lnStyleLst>
-      <a:effectStyleLst>
-        <a:effectStyle>
-          <a:effectLst>
-            <a:outerShdw blurRad="40000" dist="20000" dir="5400000" rotWithShape="0">
-              <a:srgbClr val="000000">
-                <a:alpha val="38000"/>
-              </a:srgbClr>
-            </a:outerShdw>
-          </a:effectLst>
-        </a:effectStyle>
-        <a:effectStyle>
-          <a:effectLst>
-            <a:outerShdw blurRad="40000" dist="23000" dir="5400000" rotWithShape="0">
-              <a:srgbClr val="000000">
-                <a:alpha val="35000"/>
-              </a:srgbClr>
-            </a:outerShdw>
-          </a:effectLst>
-        </a:effectStyle>
-        <a:effectStyle>
-          <a:effectLst>
-            <a:outerShdw blurRad="40000" dist="23000" dir="5400000" rotWithShape="0">
-              <a:srgbClr val="000000">
-                <a:alpha val="35000"/>
-              </a:srgbClr>
-            </a:outerShdw>
-          </a:effectLst>
-          <a:scene3d>
-            <a:camera prst="orthographicFront">
-              <a:rot lat="0" lon="0" rev="0"/>
-            </a:camera>
-            <a:lightRig rig="threePt" dir="t">
-              <a:rot lat="0" lon="0" rev="1200000"/>
-            </a:lightRig>
-          </a:scene3d>
-          <a:sp3d>
-            <a:bevelT w="63500" h="25400"/>
-          </a:sp3d>
-        </a:effectStyle>
-      </a:effectStyleLst>
-      <a:bgFillStyleLst>
-        <a:solidFill>
-          <a:schemeClr val="phClr"/>
-        </a:solidFill>
-        <a:gradFill rotWithShape="1">
-          <a:gsLst>
-            <a:gs pos="0">
-              <a:schemeClr val="phClr">
-                <a:tint val="40000"/>
-                <a:satMod val="350000"/>
-              </a:schemeClr>
-            </a:gs>
-            <a:gs pos="40000">
-              <a:schemeClr val="phClr">
-                <a:tint val="45000"/>
-                <a:shade val="99000"/>
-                <a:satMod val="350000"/>
-              </a:schemeClr>
-            </a:gs>
-            <a:gs pos="100000">
-              <a:schemeClr val="phClr">
-                <a:shade val="20000"/>
-                <a:satMod val="255000"/>
-              </a:schemeClr>
-            </a:gs>
-          </a:gsLst>
-          <a:path path="circle">
-            <a:fillToRect l="50000" t="-80000" r="50000" b="180000"/>
-          </a:path>
-        </a:gradFill>
-        <a:gradFill rotWithShape="1">
-          <a:gsLst>
-            <a:gs pos="0">
-              <a:schemeClr val="phClr">
-                <a:tint val="80000"/>
-                <a:satMod val="300000"/>
-              </a:schemeClr>
-            </a:gs>
-            <a:gs pos="100000">
-              <a:schemeClr val="phClr">
-                <a:shade val="30000"/>
-                <a:satMod val="200000"/>
-              </a:schemeClr>
-            </a:gs>
-          </a:gsLst>
-          <a:path path="circle">
-            <a:fillToRect l="50000" t="50000" r="50000" b="50000"/>
-          </a:path>
-        </a:gradFill>
-      </a:bgFillStyleLst>
-    </a:fmtScheme>
-  </a:themeElements>
+  <a:objectDefaults/>
+  <a:extraClrSchemeLst/>
 </a:theme>
 </file>